--- a/AI-Overview-lecture1.pptx
+++ b/AI-Overview-lecture1.pptx
@@ -5,10 +5,10 @@
     <p:sldMasterId id="2147483668" r:id="rId1"/>
   </p:sldMasterIdLst>
   <p:notesMasterIdLst>
-    <p:notesMasterId r:id="rId29"/>
+    <p:notesMasterId r:id="rId35"/>
   </p:notesMasterIdLst>
   <p:handoutMasterIdLst>
-    <p:handoutMasterId r:id="rId30"/>
+    <p:handoutMasterId r:id="rId36"/>
   </p:handoutMasterIdLst>
   <p:sldIdLst>
     <p:sldId id="256" r:id="rId2"/>
@@ -29,15 +29,21 @@
     <p:sldId id="289" r:id="rId17"/>
     <p:sldId id="287" r:id="rId18"/>
     <p:sldId id="285" r:id="rId19"/>
-    <p:sldId id="267" r:id="rId20"/>
-    <p:sldId id="280" r:id="rId21"/>
-    <p:sldId id="281" r:id="rId22"/>
-    <p:sldId id="282" r:id="rId23"/>
-    <p:sldId id="283" r:id="rId24"/>
-    <p:sldId id="284" r:id="rId25"/>
-    <p:sldId id="268" r:id="rId26"/>
-    <p:sldId id="286" r:id="rId27"/>
+    <p:sldId id="268" r:id="rId20"/>
+    <p:sldId id="286" r:id="rId21"/>
+    <p:sldId id="290" r:id="rId22"/>
+    <p:sldId id="296" r:id="rId23"/>
+    <p:sldId id="292" r:id="rId24"/>
+    <p:sldId id="293" r:id="rId25"/>
+    <p:sldId id="294" r:id="rId26"/>
+    <p:sldId id="295" r:id="rId27"/>
     <p:sldId id="270" r:id="rId28"/>
+    <p:sldId id="267" r:id="rId29"/>
+    <p:sldId id="280" r:id="rId30"/>
+    <p:sldId id="281" r:id="rId31"/>
+    <p:sldId id="282" r:id="rId32"/>
+    <p:sldId id="283" r:id="rId33"/>
+    <p:sldId id="284" r:id="rId34"/>
   </p:sldIdLst>
   <p:sldSz cx="9144000" cy="6858000" type="screen4x3"/>
   <p:notesSz cx="6797675" cy="9874250"/>
@@ -18663,7 +18669,7 @@
           <a:p>
             <a:r>
               <a:rPr lang="en-US" altLang="zh-TW" dirty="0" smtClean="0"/>
-              <a:t>Application of AI</a:t>
+              <a:t>Categorization of AI</a:t>
             </a:r>
             <a:endParaRPr lang="zh-TW" altLang="en-US" dirty="0"/>
           </a:p>
@@ -18686,40 +18692,108 @@
           <a:p>
             <a:r>
               <a:rPr lang="en-US" altLang="zh-TW" dirty="0" smtClean="0"/>
-              <a:t>Image Processing</a:t>
-            </a:r>
-          </a:p>
-          <a:p>
-            <a:r>
-              <a:rPr lang="en-US" altLang="zh-TW" dirty="0" smtClean="0"/>
-              <a:t>Language Processing</a:t>
-            </a:r>
-          </a:p>
-          <a:p>
-            <a:r>
-              <a:rPr lang="en-US" altLang="zh-TW" dirty="0" smtClean="0"/>
-              <a:t>Logistic Reasoning</a:t>
-            </a:r>
-          </a:p>
-          <a:p>
-            <a:r>
-              <a:rPr lang="en-US" altLang="zh-TW" dirty="0" smtClean="0"/>
-              <a:t>Recommendation System</a:t>
-            </a:r>
-          </a:p>
-          <a:p>
-            <a:r>
-              <a:rPr lang="en-US" altLang="zh-TW" dirty="0" smtClean="0"/>
-              <a:t>Medical Application, Disease Detection or Health Care </a:t>
-            </a:r>
-            <a:endParaRPr lang="zh-TW" altLang="en-US" dirty="0"/>
+              <a:t>Based on capability:</a:t>
+            </a:r>
+          </a:p>
+          <a:p>
+            <a:pPr marL="514350" indent="-514350">
+              <a:buFont typeface="+mj-lt"/>
+              <a:buAutoNum type="arabicPeriod"/>
+            </a:pPr>
+            <a:r>
+              <a:rPr lang="en-US" altLang="zh-TW" sz="1800" dirty="0" smtClean="0"/>
+              <a:t>Weak AI =&gt; Narrow AI</a:t>
+            </a:r>
+          </a:p>
+          <a:p>
+            <a:pPr marL="514350" indent="-514350">
+              <a:buFont typeface="+mj-lt"/>
+              <a:buAutoNum type="arabicPeriod"/>
+            </a:pPr>
+            <a:r>
+              <a:rPr lang="en-US" altLang="zh-TW" sz="1800" dirty="0" smtClean="0"/>
+              <a:t>Strong AI =&gt; General AI</a:t>
+            </a:r>
+          </a:p>
+          <a:p>
+            <a:pPr marL="514350" indent="-514350">
+              <a:buFont typeface="+mj-lt"/>
+              <a:buAutoNum type="arabicPeriod"/>
+            </a:pPr>
+            <a:r>
+              <a:rPr lang="en-US" altLang="zh-TW" sz="1800" dirty="0" smtClean="0"/>
+              <a:t>Super AI</a:t>
+            </a:r>
+            <a:endParaRPr lang="zh-TW" altLang="en-US" sz="1800" dirty="0"/>
           </a:p>
         </p:txBody>
       </p:sp>
+      <p:sp>
+        <p:nvSpPr>
+          <p:cNvPr id="5" name="頁尾版面配置區 4"/>
+          <p:cNvSpPr>
+            <a:spLocks noGrp="1"/>
+          </p:cNvSpPr>
+          <p:nvPr>
+            <p:ph type="ftr" sz="quarter" idx="3"/>
+          </p:nvPr>
+        </p:nvSpPr>
+        <p:spPr/>
+        <p:txBody>
+          <a:bodyPr/>
+          <a:lstStyle/>
+          <a:p>
+            <a:pPr>
+              <a:defRPr/>
+            </a:pPr>
+            <a:r>
+              <a:rPr lang="en-US" altLang="zh-TW" dirty="0" smtClean="0"/>
+              <a:t>Ref: </a:t>
+            </a:r>
+            <a:r>
+              <a:rPr lang="en-US" altLang="zh-TW" dirty="0">
+                <a:hlinkClick r:id="rId2"/>
+              </a:rPr>
+              <a:t>https://lawtomated.com/ai-for-lawyers-ani-agi-and-asi/</a:t>
+            </a:r>
+            <a:endParaRPr lang="en-US" altLang="zh-TW" dirty="0"/>
+          </a:p>
+        </p:txBody>
+      </p:sp>
+      <p:pic>
+        <p:nvPicPr>
+          <p:cNvPr id="6" name="圖片 5"/>
+          <p:cNvPicPr>
+            <a:picLocks noChangeAspect="1"/>
+          </p:cNvPicPr>
+          <p:nvPr/>
+        </p:nvPicPr>
+        <p:blipFill>
+          <a:blip r:embed="rId3">
+            <a:extLst>
+              <a:ext uri="{28A0092B-C50C-407E-A947-70E740481C1C}">
+                <a14:useLocalDpi xmlns:a14="http://schemas.microsoft.com/office/drawing/2010/main" val="0"/>
+              </a:ext>
+            </a:extLst>
+          </a:blip>
+          <a:stretch>
+            <a:fillRect/>
+          </a:stretch>
+        </p:blipFill>
+        <p:spPr>
+          <a:xfrm>
+            <a:off x="929158" y="3068960"/>
+            <a:ext cx="7213874" cy="3192140"/>
+          </a:xfrm>
+          <a:prstGeom prst="rect">
+            <a:avLst/>
+          </a:prstGeom>
+        </p:spPr>
+      </p:pic>
     </p:spTree>
     <p:extLst>
       <p:ext uri="{BB962C8B-B14F-4D97-AF65-F5344CB8AC3E}">
-        <p14:creationId xmlns:p14="http://schemas.microsoft.com/office/powerpoint/2010/main" val="2939940807"/>
+        <p14:creationId xmlns:p14="http://schemas.microsoft.com/office/powerpoint/2010/main" val="200481207"/>
       </p:ext>
     </p:extLst>
   </p:cSld>
@@ -18841,14 +18915,14 @@
           <p:nvPr>
             <p:extLst>
               <p:ext uri="{D42A27DB-BD31-4B8C-83A1-F6EECF244321}">
-                <p14:modId xmlns:p14="http://schemas.microsoft.com/office/powerpoint/2010/main" val="4239485553"/>
+                <p14:modId xmlns:p14="http://schemas.microsoft.com/office/powerpoint/2010/main" val="3178636337"/>
               </p:ext>
             </p:extLst>
           </p:nvPr>
         </p:nvGraphicFramePr>
         <p:xfrm>
           <a:off x="251520" y="2060848"/>
-          <a:ext cx="8640960" cy="3677920"/>
+          <a:ext cx="8640960" cy="3307080"/>
         </p:xfrm>
         <a:graphic>
           <a:graphicData uri="http://schemas.openxmlformats.org/drawingml/2006/table">
@@ -18971,7 +19045,7 @@
                     <a:p>
                       <a:r>
                         <a:rPr lang="en-US" altLang="zh-TW" dirty="0" smtClean="0"/>
-                        <a:t>08/11, 08/13</a:t>
+                        <a:t>10/13, 10/15</a:t>
                       </a:r>
                       <a:endParaRPr lang="zh-TW" altLang="en-US" dirty="0"/>
                     </a:p>
@@ -18985,7 +19059,7 @@
                     <a:p>
                       <a:r>
                         <a:rPr lang="en-US" altLang="zh-TW" dirty="0" smtClean="0"/>
-                        <a:t>08/18</a:t>
+                        <a:t>10/19</a:t>
                       </a:r>
                       <a:endParaRPr lang="zh-TW" altLang="en-US" dirty="0"/>
                     </a:p>
@@ -19034,11 +19108,11 @@
                     <a:p>
                       <a:r>
                         <a:rPr lang="en-US" altLang="zh-TW" dirty="0" smtClean="0"/>
-                        <a:t>08/20, 08/25,</a:t>
+                        <a:t>10/20, 10/22,</a:t>
                       </a:r>
                       <a:r>
                         <a:rPr lang="en-US" altLang="zh-TW" baseline="0" dirty="0" smtClean="0"/>
-                        <a:t> 09/01</a:t>
+                        <a:t> 11/03</a:t>
                       </a:r>
                       <a:endParaRPr lang="zh-TW" altLang="en-US" dirty="0"/>
                     </a:p>
@@ -19052,7 +19126,7 @@
                     <a:p>
                       <a:r>
                         <a:rPr lang="en-US" altLang="zh-TW" dirty="0" smtClean="0"/>
-                        <a:t>08/27, 09/03</a:t>
+                        <a:t>10/27, 11/05</a:t>
                       </a:r>
                       <a:endParaRPr lang="zh-TW" altLang="en-US" dirty="0"/>
                     </a:p>
@@ -19105,7 +19179,7 @@
                     <a:p>
                       <a:r>
                         <a:rPr lang="en-US" altLang="zh-TW" dirty="0" smtClean="0"/>
-                        <a:t>09/08, 09/10</a:t>
+                        <a:t>11/10, 11/12</a:t>
                       </a:r>
                       <a:endParaRPr lang="zh-TW" altLang="en-US" dirty="0"/>
                     </a:p>
@@ -19119,7 +19193,7 @@
                     <a:p>
                       <a:r>
                         <a:rPr lang="en-US" altLang="zh-TW" dirty="0" smtClean="0"/>
-                        <a:t>09/15</a:t>
+                        <a:t>11/17</a:t>
                       </a:r>
                       <a:endParaRPr lang="zh-TW" altLang="en-US" dirty="0"/>
                     </a:p>
@@ -19162,7 +19236,7 @@
                     <a:p>
                       <a:r>
                         <a:rPr lang="en-US" altLang="zh-TW" dirty="0" smtClean="0"/>
-                        <a:t>Face Recognition</a:t>
+                        <a:t>Face and Image Recognition and Application</a:t>
                       </a:r>
                       <a:endParaRPr lang="zh-TW" altLang="en-US" dirty="0"/>
                     </a:p>
@@ -19176,7 +19250,7 @@
                     <a:p>
                       <a:r>
                         <a:rPr lang="en-US" altLang="zh-TW" dirty="0" smtClean="0"/>
-                        <a:t>09/17, 09/22, 09/24</a:t>
+                        <a:t>11/19, 11/24, 11/26, 12/01, 12/08</a:t>
                       </a:r>
                       <a:endParaRPr lang="zh-TW" altLang="en-US" dirty="0"/>
                     </a:p>
@@ -19190,7 +19264,7 @@
                     <a:p>
                       <a:r>
                         <a:rPr lang="en-US" altLang="zh-TW" dirty="0" smtClean="0"/>
-                        <a:t>09/29</a:t>
+                        <a:t>12/03</a:t>
                       </a:r>
                       <a:endParaRPr lang="zh-TW" altLang="en-US" dirty="0"/>
                     </a:p>
@@ -19237,77 +19311,6 @@
                     <a:p>
                       <a:r>
                         <a:rPr lang="en-US" altLang="zh-TW" dirty="0" smtClean="0"/>
-                        <a:t>Image Recognition</a:t>
-                      </a:r>
-                      <a:endParaRPr lang="zh-TW" altLang="en-US" dirty="0"/>
-                    </a:p>
-                  </a:txBody>
-                  <a:tcPr/>
-                </a:tc>
-                <a:tc>
-                  <a:txBody>
-                    <a:bodyPr/>
-                    <a:lstStyle/>
-                    <a:p>
-                      <a:r>
-                        <a:rPr lang="en-US" altLang="zh-TW" dirty="0" smtClean="0"/>
-                        <a:t>09/30, 10/06</a:t>
-                      </a:r>
-                      <a:endParaRPr lang="zh-TW" altLang="en-US" dirty="0"/>
-                    </a:p>
-                  </a:txBody>
-                  <a:tcPr/>
-                </a:tc>
-                <a:tc>
-                  <a:txBody>
-                    <a:bodyPr/>
-                    <a:lstStyle/>
-                    <a:p>
-                      <a:r>
-                        <a:rPr lang="en-US" altLang="zh-TW" dirty="0" smtClean="0"/>
-                        <a:t>None</a:t>
-                      </a:r>
-                      <a:endParaRPr lang="zh-TW" altLang="en-US" dirty="0"/>
-                    </a:p>
-                  </a:txBody>
-                  <a:tcPr/>
-                </a:tc>
-                <a:tc>
-                  <a:txBody>
-                    <a:bodyPr/>
-                    <a:lstStyle/>
-                    <a:p>
-                      <a:r>
-                        <a:rPr lang="en-US" altLang="zh-TW" dirty="0" err="1" smtClean="0"/>
-                        <a:t>Meng-Jey</a:t>
-                      </a:r>
-                      <a:r>
-                        <a:rPr lang="en-US" altLang="zh-TW" dirty="0" smtClean="0"/>
-                        <a:t> </a:t>
-                      </a:r>
-                      <a:r>
-                        <a:rPr lang="en-US" altLang="zh-TW" dirty="0" err="1" smtClean="0"/>
-                        <a:t>Youh</a:t>
-                      </a:r>
-                      <a:endParaRPr lang="zh-TW" altLang="en-US" dirty="0"/>
-                    </a:p>
-                  </a:txBody>
-                  <a:tcPr/>
-                </a:tc>
-                <a:extLst>
-                  <a:ext uri="{0D108BD9-81ED-4DB2-BD59-A6C34878D82A}">
-                    <a16:rowId xmlns:a16="http://schemas.microsoft.com/office/drawing/2014/main" val="929635095"/>
-                  </a:ext>
-                </a:extLst>
-              </a:tr>
-              <a:tr h="370840">
-                <a:tc>
-                  <a:txBody>
-                    <a:bodyPr/>
-                    <a:lstStyle/>
-                    <a:p>
-                      <a:r>
-                        <a:rPr lang="en-US" altLang="zh-TW" dirty="0" smtClean="0"/>
                         <a:t>Group Presentation</a:t>
                       </a:r>
                       <a:endParaRPr lang="zh-TW" altLang="en-US" dirty="0"/>
@@ -19336,7 +19339,7 @@
                     <a:p>
                       <a:r>
                         <a:rPr lang="en-US" altLang="zh-TW" dirty="0" smtClean="0"/>
-                        <a:t>10/08</a:t>
+                        <a:t>12/10</a:t>
                       </a:r>
                       <a:endParaRPr lang="zh-TW" altLang="en-US" dirty="0"/>
                     </a:p>
@@ -19423,1472 +19426,6 @@
                 <a:defRPr/>
               </a:pPr>
               <a:t>20</a:t>
-            </a:fld>
-            <a:endParaRPr lang="en-US" altLang="zh-TW"/>
-          </a:p>
-        </p:txBody>
-      </p:sp>
-      <p:sp>
-        <p:nvSpPr>
-          <p:cNvPr id="3" name="標題 2"/>
-          <p:cNvSpPr>
-            <a:spLocks noGrp="1"/>
-          </p:cNvSpPr>
-          <p:nvPr>
-            <p:ph type="title"/>
-          </p:nvPr>
-        </p:nvSpPr>
-        <p:spPr/>
-        <p:txBody>
-          <a:bodyPr/>
-          <a:lstStyle/>
-          <a:p>
-            <a:r>
-              <a:rPr lang="en-US" altLang="zh-TW" dirty="0" smtClean="0"/>
-              <a:t>Image Processing</a:t>
-            </a:r>
-            <a:endParaRPr lang="zh-TW" altLang="en-US" dirty="0"/>
-          </a:p>
-        </p:txBody>
-      </p:sp>
-      <p:sp>
-        <p:nvSpPr>
-          <p:cNvPr id="4" name="內容版面配置區 3"/>
-          <p:cNvSpPr>
-            <a:spLocks noGrp="1"/>
-          </p:cNvSpPr>
-          <p:nvPr>
-            <p:ph sz="quarter" idx="12"/>
-          </p:nvPr>
-        </p:nvSpPr>
-        <p:spPr/>
-        <p:txBody>
-          <a:bodyPr/>
-          <a:lstStyle/>
-          <a:p>
-            <a:r>
-              <a:rPr lang="en-US" altLang="zh-TW" dirty="0" smtClean="0"/>
-              <a:t>Application of image processing</a:t>
-            </a:r>
-          </a:p>
-          <a:p>
-            <a:pPr marL="514350" indent="-514350">
-              <a:buFont typeface="+mj-lt"/>
-              <a:buAutoNum type="arabicPeriod"/>
-            </a:pPr>
-            <a:r>
-              <a:rPr lang="en-US" altLang="zh-TW" sz="2000" dirty="0" smtClean="0"/>
-              <a:t>Image classification</a:t>
-            </a:r>
-          </a:p>
-          <a:p>
-            <a:pPr marL="514350" indent="-514350">
-              <a:buFont typeface="+mj-lt"/>
-              <a:buAutoNum type="arabicPeriod"/>
-            </a:pPr>
-            <a:endParaRPr lang="en-US" altLang="zh-TW" sz="2000" dirty="0"/>
-          </a:p>
-          <a:p>
-            <a:pPr marL="514350" indent="-514350">
-              <a:buFont typeface="+mj-lt"/>
-              <a:buAutoNum type="arabicPeriod"/>
-            </a:pPr>
-            <a:r>
-              <a:rPr lang="en-US" altLang="zh-TW" sz="2000" dirty="0" smtClean="0"/>
-              <a:t>Object recognition</a:t>
-            </a:r>
-          </a:p>
-          <a:p>
-            <a:pPr marL="514350" indent="-514350">
-              <a:buFont typeface="+mj-lt"/>
-              <a:buAutoNum type="arabicPeriod"/>
-            </a:pPr>
-            <a:endParaRPr lang="en-US" altLang="zh-TW" sz="2000" dirty="0"/>
-          </a:p>
-          <a:p>
-            <a:pPr marL="514350" indent="-514350">
-              <a:buFont typeface="+mj-lt"/>
-              <a:buAutoNum type="arabicPeriod"/>
-            </a:pPr>
-            <a:r>
-              <a:rPr lang="en-US" altLang="zh-TW" sz="2000" dirty="0" smtClean="0"/>
-              <a:t>Action recognition</a:t>
-            </a:r>
-            <a:endParaRPr lang="zh-TW" altLang="en-US" sz="2000" dirty="0"/>
-          </a:p>
-        </p:txBody>
-      </p:sp>
-      <p:sp>
-        <p:nvSpPr>
-          <p:cNvPr id="5" name="頁尾版面配置區 4"/>
-          <p:cNvSpPr>
-            <a:spLocks noGrp="1"/>
-          </p:cNvSpPr>
-          <p:nvPr>
-            <p:ph type="ftr" sz="quarter" idx="3"/>
-          </p:nvPr>
-        </p:nvSpPr>
-        <p:spPr>
-          <a:xfrm>
-            <a:off x="539750" y="6429374"/>
-            <a:ext cx="7632650" cy="428625"/>
-          </a:xfrm>
-        </p:spPr>
-        <p:txBody>
-          <a:bodyPr/>
-          <a:lstStyle/>
-          <a:p>
-            <a:pPr>
-              <a:defRPr/>
-            </a:pPr>
-            <a:r>
-              <a:rPr lang="en-US" altLang="zh-TW" dirty="0"/>
-              <a:t>Ref: </a:t>
-            </a:r>
-            <a:r>
-              <a:rPr lang="en-US" altLang="zh-TW" dirty="0" err="1"/>
-              <a:t>Yanming</a:t>
-            </a:r>
-            <a:r>
-              <a:rPr lang="en-US" altLang="zh-TW" dirty="0"/>
-              <a:t> </a:t>
-            </a:r>
-            <a:r>
-              <a:rPr lang="en-US" altLang="zh-TW" dirty="0" err="1" smtClean="0"/>
-              <a:t>Guo</a:t>
-            </a:r>
-            <a:r>
-              <a:rPr lang="en-US" altLang="zh-TW" dirty="0" smtClean="0"/>
-              <a:t> et al</a:t>
-            </a:r>
-            <a:r>
-              <a:rPr lang="en-US" altLang="zh-TW" dirty="0"/>
-              <a:t>. “Deep learning for visual understanding: A review.” </a:t>
-            </a:r>
-            <a:r>
-              <a:rPr lang="en-US" altLang="zh-TW" dirty="0" err="1" smtClean="0"/>
-              <a:t>Neurocomputing</a:t>
-            </a:r>
-            <a:r>
-              <a:rPr lang="en-US" altLang="zh-TW" dirty="0" smtClean="0"/>
-              <a:t>, vol.187, pp.27-48, 2016</a:t>
-            </a:r>
-            <a:endParaRPr lang="en-US" altLang="zh-TW" dirty="0"/>
-          </a:p>
-        </p:txBody>
-      </p:sp>
-      <p:pic>
-        <p:nvPicPr>
-          <p:cNvPr id="6" name="圖片 5"/>
-          <p:cNvPicPr>
-            <a:picLocks noChangeAspect="1"/>
-          </p:cNvPicPr>
-          <p:nvPr/>
-        </p:nvPicPr>
-        <p:blipFill>
-          <a:blip r:embed="rId2">
-            <a:extLst>
-              <a:ext uri="{28A0092B-C50C-407E-A947-70E740481C1C}">
-                <a14:useLocalDpi xmlns:a14="http://schemas.microsoft.com/office/drawing/2010/main" val="0"/>
-              </a:ext>
-            </a:extLst>
-          </a:blip>
-          <a:stretch>
-            <a:fillRect/>
-          </a:stretch>
-        </p:blipFill>
-        <p:spPr>
-          <a:xfrm>
-            <a:off x="4932040" y="1888420"/>
-            <a:ext cx="3024336" cy="2459855"/>
-          </a:xfrm>
-          <a:prstGeom prst="rect">
-            <a:avLst/>
-          </a:prstGeom>
-        </p:spPr>
-      </p:pic>
-      <p:pic>
-        <p:nvPicPr>
-          <p:cNvPr id="7" name="圖片 6"/>
-          <p:cNvPicPr>
-            <a:picLocks noChangeAspect="1"/>
-          </p:cNvPicPr>
-          <p:nvPr/>
-        </p:nvPicPr>
-        <p:blipFill>
-          <a:blip r:embed="rId3">
-            <a:extLst>
-              <a:ext uri="{28A0092B-C50C-407E-A947-70E740481C1C}">
-                <a14:useLocalDpi xmlns:a14="http://schemas.microsoft.com/office/drawing/2010/main" val="0"/>
-              </a:ext>
-            </a:extLst>
-          </a:blip>
-          <a:stretch>
-            <a:fillRect/>
-          </a:stretch>
-        </p:blipFill>
-        <p:spPr>
-          <a:xfrm>
-            <a:off x="571500" y="4450553"/>
-            <a:ext cx="4572000" cy="1699327"/>
-          </a:xfrm>
-          <a:prstGeom prst="rect">
-            <a:avLst/>
-          </a:prstGeom>
-        </p:spPr>
-      </p:pic>
-      <p:pic>
-        <p:nvPicPr>
-          <p:cNvPr id="8" name="圖片 7"/>
-          <p:cNvPicPr>
-            <a:picLocks noChangeAspect="1"/>
-          </p:cNvPicPr>
-          <p:nvPr/>
-        </p:nvPicPr>
-        <p:blipFill>
-          <a:blip r:embed="rId4">
-            <a:extLst>
-              <a:ext uri="{28A0092B-C50C-407E-A947-70E740481C1C}">
-                <a14:useLocalDpi xmlns:a14="http://schemas.microsoft.com/office/drawing/2010/main" val="0"/>
-              </a:ext>
-            </a:extLst>
-          </a:blip>
-          <a:stretch>
-            <a:fillRect/>
-          </a:stretch>
-        </p:blipFill>
-        <p:spPr>
-          <a:xfrm>
-            <a:off x="5679553" y="4400079"/>
-            <a:ext cx="2780358" cy="1762352"/>
-          </a:xfrm>
-          <a:prstGeom prst="rect">
-            <a:avLst/>
-          </a:prstGeom>
-        </p:spPr>
-      </p:pic>
-    </p:spTree>
-    <p:extLst>
-      <p:ext uri="{BB962C8B-B14F-4D97-AF65-F5344CB8AC3E}">
-        <p14:creationId xmlns:p14="http://schemas.microsoft.com/office/powerpoint/2010/main" val="3814832922"/>
-      </p:ext>
-    </p:extLst>
-  </p:cSld>
-  <p:clrMapOvr>
-    <a:masterClrMapping/>
-  </p:clrMapOvr>
-  <p:timing>
-    <p:tnLst>
-      <p:par>
-        <p:cTn id="1" dur="indefinite" restart="never" nodeType="tmRoot"/>
-      </p:par>
-    </p:tnLst>
-  </p:timing>
-</p:sld>
-</file>
-
-<file path=ppt/slides/slide21.xml><?xml version="1.0" encoding="utf-8"?>
-<p:sld xmlns:a="http://schemas.openxmlformats.org/drawingml/2006/main" xmlns:r="http://schemas.openxmlformats.org/officeDocument/2006/relationships" xmlns:p="http://schemas.openxmlformats.org/presentationml/2006/main">
-  <p:cSld>
-    <p:spTree>
-      <p:nvGrpSpPr>
-        <p:cNvPr id="1" name=""/>
-        <p:cNvGrpSpPr/>
-        <p:nvPr/>
-      </p:nvGrpSpPr>
-      <p:grpSpPr>
-        <a:xfrm>
-          <a:off x="0" y="0"/>
-          <a:ext cx="0" cy="0"/>
-          <a:chOff x="0" y="0"/>
-          <a:chExt cx="0" cy="0"/>
-        </a:xfrm>
-      </p:grpSpPr>
-      <p:sp>
-        <p:nvSpPr>
-          <p:cNvPr id="2" name="投影片編號版面配置區 1"/>
-          <p:cNvSpPr>
-            <a:spLocks noGrp="1"/>
-          </p:cNvSpPr>
-          <p:nvPr>
-            <p:ph type="sldNum" sz="quarter" idx="11"/>
-          </p:nvPr>
-        </p:nvSpPr>
-        <p:spPr/>
-        <p:txBody>
-          <a:bodyPr/>
-          <a:lstStyle/>
-          <a:p>
-            <a:pPr>
-              <a:defRPr/>
-            </a:pPr>
-            <a:fld id="{C3E24055-C280-453F-98F3-40A960E52EFC}" type="slidenum">
-              <a:rPr lang="en-US" altLang="zh-TW" smtClean="0"/>
-              <a:pPr>
-                <a:defRPr/>
-              </a:pPr>
-              <a:t>21</a:t>
-            </a:fld>
-            <a:endParaRPr lang="en-US" altLang="zh-TW"/>
-          </a:p>
-        </p:txBody>
-      </p:sp>
-      <p:sp>
-        <p:nvSpPr>
-          <p:cNvPr id="3" name="標題 2"/>
-          <p:cNvSpPr>
-            <a:spLocks noGrp="1"/>
-          </p:cNvSpPr>
-          <p:nvPr>
-            <p:ph type="title"/>
-          </p:nvPr>
-        </p:nvSpPr>
-        <p:spPr/>
-        <p:txBody>
-          <a:bodyPr/>
-          <a:lstStyle/>
-          <a:p>
-            <a:r>
-              <a:rPr lang="en-US" altLang="zh-TW" dirty="0" smtClean="0"/>
-              <a:t>Language Processing</a:t>
-            </a:r>
-            <a:endParaRPr lang="zh-TW" altLang="en-US" dirty="0"/>
-          </a:p>
-        </p:txBody>
-      </p:sp>
-      <p:sp>
-        <p:nvSpPr>
-          <p:cNvPr id="5" name="頁尾版面配置區 4"/>
-          <p:cNvSpPr>
-            <a:spLocks noGrp="1"/>
-          </p:cNvSpPr>
-          <p:nvPr>
-            <p:ph type="ftr" sz="quarter" idx="3"/>
-          </p:nvPr>
-        </p:nvSpPr>
-        <p:spPr>
-          <a:xfrm>
-            <a:off x="323528" y="6429375"/>
-            <a:ext cx="7748910" cy="285750"/>
-          </a:xfrm>
-        </p:spPr>
-        <p:txBody>
-          <a:bodyPr/>
-          <a:lstStyle/>
-          <a:p>
-            <a:pPr>
-              <a:defRPr/>
-            </a:pPr>
-            <a:r>
-              <a:rPr lang="en-US" altLang="zh-TW" dirty="0" smtClean="0"/>
-              <a:t>Ref: </a:t>
-            </a:r>
-            <a:r>
-              <a:rPr lang="en-US" altLang="zh-TW" dirty="0">
-                <a:hlinkClick r:id="rId2"/>
-              </a:rPr>
-              <a:t>https://www.microsoft.com/en-us/research/uploads/prod/2019/08/ACL-MingZhou-50min-ming.v9.pdf</a:t>
-            </a:r>
-            <a:endParaRPr lang="en-US" altLang="zh-TW" dirty="0"/>
-          </a:p>
-        </p:txBody>
-      </p:sp>
-      <p:pic>
-        <p:nvPicPr>
-          <p:cNvPr id="7" name="圖片 6"/>
-          <p:cNvPicPr>
-            <a:picLocks noChangeAspect="1"/>
-          </p:cNvPicPr>
-          <p:nvPr/>
-        </p:nvPicPr>
-        <p:blipFill>
-          <a:blip r:embed="rId3"/>
-          <a:stretch>
-            <a:fillRect/>
-          </a:stretch>
-        </p:blipFill>
-        <p:spPr>
-          <a:xfrm>
-            <a:off x="84557" y="1484784"/>
-            <a:ext cx="9028214" cy="4752528"/>
-          </a:xfrm>
-          <a:prstGeom prst="rect">
-            <a:avLst/>
-          </a:prstGeom>
-        </p:spPr>
-      </p:pic>
-    </p:spTree>
-    <p:extLst>
-      <p:ext uri="{BB962C8B-B14F-4D97-AF65-F5344CB8AC3E}">
-        <p14:creationId xmlns:p14="http://schemas.microsoft.com/office/powerpoint/2010/main" val="2868691441"/>
-      </p:ext>
-    </p:extLst>
-  </p:cSld>
-  <p:clrMapOvr>
-    <a:masterClrMapping/>
-  </p:clrMapOvr>
-  <p:timing>
-    <p:tnLst>
-      <p:par>
-        <p:cTn id="1" dur="indefinite" restart="never" nodeType="tmRoot"/>
-      </p:par>
-    </p:tnLst>
-  </p:timing>
-</p:sld>
-</file>
-
-<file path=ppt/slides/slide22.xml><?xml version="1.0" encoding="utf-8"?>
-<p:sld xmlns:a="http://schemas.openxmlformats.org/drawingml/2006/main" xmlns:r="http://schemas.openxmlformats.org/officeDocument/2006/relationships" xmlns:p="http://schemas.openxmlformats.org/presentationml/2006/main">
-  <p:cSld>
-    <p:spTree>
-      <p:nvGrpSpPr>
-        <p:cNvPr id="1" name=""/>
-        <p:cNvGrpSpPr/>
-        <p:nvPr/>
-      </p:nvGrpSpPr>
-      <p:grpSpPr>
-        <a:xfrm>
-          <a:off x="0" y="0"/>
-          <a:ext cx="0" cy="0"/>
-          <a:chOff x="0" y="0"/>
-          <a:chExt cx="0" cy="0"/>
-        </a:xfrm>
-      </p:grpSpPr>
-      <p:sp>
-        <p:nvSpPr>
-          <p:cNvPr id="2" name="投影片編號版面配置區 1"/>
-          <p:cNvSpPr>
-            <a:spLocks noGrp="1"/>
-          </p:cNvSpPr>
-          <p:nvPr>
-            <p:ph type="sldNum" sz="quarter" idx="11"/>
-          </p:nvPr>
-        </p:nvSpPr>
-        <p:spPr/>
-        <p:txBody>
-          <a:bodyPr/>
-          <a:lstStyle/>
-          <a:p>
-            <a:pPr>
-              <a:defRPr/>
-            </a:pPr>
-            <a:fld id="{C3E24055-C280-453F-98F3-40A960E52EFC}" type="slidenum">
-              <a:rPr lang="en-US" altLang="zh-TW" smtClean="0"/>
-              <a:pPr>
-                <a:defRPr/>
-              </a:pPr>
-              <a:t>22</a:t>
-            </a:fld>
-            <a:endParaRPr lang="en-US" altLang="zh-TW"/>
-          </a:p>
-        </p:txBody>
-      </p:sp>
-      <p:sp>
-        <p:nvSpPr>
-          <p:cNvPr id="3" name="標題 2"/>
-          <p:cNvSpPr>
-            <a:spLocks noGrp="1"/>
-          </p:cNvSpPr>
-          <p:nvPr>
-            <p:ph type="title"/>
-          </p:nvPr>
-        </p:nvSpPr>
-        <p:spPr/>
-        <p:txBody>
-          <a:bodyPr/>
-          <a:lstStyle/>
-          <a:p>
-            <a:r>
-              <a:rPr lang="en-US" altLang="zh-TW" dirty="0" smtClean="0"/>
-              <a:t>Logistic Reasoning</a:t>
-            </a:r>
-            <a:endParaRPr lang="zh-TW" altLang="en-US" dirty="0"/>
-          </a:p>
-        </p:txBody>
-      </p:sp>
-      <p:sp>
-        <p:nvSpPr>
-          <p:cNvPr id="4" name="內容版面配置區 3"/>
-          <p:cNvSpPr>
-            <a:spLocks noGrp="1"/>
-          </p:cNvSpPr>
-          <p:nvPr>
-            <p:ph sz="quarter" idx="12"/>
-          </p:nvPr>
-        </p:nvSpPr>
-        <p:spPr>
-          <a:xfrm>
-            <a:off x="539750" y="1341438"/>
-            <a:ext cx="3672210" cy="4751387"/>
-          </a:xfrm>
-        </p:spPr>
-        <p:txBody>
-          <a:bodyPr/>
-          <a:lstStyle/>
-          <a:p>
-            <a:r>
-              <a:rPr lang="en-US" altLang="zh-TW" dirty="0" smtClean="0"/>
-              <a:t>Game playing</a:t>
-            </a:r>
-          </a:p>
-          <a:p>
-            <a:pPr marL="514350" indent="-514350">
-              <a:buFont typeface="+mj-lt"/>
-              <a:buAutoNum type="arabicPeriod"/>
-            </a:pPr>
-            <a:r>
-              <a:rPr lang="en-US" altLang="zh-TW" dirty="0" smtClean="0"/>
-              <a:t>Chess/Shogi/GO</a:t>
-            </a:r>
-          </a:p>
-          <a:p>
-            <a:pPr marL="514350" indent="-514350">
-              <a:buFont typeface="+mj-lt"/>
-              <a:buAutoNum type="arabicPeriod"/>
-            </a:pPr>
-            <a:r>
-              <a:rPr lang="en-US" altLang="zh-TW" dirty="0" smtClean="0"/>
-              <a:t>Multi-agent collaboration</a:t>
-            </a:r>
-            <a:br>
-              <a:rPr lang="en-US" altLang="zh-TW" dirty="0" smtClean="0"/>
-            </a:br>
-            <a:r>
-              <a:rPr lang="en-US" altLang="zh-TW" dirty="0" smtClean="0"/>
-              <a:t>(hide-and-seek)</a:t>
-            </a:r>
-          </a:p>
-        </p:txBody>
-      </p:sp>
-      <p:sp>
-        <p:nvSpPr>
-          <p:cNvPr id="5" name="頁尾版面配置區 4"/>
-          <p:cNvSpPr>
-            <a:spLocks noGrp="1"/>
-          </p:cNvSpPr>
-          <p:nvPr>
-            <p:ph type="ftr" sz="quarter" idx="3"/>
-          </p:nvPr>
-        </p:nvSpPr>
-        <p:spPr>
-          <a:xfrm>
-            <a:off x="323528" y="6392812"/>
-            <a:ext cx="7848872" cy="465187"/>
-          </a:xfrm>
-        </p:spPr>
-        <p:txBody>
-          <a:bodyPr/>
-          <a:lstStyle/>
-          <a:p>
-            <a:pPr>
-              <a:defRPr/>
-            </a:pPr>
-            <a:r>
-              <a:rPr lang="en-US" altLang="zh-TW" sz="900" dirty="0" smtClean="0"/>
-              <a:t>Ref</a:t>
-            </a:r>
-            <a:r>
-              <a:rPr lang="en-US" altLang="zh-TW" sz="900" dirty="0"/>
-              <a:t>: Julian </a:t>
-            </a:r>
-            <a:r>
-              <a:rPr lang="en-US" altLang="zh-TW" sz="900" dirty="0" err="1" smtClean="0"/>
-              <a:t>Schrittwieser</a:t>
-            </a:r>
-            <a:r>
-              <a:rPr lang="en-US" altLang="zh-TW" sz="900" dirty="0" smtClean="0"/>
-              <a:t> et al</a:t>
-            </a:r>
-            <a:r>
-              <a:rPr lang="en-US" altLang="zh-TW" sz="900" dirty="0"/>
-              <a:t>. “Mastering Atari, Go, Chess and Shogi by Planning with a Learned </a:t>
-            </a:r>
-            <a:r>
-              <a:rPr lang="en-US" altLang="zh-TW" sz="900" dirty="0" smtClean="0"/>
-              <a:t>Model.” </a:t>
-            </a:r>
-            <a:r>
-              <a:rPr lang="en-US" altLang="zh-TW" sz="900" dirty="0" err="1" smtClean="0"/>
-              <a:t>arXiv</a:t>
-            </a:r>
-            <a:r>
-              <a:rPr lang="en-US" altLang="zh-TW" sz="900" dirty="0"/>
-              <a:t>: 1911.08265. Joseph </a:t>
-            </a:r>
-            <a:r>
-              <a:rPr lang="en-US" altLang="zh-TW" sz="900" dirty="0" smtClean="0"/>
-              <a:t>Suarez</a:t>
-            </a:r>
-            <a:r>
-              <a:rPr lang="en-US" altLang="zh-TW" sz="900" dirty="0"/>
-              <a:t>, </a:t>
-            </a:r>
-            <a:r>
-              <a:rPr lang="en-US" altLang="zh-TW" sz="900" dirty="0" err="1" smtClean="0"/>
-              <a:t>Yilun</a:t>
-            </a:r>
-            <a:r>
-              <a:rPr lang="en-US" altLang="zh-TW" sz="900" dirty="0" smtClean="0"/>
-              <a:t> Du</a:t>
-            </a:r>
-            <a:r>
-              <a:rPr lang="en-US" altLang="zh-TW" sz="900" dirty="0"/>
-              <a:t>, </a:t>
-            </a:r>
-            <a:r>
-              <a:rPr lang="en-US" altLang="zh-TW" sz="900" dirty="0" smtClean="0"/>
-              <a:t>Igor </a:t>
-            </a:r>
-            <a:r>
-              <a:rPr lang="en-US" altLang="zh-TW" sz="900" dirty="0" err="1" smtClean="0"/>
-              <a:t>Mordach</a:t>
-            </a:r>
-            <a:r>
-              <a:rPr lang="en-US" altLang="zh-TW" sz="900" dirty="0"/>
-              <a:t>, </a:t>
-            </a:r>
-            <a:r>
-              <a:rPr lang="en-US" altLang="zh-TW" sz="900" dirty="0" smtClean="0"/>
-              <a:t>and Phillip Isola</a:t>
-            </a:r>
-            <a:r>
-              <a:rPr lang="en-US" altLang="zh-TW" sz="900" dirty="0"/>
-              <a:t>. “Neural MMO v1.3: A Massively </a:t>
-            </a:r>
-            <a:r>
-              <a:rPr lang="en-US" altLang="zh-TW" sz="900" dirty="0" err="1"/>
-              <a:t>Multiagent</a:t>
-            </a:r>
-            <a:r>
-              <a:rPr lang="en-US" altLang="zh-TW" sz="900" dirty="0"/>
-              <a:t> Game Environment for Training and Evaluating Neural </a:t>
-            </a:r>
-            <a:r>
-              <a:rPr lang="en-US" altLang="zh-TW" sz="900" dirty="0" smtClean="0"/>
-              <a:t>Networks.” </a:t>
-            </a:r>
-            <a:r>
-              <a:rPr lang="en-US" altLang="zh-TW" sz="900" dirty="0" err="1" smtClean="0"/>
-              <a:t>arXiv</a:t>
-            </a:r>
-            <a:r>
-              <a:rPr lang="en-US" altLang="zh-TW" sz="900" dirty="0"/>
-              <a:t>: </a:t>
-            </a:r>
-            <a:r>
-              <a:rPr lang="en-US" altLang="zh-TW" sz="900" dirty="0" smtClean="0"/>
-              <a:t>2001.12004.</a:t>
-            </a:r>
-            <a:endParaRPr lang="en-US" altLang="zh-TW" sz="900" dirty="0"/>
-          </a:p>
-        </p:txBody>
-      </p:sp>
-      <p:pic>
-        <p:nvPicPr>
-          <p:cNvPr id="6" name="圖片 5"/>
-          <p:cNvPicPr>
-            <a:picLocks noChangeAspect="1"/>
-          </p:cNvPicPr>
-          <p:nvPr/>
-        </p:nvPicPr>
-        <p:blipFill>
-          <a:blip r:embed="rId2"/>
-          <a:stretch>
-            <a:fillRect/>
-          </a:stretch>
-        </p:blipFill>
-        <p:spPr>
-          <a:xfrm>
-            <a:off x="4079025" y="1484784"/>
-            <a:ext cx="4959695" cy="2520280"/>
-          </a:xfrm>
-          <a:prstGeom prst="rect">
-            <a:avLst/>
-          </a:prstGeom>
-        </p:spPr>
-      </p:pic>
-      <p:pic>
-        <p:nvPicPr>
-          <p:cNvPr id="7" name="圖片 6"/>
-          <p:cNvPicPr>
-            <a:picLocks noChangeAspect="1"/>
-          </p:cNvPicPr>
-          <p:nvPr/>
-        </p:nvPicPr>
-        <p:blipFill>
-          <a:blip r:embed="rId3"/>
-          <a:stretch>
-            <a:fillRect/>
-          </a:stretch>
-        </p:blipFill>
-        <p:spPr>
-          <a:xfrm>
-            <a:off x="3352295" y="4208338"/>
-            <a:ext cx="5686425" cy="1981200"/>
-          </a:xfrm>
-          <a:prstGeom prst="rect">
-            <a:avLst/>
-          </a:prstGeom>
-        </p:spPr>
-      </p:pic>
-    </p:spTree>
-    <p:extLst>
-      <p:ext uri="{BB962C8B-B14F-4D97-AF65-F5344CB8AC3E}">
-        <p14:creationId xmlns:p14="http://schemas.microsoft.com/office/powerpoint/2010/main" val="764980606"/>
-      </p:ext>
-    </p:extLst>
-  </p:cSld>
-  <p:clrMapOvr>
-    <a:masterClrMapping/>
-  </p:clrMapOvr>
-  <p:timing>
-    <p:tnLst>
-      <p:par>
-        <p:cTn id="1" dur="indefinite" restart="never" nodeType="tmRoot"/>
-      </p:par>
-    </p:tnLst>
-  </p:timing>
-</p:sld>
-</file>
-
-<file path=ppt/slides/slide23.xml><?xml version="1.0" encoding="utf-8"?>
-<p:sld xmlns:a="http://schemas.openxmlformats.org/drawingml/2006/main" xmlns:r="http://schemas.openxmlformats.org/officeDocument/2006/relationships" xmlns:p="http://schemas.openxmlformats.org/presentationml/2006/main">
-  <p:cSld>
-    <p:spTree>
-      <p:nvGrpSpPr>
-        <p:cNvPr id="1" name=""/>
-        <p:cNvGrpSpPr/>
-        <p:nvPr/>
-      </p:nvGrpSpPr>
-      <p:grpSpPr>
-        <a:xfrm>
-          <a:off x="0" y="0"/>
-          <a:ext cx="0" cy="0"/>
-          <a:chOff x="0" y="0"/>
-          <a:chExt cx="0" cy="0"/>
-        </a:xfrm>
-      </p:grpSpPr>
-      <p:sp>
-        <p:nvSpPr>
-          <p:cNvPr id="2" name="投影片編號版面配置區 1"/>
-          <p:cNvSpPr>
-            <a:spLocks noGrp="1"/>
-          </p:cNvSpPr>
-          <p:nvPr>
-            <p:ph type="sldNum" sz="quarter" idx="11"/>
-          </p:nvPr>
-        </p:nvSpPr>
-        <p:spPr/>
-        <p:txBody>
-          <a:bodyPr/>
-          <a:lstStyle/>
-          <a:p>
-            <a:pPr>
-              <a:defRPr/>
-            </a:pPr>
-            <a:fld id="{C3E24055-C280-453F-98F3-40A960E52EFC}" type="slidenum">
-              <a:rPr lang="en-US" altLang="zh-TW" smtClean="0"/>
-              <a:pPr>
-                <a:defRPr/>
-              </a:pPr>
-              <a:t>23</a:t>
-            </a:fld>
-            <a:endParaRPr lang="en-US" altLang="zh-TW"/>
-          </a:p>
-        </p:txBody>
-      </p:sp>
-      <p:sp>
-        <p:nvSpPr>
-          <p:cNvPr id="3" name="標題 2"/>
-          <p:cNvSpPr>
-            <a:spLocks noGrp="1"/>
-          </p:cNvSpPr>
-          <p:nvPr>
-            <p:ph type="title"/>
-          </p:nvPr>
-        </p:nvSpPr>
-        <p:spPr/>
-        <p:txBody>
-          <a:bodyPr/>
-          <a:lstStyle/>
-          <a:p>
-            <a:r>
-              <a:rPr lang="en-US" altLang="zh-TW" dirty="0" smtClean="0"/>
-              <a:t>Recommendation System</a:t>
-            </a:r>
-            <a:endParaRPr lang="zh-TW" altLang="en-US" dirty="0"/>
-          </a:p>
-        </p:txBody>
-      </p:sp>
-      <p:sp>
-        <p:nvSpPr>
-          <p:cNvPr id="4" name="內容版面配置區 3"/>
-          <p:cNvSpPr>
-            <a:spLocks noGrp="1"/>
-          </p:cNvSpPr>
-          <p:nvPr>
-            <p:ph sz="quarter" idx="12"/>
-          </p:nvPr>
-        </p:nvSpPr>
-        <p:spPr/>
-        <p:txBody>
-          <a:bodyPr/>
-          <a:lstStyle/>
-          <a:p>
-            <a:r>
-              <a:rPr lang="en-US" altLang="zh-TW" dirty="0" smtClean="0"/>
-              <a:t>Recommend products to consumers.</a:t>
-            </a:r>
-            <a:endParaRPr lang="zh-TW" altLang="en-US" dirty="0"/>
-          </a:p>
-        </p:txBody>
-      </p:sp>
-      <p:sp>
-        <p:nvSpPr>
-          <p:cNvPr id="5" name="頁尾版面配置區 4"/>
-          <p:cNvSpPr>
-            <a:spLocks noGrp="1"/>
-          </p:cNvSpPr>
-          <p:nvPr>
-            <p:ph type="ftr" sz="quarter" idx="3"/>
-          </p:nvPr>
-        </p:nvSpPr>
-        <p:spPr>
-          <a:xfrm>
-            <a:off x="571500" y="6429375"/>
-            <a:ext cx="6929438" cy="423862"/>
-          </a:xfrm>
-        </p:spPr>
-        <p:txBody>
-          <a:bodyPr/>
-          <a:lstStyle/>
-          <a:p>
-            <a:pPr>
-              <a:defRPr/>
-            </a:pPr>
-            <a:r>
-              <a:rPr lang="en-US" altLang="zh-TW" dirty="0" smtClean="0"/>
-              <a:t>Ref: </a:t>
-            </a:r>
-            <a:r>
-              <a:rPr lang="en-US" altLang="zh-TW" dirty="0">
-                <a:hlinkClick r:id="rId2"/>
-              </a:rPr>
-              <a:t>https://towardsdatascience.com/prototyping-a-recommender-system-step-by-step-part-1-knn-item-based-collaborative-filtering-637969614ea</a:t>
-            </a:r>
-            <a:endParaRPr lang="en-US" altLang="zh-TW" dirty="0"/>
-          </a:p>
-        </p:txBody>
-      </p:sp>
-      <p:pic>
-        <p:nvPicPr>
-          <p:cNvPr id="6" name="圖片 5"/>
-          <p:cNvPicPr>
-            <a:picLocks noChangeAspect="1"/>
-          </p:cNvPicPr>
-          <p:nvPr/>
-        </p:nvPicPr>
-        <p:blipFill>
-          <a:blip r:embed="rId3"/>
-          <a:stretch>
-            <a:fillRect/>
-          </a:stretch>
-        </p:blipFill>
-        <p:spPr>
-          <a:xfrm>
-            <a:off x="251520" y="2168451"/>
-            <a:ext cx="4878327" cy="2736304"/>
-          </a:xfrm>
-          <a:prstGeom prst="rect">
-            <a:avLst/>
-          </a:prstGeom>
-        </p:spPr>
-      </p:pic>
-      <p:pic>
-        <p:nvPicPr>
-          <p:cNvPr id="7" name="圖片 6"/>
-          <p:cNvPicPr>
-            <a:picLocks noChangeAspect="1"/>
-          </p:cNvPicPr>
-          <p:nvPr/>
-        </p:nvPicPr>
-        <p:blipFill>
-          <a:blip r:embed="rId4">
-            <a:extLst>
-              <a:ext uri="{28A0092B-C50C-407E-A947-70E740481C1C}">
-                <a14:useLocalDpi xmlns:a14="http://schemas.microsoft.com/office/drawing/2010/main" val="0"/>
-              </a:ext>
-            </a:extLst>
-          </a:blip>
-          <a:stretch>
-            <a:fillRect/>
-          </a:stretch>
-        </p:blipFill>
-        <p:spPr>
-          <a:xfrm>
-            <a:off x="5292080" y="4028753"/>
-            <a:ext cx="3651035" cy="2232347"/>
-          </a:xfrm>
-          <a:prstGeom prst="rect">
-            <a:avLst/>
-          </a:prstGeom>
-        </p:spPr>
-      </p:pic>
-    </p:spTree>
-    <p:extLst>
-      <p:ext uri="{BB962C8B-B14F-4D97-AF65-F5344CB8AC3E}">
-        <p14:creationId xmlns:p14="http://schemas.microsoft.com/office/powerpoint/2010/main" val="2050895720"/>
-      </p:ext>
-    </p:extLst>
-  </p:cSld>
-  <p:clrMapOvr>
-    <a:masterClrMapping/>
-  </p:clrMapOvr>
-  <p:timing>
-    <p:tnLst>
-      <p:par>
-        <p:cTn id="1" dur="indefinite" restart="never" nodeType="tmRoot"/>
-      </p:par>
-    </p:tnLst>
-  </p:timing>
-</p:sld>
-</file>
-
-<file path=ppt/slides/slide24.xml><?xml version="1.0" encoding="utf-8"?>
-<p:sld xmlns:a="http://schemas.openxmlformats.org/drawingml/2006/main" xmlns:r="http://schemas.openxmlformats.org/officeDocument/2006/relationships" xmlns:p="http://schemas.openxmlformats.org/presentationml/2006/main">
-  <p:cSld>
-    <p:spTree>
-      <p:nvGrpSpPr>
-        <p:cNvPr id="1" name=""/>
-        <p:cNvGrpSpPr/>
-        <p:nvPr/>
-      </p:nvGrpSpPr>
-      <p:grpSpPr>
-        <a:xfrm>
-          <a:off x="0" y="0"/>
-          <a:ext cx="0" cy="0"/>
-          <a:chOff x="0" y="0"/>
-          <a:chExt cx="0" cy="0"/>
-        </a:xfrm>
-      </p:grpSpPr>
-      <p:sp>
-        <p:nvSpPr>
-          <p:cNvPr id="2" name="投影片編號版面配置區 1"/>
-          <p:cNvSpPr>
-            <a:spLocks noGrp="1"/>
-          </p:cNvSpPr>
-          <p:nvPr>
-            <p:ph type="sldNum" sz="quarter" idx="11"/>
-          </p:nvPr>
-        </p:nvSpPr>
-        <p:spPr/>
-        <p:txBody>
-          <a:bodyPr/>
-          <a:lstStyle/>
-          <a:p>
-            <a:pPr>
-              <a:defRPr/>
-            </a:pPr>
-            <a:fld id="{C3E24055-C280-453F-98F3-40A960E52EFC}" type="slidenum">
-              <a:rPr lang="en-US" altLang="zh-TW" smtClean="0"/>
-              <a:pPr>
-                <a:defRPr/>
-              </a:pPr>
-              <a:t>24</a:t>
-            </a:fld>
-            <a:endParaRPr lang="en-US" altLang="zh-TW"/>
-          </a:p>
-        </p:txBody>
-      </p:sp>
-      <p:sp>
-        <p:nvSpPr>
-          <p:cNvPr id="3" name="標題 2"/>
-          <p:cNvSpPr>
-            <a:spLocks noGrp="1"/>
-          </p:cNvSpPr>
-          <p:nvPr>
-            <p:ph type="title"/>
-          </p:nvPr>
-        </p:nvSpPr>
-        <p:spPr/>
-        <p:txBody>
-          <a:bodyPr/>
-          <a:lstStyle/>
-          <a:p>
-            <a:r>
-              <a:rPr lang="en-US" altLang="zh-TW" dirty="0" smtClean="0"/>
-              <a:t>Medical Applications</a:t>
-            </a:r>
-            <a:endParaRPr lang="zh-TW" altLang="en-US" dirty="0"/>
-          </a:p>
-        </p:txBody>
-      </p:sp>
-      <p:sp>
-        <p:nvSpPr>
-          <p:cNvPr id="4" name="內容版面配置區 3"/>
-          <p:cNvSpPr>
-            <a:spLocks noGrp="1"/>
-          </p:cNvSpPr>
-          <p:nvPr>
-            <p:ph sz="quarter" idx="12"/>
-          </p:nvPr>
-        </p:nvSpPr>
-        <p:spPr/>
-        <p:txBody>
-          <a:bodyPr/>
-          <a:lstStyle/>
-          <a:p>
-            <a:r>
-              <a:rPr lang="en-US" altLang="zh-TW" dirty="0" smtClean="0"/>
-              <a:t>Diabetes from Retinal Fundus</a:t>
-            </a:r>
-          </a:p>
-          <a:p>
-            <a:endParaRPr lang="en-US" altLang="zh-TW" dirty="0"/>
-          </a:p>
-          <a:p>
-            <a:endParaRPr lang="en-US" altLang="zh-TW" dirty="0" smtClean="0"/>
-          </a:p>
-          <a:p>
-            <a:endParaRPr lang="en-US" altLang="zh-TW" dirty="0" smtClean="0"/>
-          </a:p>
-          <a:p>
-            <a:r>
-              <a:rPr lang="en-US" altLang="zh-TW" dirty="0" smtClean="0"/>
-              <a:t>Other medical image applications on MRI:</a:t>
-            </a:r>
-            <a:endParaRPr lang="zh-TW" altLang="en-US" dirty="0"/>
-          </a:p>
-        </p:txBody>
-      </p:sp>
-      <p:sp>
-        <p:nvSpPr>
-          <p:cNvPr id="5" name="頁尾版面配置區 4"/>
-          <p:cNvSpPr>
-            <a:spLocks noGrp="1"/>
-          </p:cNvSpPr>
-          <p:nvPr>
-            <p:ph type="ftr" sz="quarter" idx="3"/>
-          </p:nvPr>
-        </p:nvSpPr>
-        <p:spPr>
-          <a:xfrm>
-            <a:off x="411567" y="6381328"/>
-            <a:ext cx="7660871" cy="476671"/>
-          </a:xfrm>
-        </p:spPr>
-        <p:txBody>
-          <a:bodyPr/>
-          <a:lstStyle/>
-          <a:p>
-            <a:pPr>
-              <a:defRPr/>
-            </a:pPr>
-            <a:r>
-              <a:rPr lang="en-US" altLang="zh-TW" sz="800" dirty="0"/>
-              <a:t>Ref: </a:t>
-            </a:r>
-            <a:r>
-              <a:rPr lang="en-US" altLang="zh-TW" sz="800" dirty="0" smtClean="0"/>
-              <a:t>Daniel </a:t>
-            </a:r>
-            <a:r>
-              <a:rPr lang="en-US" altLang="zh-TW" sz="800" dirty="0"/>
-              <a:t>S.W</a:t>
-            </a:r>
-            <a:r>
-              <a:rPr lang="en-US" altLang="zh-TW" sz="800" dirty="0" smtClean="0"/>
-              <a:t>. Ting, et al</a:t>
-            </a:r>
-            <a:r>
-              <a:rPr lang="en-US" altLang="zh-TW" sz="800" dirty="0"/>
-              <a:t>. “Deep learning in ophthalmology: The technical and clinical considerations.” Progress in Retinal and Eye </a:t>
-            </a:r>
-            <a:r>
-              <a:rPr lang="en-US" altLang="zh-TW" sz="800" dirty="0" smtClean="0"/>
-              <a:t>Research, vol.72, April, 100759, 2019. Alexander </a:t>
-            </a:r>
-            <a:r>
-              <a:rPr lang="en-US" altLang="zh-TW" sz="800" dirty="0" err="1"/>
-              <a:t>Selvikvåg</a:t>
-            </a:r>
-            <a:r>
-              <a:rPr lang="en-US" altLang="zh-TW" sz="800" dirty="0"/>
-              <a:t> </a:t>
-            </a:r>
-            <a:r>
-              <a:rPr lang="en-US" altLang="zh-TW" sz="800" dirty="0" err="1"/>
-              <a:t>Lundervold</a:t>
-            </a:r>
-            <a:r>
-              <a:rPr lang="en-US" altLang="zh-TW" sz="800" dirty="0"/>
-              <a:t> and </a:t>
-            </a:r>
-            <a:r>
-              <a:rPr lang="en-US" altLang="zh-TW" sz="800" dirty="0" err="1"/>
-              <a:t>Arvid</a:t>
-            </a:r>
-            <a:r>
-              <a:rPr lang="en-US" altLang="zh-TW" sz="800" dirty="0"/>
-              <a:t> </a:t>
-            </a:r>
-            <a:r>
-              <a:rPr lang="en-US" altLang="zh-TW" sz="800" dirty="0" err="1" smtClean="0"/>
-              <a:t>Lundervold</a:t>
-            </a:r>
-            <a:r>
-              <a:rPr lang="en-US" altLang="zh-TW" sz="800" dirty="0"/>
-              <a:t>. “An overview of deep learning in medical imaging focusing on MRI.” </a:t>
-            </a:r>
-            <a:r>
-              <a:rPr lang="en-US" altLang="zh-TW" sz="800" dirty="0" err="1"/>
-              <a:t>Zeitschrift</a:t>
-            </a:r>
-            <a:r>
-              <a:rPr lang="en-US" altLang="zh-TW" sz="800" dirty="0"/>
-              <a:t> </a:t>
-            </a:r>
-            <a:r>
-              <a:rPr lang="en-US" altLang="zh-TW" sz="800" dirty="0" err="1"/>
-              <a:t>für</a:t>
-            </a:r>
-            <a:r>
-              <a:rPr lang="en-US" altLang="zh-TW" sz="800" dirty="0"/>
-              <a:t> </a:t>
-            </a:r>
-            <a:r>
-              <a:rPr lang="en-US" altLang="zh-TW" sz="800" dirty="0" err="1"/>
-              <a:t>Medizinische</a:t>
-            </a:r>
-            <a:r>
-              <a:rPr lang="en-US" altLang="zh-TW" sz="800" dirty="0"/>
-              <a:t> </a:t>
-            </a:r>
-            <a:r>
-              <a:rPr lang="en-US" altLang="zh-TW" sz="800" dirty="0" err="1" smtClean="0"/>
-              <a:t>Physik</a:t>
-            </a:r>
-            <a:r>
-              <a:rPr lang="en-US" altLang="zh-TW" sz="800" dirty="0" smtClean="0"/>
-              <a:t>, vol.29, no.2, pp. 102-127, 2019</a:t>
-            </a:r>
-            <a:endParaRPr lang="en-US" altLang="zh-TW" sz="800" dirty="0"/>
-          </a:p>
-        </p:txBody>
-      </p:sp>
-      <p:pic>
-        <p:nvPicPr>
-          <p:cNvPr id="6" name="圖片 5"/>
-          <p:cNvPicPr>
-            <a:picLocks noChangeAspect="1"/>
-          </p:cNvPicPr>
-          <p:nvPr/>
-        </p:nvPicPr>
-        <p:blipFill>
-          <a:blip r:embed="rId2"/>
-          <a:stretch>
-            <a:fillRect/>
-          </a:stretch>
-        </p:blipFill>
-        <p:spPr>
-          <a:xfrm>
-            <a:off x="411567" y="4519849"/>
-            <a:ext cx="8249055" cy="1741251"/>
-          </a:xfrm>
-          <a:prstGeom prst="rect">
-            <a:avLst/>
-          </a:prstGeom>
-        </p:spPr>
-      </p:pic>
-      <p:pic>
-        <p:nvPicPr>
-          <p:cNvPr id="7" name="圖片 6"/>
-          <p:cNvPicPr>
-            <a:picLocks noChangeAspect="1"/>
-          </p:cNvPicPr>
-          <p:nvPr/>
-        </p:nvPicPr>
-        <p:blipFill>
-          <a:blip r:embed="rId3"/>
-          <a:stretch>
-            <a:fillRect/>
-          </a:stretch>
-        </p:blipFill>
-        <p:spPr>
-          <a:xfrm>
-            <a:off x="1763687" y="1844824"/>
-            <a:ext cx="5883207" cy="2016224"/>
-          </a:xfrm>
-          <a:prstGeom prst="rect">
-            <a:avLst/>
-          </a:prstGeom>
-        </p:spPr>
-      </p:pic>
-    </p:spTree>
-    <p:extLst>
-      <p:ext uri="{BB962C8B-B14F-4D97-AF65-F5344CB8AC3E}">
-        <p14:creationId xmlns:p14="http://schemas.microsoft.com/office/powerpoint/2010/main" val="1850505863"/>
-      </p:ext>
-    </p:extLst>
-  </p:cSld>
-  <p:clrMapOvr>
-    <a:masterClrMapping/>
-  </p:clrMapOvr>
-  <p:timing>
-    <p:tnLst>
-      <p:par>
-        <p:cTn id="1" dur="indefinite" restart="never" nodeType="tmRoot"/>
-      </p:par>
-    </p:tnLst>
-  </p:timing>
-</p:sld>
-</file>
-
-<file path=ppt/slides/slide25.xml><?xml version="1.0" encoding="utf-8"?>
-<p:sld xmlns:a="http://schemas.openxmlformats.org/drawingml/2006/main" xmlns:r="http://schemas.openxmlformats.org/officeDocument/2006/relationships" xmlns:p="http://schemas.openxmlformats.org/presentationml/2006/main">
-  <p:cSld>
-    <p:spTree>
-      <p:nvGrpSpPr>
-        <p:cNvPr id="1" name=""/>
-        <p:cNvGrpSpPr/>
-        <p:nvPr/>
-      </p:nvGrpSpPr>
-      <p:grpSpPr>
-        <a:xfrm>
-          <a:off x="0" y="0"/>
-          <a:ext cx="0" cy="0"/>
-          <a:chOff x="0" y="0"/>
-          <a:chExt cx="0" cy="0"/>
-        </a:xfrm>
-      </p:grpSpPr>
-      <p:sp>
-        <p:nvSpPr>
-          <p:cNvPr id="2" name="投影片編號版面配置區 1"/>
-          <p:cNvSpPr>
-            <a:spLocks noGrp="1"/>
-          </p:cNvSpPr>
-          <p:nvPr>
-            <p:ph type="sldNum" sz="quarter" idx="11"/>
-          </p:nvPr>
-        </p:nvSpPr>
-        <p:spPr/>
-        <p:txBody>
-          <a:bodyPr/>
-          <a:lstStyle/>
-          <a:p>
-            <a:pPr>
-              <a:defRPr/>
-            </a:pPr>
-            <a:fld id="{C3E24055-C280-453F-98F3-40A960E52EFC}" type="slidenum">
-              <a:rPr lang="en-US" altLang="zh-TW" smtClean="0"/>
-              <a:pPr>
-                <a:defRPr/>
-              </a:pPr>
-              <a:t>25</a:t>
-            </a:fld>
-            <a:endParaRPr lang="en-US" altLang="zh-TW"/>
-          </a:p>
-        </p:txBody>
-      </p:sp>
-      <p:sp>
-        <p:nvSpPr>
-          <p:cNvPr id="3" name="標題 2"/>
-          <p:cNvSpPr>
-            <a:spLocks noGrp="1"/>
-          </p:cNvSpPr>
-          <p:nvPr>
-            <p:ph type="title"/>
-          </p:nvPr>
-        </p:nvSpPr>
-        <p:spPr/>
-        <p:txBody>
-          <a:bodyPr/>
-          <a:lstStyle/>
-          <a:p>
-            <a:r>
-              <a:rPr lang="en-US" altLang="zh-TW" dirty="0" smtClean="0"/>
-              <a:t>Categorization of AI</a:t>
-            </a:r>
-            <a:endParaRPr lang="zh-TW" altLang="en-US" dirty="0"/>
-          </a:p>
-        </p:txBody>
-      </p:sp>
-      <p:sp>
-        <p:nvSpPr>
-          <p:cNvPr id="4" name="內容版面配置區 3"/>
-          <p:cNvSpPr>
-            <a:spLocks noGrp="1"/>
-          </p:cNvSpPr>
-          <p:nvPr>
-            <p:ph sz="quarter" idx="12"/>
-          </p:nvPr>
-        </p:nvSpPr>
-        <p:spPr/>
-        <p:txBody>
-          <a:bodyPr/>
-          <a:lstStyle/>
-          <a:p>
-            <a:r>
-              <a:rPr lang="en-US" altLang="zh-TW" dirty="0" smtClean="0"/>
-              <a:t>Based on capability:</a:t>
-            </a:r>
-          </a:p>
-          <a:p>
-            <a:pPr marL="514350" indent="-514350">
-              <a:buFont typeface="+mj-lt"/>
-              <a:buAutoNum type="arabicPeriod"/>
-            </a:pPr>
-            <a:r>
-              <a:rPr lang="en-US" altLang="zh-TW" sz="1800" dirty="0" smtClean="0"/>
-              <a:t>Weak AI =&gt; Narrow AI</a:t>
-            </a:r>
-          </a:p>
-          <a:p>
-            <a:pPr marL="514350" indent="-514350">
-              <a:buFont typeface="+mj-lt"/>
-              <a:buAutoNum type="arabicPeriod"/>
-            </a:pPr>
-            <a:r>
-              <a:rPr lang="en-US" altLang="zh-TW" sz="1800" dirty="0" smtClean="0"/>
-              <a:t>Strong AI =&gt; General AI</a:t>
-            </a:r>
-          </a:p>
-          <a:p>
-            <a:pPr marL="514350" indent="-514350">
-              <a:buFont typeface="+mj-lt"/>
-              <a:buAutoNum type="arabicPeriod"/>
-            </a:pPr>
-            <a:r>
-              <a:rPr lang="en-US" altLang="zh-TW" sz="1800" dirty="0" smtClean="0"/>
-              <a:t>Super AI</a:t>
-            </a:r>
-            <a:endParaRPr lang="zh-TW" altLang="en-US" sz="1800" dirty="0"/>
-          </a:p>
-        </p:txBody>
-      </p:sp>
-      <p:sp>
-        <p:nvSpPr>
-          <p:cNvPr id="5" name="頁尾版面配置區 4"/>
-          <p:cNvSpPr>
-            <a:spLocks noGrp="1"/>
-          </p:cNvSpPr>
-          <p:nvPr>
-            <p:ph type="ftr" sz="quarter" idx="3"/>
-          </p:nvPr>
-        </p:nvSpPr>
-        <p:spPr/>
-        <p:txBody>
-          <a:bodyPr/>
-          <a:lstStyle/>
-          <a:p>
-            <a:pPr>
-              <a:defRPr/>
-            </a:pPr>
-            <a:r>
-              <a:rPr lang="en-US" altLang="zh-TW" dirty="0" smtClean="0"/>
-              <a:t>Ref: </a:t>
-            </a:r>
-            <a:r>
-              <a:rPr lang="en-US" altLang="zh-TW" dirty="0">
-                <a:hlinkClick r:id="rId2"/>
-              </a:rPr>
-              <a:t>https://lawtomated.com/ai-for-lawyers-ani-agi-and-asi/</a:t>
-            </a:r>
-            <a:endParaRPr lang="en-US" altLang="zh-TW" dirty="0"/>
-          </a:p>
-        </p:txBody>
-      </p:sp>
-      <p:pic>
-        <p:nvPicPr>
-          <p:cNvPr id="6" name="圖片 5"/>
-          <p:cNvPicPr>
-            <a:picLocks noChangeAspect="1"/>
-          </p:cNvPicPr>
-          <p:nvPr/>
-        </p:nvPicPr>
-        <p:blipFill>
-          <a:blip r:embed="rId3">
-            <a:extLst>
-              <a:ext uri="{28A0092B-C50C-407E-A947-70E740481C1C}">
-                <a14:useLocalDpi xmlns:a14="http://schemas.microsoft.com/office/drawing/2010/main" val="0"/>
-              </a:ext>
-            </a:extLst>
-          </a:blip>
-          <a:stretch>
-            <a:fillRect/>
-          </a:stretch>
-        </p:blipFill>
-        <p:spPr>
-          <a:xfrm>
-            <a:off x="929158" y="3068960"/>
-            <a:ext cx="7213874" cy="3192140"/>
-          </a:xfrm>
-          <a:prstGeom prst="rect">
-            <a:avLst/>
-          </a:prstGeom>
-        </p:spPr>
-      </p:pic>
-    </p:spTree>
-    <p:extLst>
-      <p:ext uri="{BB962C8B-B14F-4D97-AF65-F5344CB8AC3E}">
-        <p14:creationId xmlns:p14="http://schemas.microsoft.com/office/powerpoint/2010/main" val="200481207"/>
-      </p:ext>
-    </p:extLst>
-  </p:cSld>
-  <p:clrMapOvr>
-    <a:masterClrMapping/>
-  </p:clrMapOvr>
-  <p:timing>
-    <p:tnLst>
-      <p:par>
-        <p:cTn id="1" dur="indefinite" restart="never" nodeType="tmRoot"/>
-      </p:par>
-    </p:tnLst>
-  </p:timing>
-</p:sld>
-</file>
-
-<file path=ppt/slides/slide26.xml><?xml version="1.0" encoding="utf-8"?>
-<p:sld xmlns:a="http://schemas.openxmlformats.org/drawingml/2006/main" xmlns:r="http://schemas.openxmlformats.org/officeDocument/2006/relationships" xmlns:p="http://schemas.openxmlformats.org/presentationml/2006/main">
-  <p:cSld>
-    <p:spTree>
-      <p:nvGrpSpPr>
-        <p:cNvPr id="1" name=""/>
-        <p:cNvGrpSpPr/>
-        <p:nvPr/>
-      </p:nvGrpSpPr>
-      <p:grpSpPr>
-        <a:xfrm>
-          <a:off x="0" y="0"/>
-          <a:ext cx="0" cy="0"/>
-          <a:chOff x="0" y="0"/>
-          <a:chExt cx="0" cy="0"/>
-        </a:xfrm>
-      </p:grpSpPr>
-      <p:sp>
-        <p:nvSpPr>
-          <p:cNvPr id="2" name="投影片編號版面配置區 1"/>
-          <p:cNvSpPr>
-            <a:spLocks noGrp="1"/>
-          </p:cNvSpPr>
-          <p:nvPr>
-            <p:ph type="sldNum" sz="quarter" idx="11"/>
-          </p:nvPr>
-        </p:nvSpPr>
-        <p:spPr/>
-        <p:txBody>
-          <a:bodyPr/>
-          <a:lstStyle/>
-          <a:p>
-            <a:pPr>
-              <a:defRPr/>
-            </a:pPr>
-            <a:fld id="{C3E24055-C280-453F-98F3-40A960E52EFC}" type="slidenum">
-              <a:rPr lang="en-US" altLang="zh-TW" smtClean="0"/>
-              <a:pPr>
-                <a:defRPr/>
-              </a:pPr>
-              <a:t>26</a:t>
             </a:fld>
             <a:endParaRPr lang="en-US" altLang="zh-TW"/>
           </a:p>
@@ -21160,6 +19697,3222 @@
 </p:sld>
 </file>
 
+<file path=ppt/slides/slide21.xml><?xml version="1.0" encoding="utf-8"?>
+<p:sld xmlns:a="http://schemas.openxmlformats.org/drawingml/2006/main" xmlns:r="http://schemas.openxmlformats.org/officeDocument/2006/relationships" xmlns:p="http://schemas.openxmlformats.org/presentationml/2006/main">
+  <p:cSld>
+    <p:spTree>
+      <p:nvGrpSpPr>
+        <p:cNvPr id="1" name=""/>
+        <p:cNvGrpSpPr/>
+        <p:nvPr/>
+      </p:nvGrpSpPr>
+      <p:grpSpPr>
+        <a:xfrm>
+          <a:off x="0" y="0"/>
+          <a:ext cx="0" cy="0"/>
+          <a:chOff x="0" y="0"/>
+          <a:chExt cx="0" cy="0"/>
+        </a:xfrm>
+      </p:grpSpPr>
+      <p:sp>
+        <p:nvSpPr>
+          <p:cNvPr id="2" name="投影片編號版面配置區 1"/>
+          <p:cNvSpPr>
+            <a:spLocks noGrp="1"/>
+          </p:cNvSpPr>
+          <p:nvPr>
+            <p:ph type="sldNum" sz="quarter" idx="11"/>
+          </p:nvPr>
+        </p:nvSpPr>
+        <p:spPr/>
+        <p:txBody>
+          <a:bodyPr/>
+          <a:lstStyle/>
+          <a:p>
+            <a:pPr>
+              <a:defRPr/>
+            </a:pPr>
+            <a:fld id="{C3E24055-C280-453F-98F3-40A960E52EFC}" type="slidenum">
+              <a:rPr lang="en-US" altLang="zh-TW" smtClean="0"/>
+              <a:pPr>
+                <a:defRPr/>
+              </a:pPr>
+              <a:t>21</a:t>
+            </a:fld>
+            <a:endParaRPr lang="en-US" altLang="zh-TW"/>
+          </a:p>
+        </p:txBody>
+      </p:sp>
+      <p:sp>
+        <p:nvSpPr>
+          <p:cNvPr id="3" name="標題 2"/>
+          <p:cNvSpPr>
+            <a:spLocks noGrp="1"/>
+          </p:cNvSpPr>
+          <p:nvPr>
+            <p:ph type="title"/>
+          </p:nvPr>
+        </p:nvSpPr>
+        <p:spPr/>
+        <p:txBody>
+          <a:bodyPr/>
+          <a:lstStyle/>
+          <a:p>
+            <a:r>
+              <a:rPr lang="en-US" altLang="zh-TW" dirty="0"/>
+              <a:t>Categorization of AI</a:t>
+            </a:r>
+            <a:endParaRPr lang="zh-TW" altLang="en-US" dirty="0"/>
+          </a:p>
+        </p:txBody>
+      </p:sp>
+      <p:sp>
+        <p:nvSpPr>
+          <p:cNvPr id="4" name="內容版面配置區 3"/>
+          <p:cNvSpPr>
+            <a:spLocks noGrp="1"/>
+          </p:cNvSpPr>
+          <p:nvPr>
+            <p:ph sz="quarter" idx="12"/>
+          </p:nvPr>
+        </p:nvSpPr>
+        <p:spPr/>
+        <p:txBody>
+          <a:bodyPr/>
+          <a:lstStyle/>
+          <a:p>
+            <a:r>
+              <a:rPr lang="en-US" altLang="zh-TW" dirty="0" smtClean="0"/>
+              <a:t>Based on Machine Learning Styles:</a:t>
+            </a:r>
+          </a:p>
+          <a:p>
+            <a:pPr marL="514350" indent="-514350">
+              <a:buFont typeface="+mj-lt"/>
+              <a:buAutoNum type="arabicPeriod"/>
+            </a:pPr>
+            <a:r>
+              <a:rPr lang="en-US" altLang="zh-TW" dirty="0" smtClean="0"/>
+              <a:t>Supervised Learning</a:t>
+            </a:r>
+          </a:p>
+          <a:p>
+            <a:pPr marL="514350" indent="-514350">
+              <a:buFont typeface="+mj-lt"/>
+              <a:buAutoNum type="arabicPeriod"/>
+            </a:pPr>
+            <a:r>
+              <a:rPr lang="en-US" altLang="zh-TW" dirty="0" smtClean="0"/>
+              <a:t>Unsupervised Learning</a:t>
+            </a:r>
+          </a:p>
+          <a:p>
+            <a:pPr marL="514350" indent="-514350">
+              <a:buFont typeface="+mj-lt"/>
+              <a:buAutoNum type="arabicPeriod"/>
+            </a:pPr>
+            <a:r>
+              <a:rPr lang="en-US" altLang="zh-TW" dirty="0" smtClean="0"/>
+              <a:t>Semi-supervised Learning</a:t>
+            </a:r>
+          </a:p>
+          <a:p>
+            <a:pPr marL="514350" indent="-514350">
+              <a:buFont typeface="+mj-lt"/>
+              <a:buAutoNum type="arabicPeriod"/>
+            </a:pPr>
+            <a:r>
+              <a:rPr lang="en-US" altLang="zh-TW" dirty="0" smtClean="0"/>
+              <a:t>Reinforcement Learning</a:t>
+            </a:r>
+            <a:endParaRPr lang="zh-TW" altLang="en-US" dirty="0"/>
+          </a:p>
+        </p:txBody>
+      </p:sp>
+    </p:spTree>
+    <p:extLst>
+      <p:ext uri="{BB962C8B-B14F-4D97-AF65-F5344CB8AC3E}">
+        <p14:creationId xmlns:p14="http://schemas.microsoft.com/office/powerpoint/2010/main" val="3702434971"/>
+      </p:ext>
+    </p:extLst>
+  </p:cSld>
+  <p:clrMapOvr>
+    <a:masterClrMapping/>
+  </p:clrMapOvr>
+  <p:timing>
+    <p:tnLst>
+      <p:par>
+        <p:cTn id="1" dur="indefinite" restart="never" nodeType="tmRoot"/>
+      </p:par>
+    </p:tnLst>
+  </p:timing>
+</p:sld>
+</file>
+
+<file path=ppt/slides/slide22.xml><?xml version="1.0" encoding="utf-8"?>
+<p:sld xmlns:a="http://schemas.openxmlformats.org/drawingml/2006/main" xmlns:r="http://schemas.openxmlformats.org/officeDocument/2006/relationships" xmlns:p="http://schemas.openxmlformats.org/presentationml/2006/main">
+  <p:cSld>
+    <p:spTree>
+      <p:nvGrpSpPr>
+        <p:cNvPr id="1" name=""/>
+        <p:cNvGrpSpPr/>
+        <p:nvPr/>
+      </p:nvGrpSpPr>
+      <p:grpSpPr>
+        <a:xfrm>
+          <a:off x="0" y="0"/>
+          <a:ext cx="0" cy="0"/>
+          <a:chOff x="0" y="0"/>
+          <a:chExt cx="0" cy="0"/>
+        </a:xfrm>
+      </p:grpSpPr>
+      <p:sp>
+        <p:nvSpPr>
+          <p:cNvPr id="2" name="投影片編號版面配置區 1"/>
+          <p:cNvSpPr>
+            <a:spLocks noGrp="1"/>
+          </p:cNvSpPr>
+          <p:nvPr>
+            <p:ph type="sldNum" sz="quarter" idx="11"/>
+          </p:nvPr>
+        </p:nvSpPr>
+        <p:spPr/>
+        <p:txBody>
+          <a:bodyPr/>
+          <a:lstStyle/>
+          <a:p>
+            <a:pPr>
+              <a:defRPr/>
+            </a:pPr>
+            <a:fld id="{C3E24055-C280-453F-98F3-40A960E52EFC}" type="slidenum">
+              <a:rPr lang="en-US" altLang="zh-TW" smtClean="0"/>
+              <a:pPr>
+                <a:defRPr/>
+              </a:pPr>
+              <a:t>22</a:t>
+            </a:fld>
+            <a:endParaRPr lang="en-US" altLang="zh-TW"/>
+          </a:p>
+        </p:txBody>
+      </p:sp>
+      <p:sp>
+        <p:nvSpPr>
+          <p:cNvPr id="3" name="標題 2"/>
+          <p:cNvSpPr>
+            <a:spLocks noGrp="1"/>
+          </p:cNvSpPr>
+          <p:nvPr>
+            <p:ph type="title"/>
+          </p:nvPr>
+        </p:nvSpPr>
+        <p:spPr>
+          <a:xfrm>
+            <a:off x="574675" y="0"/>
+            <a:ext cx="7497763" cy="1124743"/>
+          </a:xfrm>
+        </p:spPr>
+        <p:txBody>
+          <a:bodyPr/>
+          <a:lstStyle/>
+          <a:p>
+            <a:r>
+              <a:rPr lang="en-US" altLang="zh-TW" dirty="0"/>
+              <a:t>Supervised Learning and Unsupervised Learning</a:t>
+            </a:r>
+            <a:endParaRPr lang="zh-TW" altLang="en-US" dirty="0"/>
+          </a:p>
+        </p:txBody>
+      </p:sp>
+      <p:sp>
+        <p:nvSpPr>
+          <p:cNvPr id="4" name="內容版面配置區 3"/>
+          <p:cNvSpPr>
+            <a:spLocks noGrp="1"/>
+          </p:cNvSpPr>
+          <p:nvPr>
+            <p:ph sz="quarter" idx="12"/>
+          </p:nvPr>
+        </p:nvSpPr>
+        <p:spPr>
+          <a:xfrm>
+            <a:off x="539750" y="1341439"/>
+            <a:ext cx="7992690" cy="503386"/>
+          </a:xfrm>
+        </p:spPr>
+        <p:txBody>
+          <a:bodyPr/>
+          <a:lstStyle/>
+          <a:p>
+            <a:r>
+              <a:rPr lang="en-US" altLang="zh-TW" sz="2400" dirty="0" smtClean="0"/>
+              <a:t>Difference from Classification and Clustering</a:t>
+            </a:r>
+            <a:endParaRPr lang="zh-TW" altLang="en-US" sz="2400" dirty="0"/>
+          </a:p>
+        </p:txBody>
+      </p:sp>
+      <p:sp>
+        <p:nvSpPr>
+          <p:cNvPr id="5" name="頁尾版面配置區 4"/>
+          <p:cNvSpPr>
+            <a:spLocks noGrp="1"/>
+          </p:cNvSpPr>
+          <p:nvPr>
+            <p:ph type="ftr" sz="quarter" idx="3"/>
+          </p:nvPr>
+        </p:nvSpPr>
+        <p:spPr>
+          <a:xfrm>
+            <a:off x="571500" y="6429375"/>
+            <a:ext cx="7384876" cy="285750"/>
+          </a:xfrm>
+        </p:spPr>
+        <p:txBody>
+          <a:bodyPr/>
+          <a:lstStyle/>
+          <a:p>
+            <a:pPr>
+              <a:defRPr/>
+            </a:pPr>
+            <a:r>
+              <a:rPr lang="en-US" altLang="zh-TW" dirty="0"/>
+              <a:t>Ref: </a:t>
+            </a:r>
+            <a:r>
+              <a:rPr lang="en-US" altLang="zh-TW" dirty="0">
+                <a:hlinkClick r:id="rId2"/>
+              </a:rPr>
+              <a:t>http://www.differencebetween.net/technology/difference-between-clustering-and-classification/</a:t>
+            </a:r>
+            <a:endParaRPr lang="en-US" altLang="zh-TW" dirty="0"/>
+          </a:p>
+        </p:txBody>
+      </p:sp>
+      <p:graphicFrame>
+        <p:nvGraphicFramePr>
+          <p:cNvPr id="6" name="表格 5"/>
+          <p:cNvGraphicFramePr>
+            <a:graphicFrameLocks noGrp="1"/>
+          </p:cNvGraphicFramePr>
+          <p:nvPr>
+            <p:extLst/>
+          </p:nvPr>
+        </p:nvGraphicFramePr>
+        <p:xfrm>
+          <a:off x="1295735" y="1862732"/>
+          <a:ext cx="6480720" cy="4477027"/>
+        </p:xfrm>
+        <a:graphic>
+          <a:graphicData uri="http://schemas.openxmlformats.org/drawingml/2006/table">
+            <a:tbl>
+              <a:tblPr/>
+              <a:tblGrid>
+                <a:gridCol w="3240360">
+                  <a:extLst>
+                    <a:ext uri="{9D8B030D-6E8A-4147-A177-3AD203B41FA5}">
+                      <a16:colId xmlns:a16="http://schemas.microsoft.com/office/drawing/2014/main" val="195732050"/>
+                    </a:ext>
+                  </a:extLst>
+                </a:gridCol>
+                <a:gridCol w="3240360">
+                  <a:extLst>
+                    <a:ext uri="{9D8B030D-6E8A-4147-A177-3AD203B41FA5}">
+                      <a16:colId xmlns:a16="http://schemas.microsoft.com/office/drawing/2014/main" val="2041159383"/>
+                    </a:ext>
+                  </a:extLst>
+                </a:gridCol>
+              </a:tblGrid>
+              <a:tr h="190066">
+                <a:tc>
+                  <a:txBody>
+                    <a:bodyPr/>
+                    <a:lstStyle/>
+                    <a:p>
+                      <a:r>
+                        <a:rPr lang="en-US" sz="1300" i="1">
+                          <a:effectLst/>
+                        </a:rPr>
+                        <a:t>Clustering</a:t>
+                      </a:r>
+                      <a:endParaRPr lang="en-US" sz="1300">
+                        <a:effectLst/>
+                      </a:endParaRPr>
+                    </a:p>
+                  </a:txBody>
+                  <a:tcPr marL="40840" marR="40840" marT="27227" marB="27227" anchor="ctr">
+                    <a:lnL>
+                      <a:noFill/>
+                    </a:lnL>
+                    <a:lnR>
+                      <a:noFill/>
+                    </a:lnR>
+                    <a:lnT>
+                      <a:noFill/>
+                    </a:lnT>
+                    <a:lnB w="9525" cap="flat" cmpd="sng" algn="ctr">
+                      <a:solidFill>
+                        <a:srgbClr val="FFFFFF"/>
+                      </a:solidFill>
+                      <a:prstDash val="solid"/>
+                      <a:round/>
+                      <a:headEnd type="none" w="med" len="med"/>
+                      <a:tailEnd type="none" w="med" len="med"/>
+                    </a:lnB>
+                    <a:solidFill>
+                      <a:srgbClr val="F5F3EE"/>
+                    </a:solidFill>
+                  </a:tcPr>
+                </a:tc>
+                <a:tc>
+                  <a:txBody>
+                    <a:bodyPr/>
+                    <a:lstStyle/>
+                    <a:p>
+                      <a:r>
+                        <a:rPr lang="en-US" sz="1300" i="1">
+                          <a:effectLst/>
+                        </a:rPr>
+                        <a:t>Classification</a:t>
+                      </a:r>
+                      <a:endParaRPr lang="en-US" sz="1300">
+                        <a:effectLst/>
+                      </a:endParaRPr>
+                    </a:p>
+                  </a:txBody>
+                  <a:tcPr marL="40840" marR="40840" marT="27227" marB="27227" anchor="ctr">
+                    <a:lnL>
+                      <a:noFill/>
+                    </a:lnL>
+                    <a:lnR>
+                      <a:noFill/>
+                    </a:lnR>
+                    <a:lnT>
+                      <a:noFill/>
+                    </a:lnT>
+                    <a:lnB w="9525" cap="flat" cmpd="sng" algn="ctr">
+                      <a:solidFill>
+                        <a:srgbClr val="FFFFFF"/>
+                      </a:solidFill>
+                      <a:prstDash val="solid"/>
+                      <a:round/>
+                      <a:headEnd type="none" w="med" len="med"/>
+                      <a:tailEnd type="none" w="med" len="med"/>
+                    </a:lnB>
+                    <a:solidFill>
+                      <a:srgbClr val="F5F3EE"/>
+                    </a:solidFill>
+                  </a:tcPr>
+                </a:tc>
+                <a:extLst>
+                  <a:ext uri="{0D108BD9-81ED-4DB2-BD59-A6C34878D82A}">
+                    <a16:rowId xmlns:a16="http://schemas.microsoft.com/office/drawing/2014/main" val="3639545270"/>
+                  </a:ext>
+                </a:extLst>
+              </a:tr>
+              <a:tr h="190066">
+                <a:tc>
+                  <a:txBody>
+                    <a:bodyPr/>
+                    <a:lstStyle/>
+                    <a:p>
+                      <a:r>
+                        <a:rPr lang="en-US" sz="1300">
+                          <a:effectLst/>
+                        </a:rPr>
+                        <a:t>Unsupervised data</a:t>
+                      </a:r>
+                    </a:p>
+                  </a:txBody>
+                  <a:tcPr marL="40840" marR="40840" marT="27227" marB="27227" anchor="ctr">
+                    <a:lnL>
+                      <a:noFill/>
+                    </a:lnL>
+                    <a:lnR>
+                      <a:noFill/>
+                    </a:lnR>
+                    <a:lnT w="9525" cap="flat" cmpd="sng" algn="ctr">
+                      <a:solidFill>
+                        <a:srgbClr val="FFFFFF"/>
+                      </a:solidFill>
+                      <a:prstDash val="solid"/>
+                      <a:round/>
+                      <a:headEnd type="none" w="med" len="med"/>
+                      <a:tailEnd type="none" w="med" len="med"/>
+                    </a:lnT>
+                    <a:lnB w="9525" cap="flat" cmpd="sng" algn="ctr">
+                      <a:solidFill>
+                        <a:srgbClr val="FFFFFF"/>
+                      </a:solidFill>
+                      <a:prstDash val="solid"/>
+                      <a:round/>
+                      <a:headEnd type="none" w="med" len="med"/>
+                      <a:tailEnd type="none" w="med" len="med"/>
+                    </a:lnB>
+                    <a:solidFill>
+                      <a:srgbClr val="F5F3EE"/>
+                    </a:solidFill>
+                  </a:tcPr>
+                </a:tc>
+                <a:tc>
+                  <a:txBody>
+                    <a:bodyPr/>
+                    <a:lstStyle/>
+                    <a:p>
+                      <a:r>
+                        <a:rPr lang="en-US" sz="1300">
+                          <a:effectLst/>
+                        </a:rPr>
+                        <a:t>Supervised data</a:t>
+                      </a:r>
+                    </a:p>
+                  </a:txBody>
+                  <a:tcPr marL="40840" marR="40840" marT="27227" marB="27227" anchor="ctr">
+                    <a:lnL>
+                      <a:noFill/>
+                    </a:lnL>
+                    <a:lnR>
+                      <a:noFill/>
+                    </a:lnR>
+                    <a:lnT w="9525" cap="flat" cmpd="sng" algn="ctr">
+                      <a:solidFill>
+                        <a:srgbClr val="FFFFFF"/>
+                      </a:solidFill>
+                      <a:prstDash val="solid"/>
+                      <a:round/>
+                      <a:headEnd type="none" w="med" len="med"/>
+                      <a:tailEnd type="none" w="med" len="med"/>
+                    </a:lnT>
+                    <a:lnB w="9525" cap="flat" cmpd="sng" algn="ctr">
+                      <a:solidFill>
+                        <a:srgbClr val="FFFFFF"/>
+                      </a:solidFill>
+                      <a:prstDash val="solid"/>
+                      <a:round/>
+                      <a:headEnd type="none" w="med" len="med"/>
+                      <a:tailEnd type="none" w="med" len="med"/>
+                    </a:lnB>
+                    <a:solidFill>
+                      <a:srgbClr val="F5F3EE"/>
+                    </a:solidFill>
+                  </a:tcPr>
+                </a:tc>
+                <a:extLst>
+                  <a:ext uri="{0D108BD9-81ED-4DB2-BD59-A6C34878D82A}">
+                    <a16:rowId xmlns:a16="http://schemas.microsoft.com/office/drawing/2014/main" val="3137077392"/>
+                  </a:ext>
+                </a:extLst>
+              </a:tr>
+              <a:tr h="339154">
+                <a:tc>
+                  <a:txBody>
+                    <a:bodyPr/>
+                    <a:lstStyle/>
+                    <a:p>
+                      <a:r>
+                        <a:rPr lang="en-US" sz="1300" dirty="0">
+                          <a:effectLst/>
+                        </a:rPr>
+                        <a:t>Does not highly value training sets</a:t>
+                      </a:r>
+                    </a:p>
+                  </a:txBody>
+                  <a:tcPr marL="40840" marR="40840" marT="27227" marB="27227" anchor="ctr">
+                    <a:lnL>
+                      <a:noFill/>
+                    </a:lnL>
+                    <a:lnR>
+                      <a:noFill/>
+                    </a:lnR>
+                    <a:lnT w="9525" cap="flat" cmpd="sng" algn="ctr">
+                      <a:solidFill>
+                        <a:srgbClr val="FFFFFF"/>
+                      </a:solidFill>
+                      <a:prstDash val="solid"/>
+                      <a:round/>
+                      <a:headEnd type="none" w="med" len="med"/>
+                      <a:tailEnd type="none" w="med" len="med"/>
+                    </a:lnT>
+                    <a:lnB w="9525" cap="flat" cmpd="sng" algn="ctr">
+                      <a:solidFill>
+                        <a:srgbClr val="FFFFFF"/>
+                      </a:solidFill>
+                      <a:prstDash val="solid"/>
+                      <a:round/>
+                      <a:headEnd type="none" w="med" len="med"/>
+                      <a:tailEnd type="none" w="med" len="med"/>
+                    </a:lnB>
+                    <a:solidFill>
+                      <a:srgbClr val="F5F3EE"/>
+                    </a:solidFill>
+                  </a:tcPr>
+                </a:tc>
+                <a:tc>
+                  <a:txBody>
+                    <a:bodyPr/>
+                    <a:lstStyle/>
+                    <a:p>
+                      <a:r>
+                        <a:rPr lang="en-US" sz="1300">
+                          <a:effectLst/>
+                        </a:rPr>
+                        <a:t>Does highly value training sets</a:t>
+                      </a:r>
+                    </a:p>
+                  </a:txBody>
+                  <a:tcPr marL="40840" marR="40840" marT="27227" marB="27227" anchor="ctr">
+                    <a:lnL>
+                      <a:noFill/>
+                    </a:lnL>
+                    <a:lnR>
+                      <a:noFill/>
+                    </a:lnR>
+                    <a:lnT w="9525" cap="flat" cmpd="sng" algn="ctr">
+                      <a:solidFill>
+                        <a:srgbClr val="FFFFFF"/>
+                      </a:solidFill>
+                      <a:prstDash val="solid"/>
+                      <a:round/>
+                      <a:headEnd type="none" w="med" len="med"/>
+                      <a:tailEnd type="none" w="med" len="med"/>
+                    </a:lnT>
+                    <a:lnB w="9525" cap="flat" cmpd="sng" algn="ctr">
+                      <a:solidFill>
+                        <a:srgbClr val="FFFFFF"/>
+                      </a:solidFill>
+                      <a:prstDash val="solid"/>
+                      <a:round/>
+                      <a:headEnd type="none" w="med" len="med"/>
+                      <a:tailEnd type="none" w="med" len="med"/>
+                    </a:lnB>
+                    <a:solidFill>
+                      <a:srgbClr val="F5F3EE"/>
+                    </a:solidFill>
+                  </a:tcPr>
+                </a:tc>
+                <a:extLst>
+                  <a:ext uri="{0D108BD9-81ED-4DB2-BD59-A6C34878D82A}">
+                    <a16:rowId xmlns:a16="http://schemas.microsoft.com/office/drawing/2014/main" val="2933167372"/>
+                  </a:ext>
+                </a:extLst>
+              </a:tr>
+              <a:tr h="488243">
+                <a:tc>
+                  <a:txBody>
+                    <a:bodyPr/>
+                    <a:lstStyle/>
+                    <a:p>
+                      <a:r>
+                        <a:rPr lang="en-US" sz="1300" dirty="0">
+                          <a:effectLst/>
+                        </a:rPr>
+                        <a:t>Works solely with unlabeled data</a:t>
+                      </a:r>
+                    </a:p>
+                  </a:txBody>
+                  <a:tcPr marL="40840" marR="40840" marT="27227" marB="27227" anchor="ctr">
+                    <a:lnL>
+                      <a:noFill/>
+                    </a:lnL>
+                    <a:lnR>
+                      <a:noFill/>
+                    </a:lnR>
+                    <a:lnT w="9525" cap="flat" cmpd="sng" algn="ctr">
+                      <a:solidFill>
+                        <a:srgbClr val="FFFFFF"/>
+                      </a:solidFill>
+                      <a:prstDash val="solid"/>
+                      <a:round/>
+                      <a:headEnd type="none" w="med" len="med"/>
+                      <a:tailEnd type="none" w="med" len="med"/>
+                    </a:lnT>
+                    <a:lnB w="9525" cap="flat" cmpd="sng" algn="ctr">
+                      <a:solidFill>
+                        <a:srgbClr val="FFFFFF"/>
+                      </a:solidFill>
+                      <a:prstDash val="solid"/>
+                      <a:round/>
+                      <a:headEnd type="none" w="med" len="med"/>
+                      <a:tailEnd type="none" w="med" len="med"/>
+                    </a:lnB>
+                    <a:solidFill>
+                      <a:srgbClr val="F5F3EE"/>
+                    </a:solidFill>
+                  </a:tcPr>
+                </a:tc>
+                <a:tc>
+                  <a:txBody>
+                    <a:bodyPr/>
+                    <a:lstStyle/>
+                    <a:p>
+                      <a:r>
+                        <a:rPr lang="en-US" sz="1300" dirty="0">
+                          <a:effectLst/>
+                        </a:rPr>
+                        <a:t>Involves both unlabeled and labeled data</a:t>
+                      </a:r>
+                    </a:p>
+                  </a:txBody>
+                  <a:tcPr marL="40840" marR="40840" marT="27227" marB="27227" anchor="ctr">
+                    <a:lnL>
+                      <a:noFill/>
+                    </a:lnL>
+                    <a:lnR>
+                      <a:noFill/>
+                    </a:lnR>
+                    <a:lnT w="9525" cap="flat" cmpd="sng" algn="ctr">
+                      <a:solidFill>
+                        <a:srgbClr val="FFFFFF"/>
+                      </a:solidFill>
+                      <a:prstDash val="solid"/>
+                      <a:round/>
+                      <a:headEnd type="none" w="med" len="med"/>
+                      <a:tailEnd type="none" w="med" len="med"/>
+                    </a:lnT>
+                    <a:lnB w="9525" cap="flat" cmpd="sng" algn="ctr">
+                      <a:solidFill>
+                        <a:srgbClr val="FFFFFF"/>
+                      </a:solidFill>
+                      <a:prstDash val="solid"/>
+                      <a:round/>
+                      <a:headEnd type="none" w="med" len="med"/>
+                      <a:tailEnd type="none" w="med" len="med"/>
+                    </a:lnB>
+                    <a:solidFill>
+                      <a:srgbClr val="F5F3EE"/>
+                    </a:solidFill>
+                  </a:tcPr>
+                </a:tc>
+                <a:extLst>
+                  <a:ext uri="{0D108BD9-81ED-4DB2-BD59-A6C34878D82A}">
+                    <a16:rowId xmlns:a16="http://schemas.microsoft.com/office/drawing/2014/main" val="3580527837"/>
+                  </a:ext>
+                </a:extLst>
+              </a:tr>
+              <a:tr h="488243">
+                <a:tc>
+                  <a:txBody>
+                    <a:bodyPr/>
+                    <a:lstStyle/>
+                    <a:p>
+                      <a:r>
+                        <a:rPr lang="en-US" sz="1300" dirty="0">
+                          <a:effectLst/>
+                        </a:rPr>
+                        <a:t>Aims to identify similarities among data</a:t>
+                      </a:r>
+                    </a:p>
+                  </a:txBody>
+                  <a:tcPr marL="40840" marR="40840" marT="27227" marB="27227" anchor="ctr">
+                    <a:lnL>
+                      <a:noFill/>
+                    </a:lnL>
+                    <a:lnR>
+                      <a:noFill/>
+                    </a:lnR>
+                    <a:lnT w="9525" cap="flat" cmpd="sng" algn="ctr">
+                      <a:solidFill>
+                        <a:srgbClr val="FFFFFF"/>
+                      </a:solidFill>
+                      <a:prstDash val="solid"/>
+                      <a:round/>
+                      <a:headEnd type="none" w="med" len="med"/>
+                      <a:tailEnd type="none" w="med" len="med"/>
+                    </a:lnT>
+                    <a:lnB w="9525" cap="flat" cmpd="sng" algn="ctr">
+                      <a:solidFill>
+                        <a:srgbClr val="FFFFFF"/>
+                      </a:solidFill>
+                      <a:prstDash val="solid"/>
+                      <a:round/>
+                      <a:headEnd type="none" w="med" len="med"/>
+                      <a:tailEnd type="none" w="med" len="med"/>
+                    </a:lnB>
+                    <a:solidFill>
+                      <a:srgbClr val="F5F3EE"/>
+                    </a:solidFill>
+                  </a:tcPr>
+                </a:tc>
+                <a:tc>
+                  <a:txBody>
+                    <a:bodyPr/>
+                    <a:lstStyle/>
+                    <a:p>
+                      <a:r>
+                        <a:rPr lang="en-US" sz="1300">
+                          <a:effectLst/>
+                        </a:rPr>
+                        <a:t>Aims to verify where a datum belongs to</a:t>
+                      </a:r>
+                    </a:p>
+                  </a:txBody>
+                  <a:tcPr marL="40840" marR="40840" marT="27227" marB="27227" anchor="ctr">
+                    <a:lnL>
+                      <a:noFill/>
+                    </a:lnL>
+                    <a:lnR>
+                      <a:noFill/>
+                    </a:lnR>
+                    <a:lnT w="9525" cap="flat" cmpd="sng" algn="ctr">
+                      <a:solidFill>
+                        <a:srgbClr val="FFFFFF"/>
+                      </a:solidFill>
+                      <a:prstDash val="solid"/>
+                      <a:round/>
+                      <a:headEnd type="none" w="med" len="med"/>
+                      <a:tailEnd type="none" w="med" len="med"/>
+                    </a:lnT>
+                    <a:lnB w="9525" cap="flat" cmpd="sng" algn="ctr">
+                      <a:solidFill>
+                        <a:srgbClr val="FFFFFF"/>
+                      </a:solidFill>
+                      <a:prstDash val="solid"/>
+                      <a:round/>
+                      <a:headEnd type="none" w="med" len="med"/>
+                      <a:tailEnd type="none" w="med" len="med"/>
+                    </a:lnB>
+                    <a:solidFill>
+                      <a:srgbClr val="F5F3EE"/>
+                    </a:solidFill>
+                  </a:tcPr>
+                </a:tc>
+                <a:extLst>
+                  <a:ext uri="{0D108BD9-81ED-4DB2-BD59-A6C34878D82A}">
+                    <a16:rowId xmlns:a16="http://schemas.microsoft.com/office/drawing/2014/main" val="4042222827"/>
+                  </a:ext>
+                </a:extLst>
+              </a:tr>
+              <a:tr h="488243">
+                <a:tc>
+                  <a:txBody>
+                    <a:bodyPr/>
+                    <a:lstStyle/>
+                    <a:p>
+                      <a:r>
+                        <a:rPr lang="en-US" sz="1300" dirty="0">
+                          <a:effectLst/>
+                        </a:rPr>
+                        <a:t>Specifies required change</a:t>
+                      </a:r>
+                    </a:p>
+                  </a:txBody>
+                  <a:tcPr marL="40840" marR="40840" marT="27227" marB="27227" anchor="ctr">
+                    <a:lnL>
+                      <a:noFill/>
+                    </a:lnL>
+                    <a:lnR>
+                      <a:noFill/>
+                    </a:lnR>
+                    <a:lnT w="9525" cap="flat" cmpd="sng" algn="ctr">
+                      <a:solidFill>
+                        <a:srgbClr val="FFFFFF"/>
+                      </a:solidFill>
+                      <a:prstDash val="solid"/>
+                      <a:round/>
+                      <a:headEnd type="none" w="med" len="med"/>
+                      <a:tailEnd type="none" w="med" len="med"/>
+                    </a:lnT>
+                    <a:lnB w="9525" cap="flat" cmpd="sng" algn="ctr">
+                      <a:solidFill>
+                        <a:srgbClr val="FFFFFF"/>
+                      </a:solidFill>
+                      <a:prstDash val="solid"/>
+                      <a:round/>
+                      <a:headEnd type="none" w="med" len="med"/>
+                      <a:tailEnd type="none" w="med" len="med"/>
+                    </a:lnB>
+                    <a:solidFill>
+                      <a:srgbClr val="F5F3EE"/>
+                    </a:solidFill>
+                  </a:tcPr>
+                </a:tc>
+                <a:tc>
+                  <a:txBody>
+                    <a:bodyPr/>
+                    <a:lstStyle/>
+                    <a:p>
+                      <a:r>
+                        <a:rPr lang="en-US" sz="1300">
+                          <a:effectLst/>
+                        </a:rPr>
+                        <a:t>Does not specify required improvement</a:t>
+                      </a:r>
+                    </a:p>
+                  </a:txBody>
+                  <a:tcPr marL="40840" marR="40840" marT="27227" marB="27227" anchor="ctr">
+                    <a:lnL>
+                      <a:noFill/>
+                    </a:lnL>
+                    <a:lnR>
+                      <a:noFill/>
+                    </a:lnR>
+                    <a:lnT w="9525" cap="flat" cmpd="sng" algn="ctr">
+                      <a:solidFill>
+                        <a:srgbClr val="FFFFFF"/>
+                      </a:solidFill>
+                      <a:prstDash val="solid"/>
+                      <a:round/>
+                      <a:headEnd type="none" w="med" len="med"/>
+                      <a:tailEnd type="none" w="med" len="med"/>
+                    </a:lnT>
+                    <a:lnB w="9525" cap="flat" cmpd="sng" algn="ctr">
+                      <a:solidFill>
+                        <a:srgbClr val="FFFFFF"/>
+                      </a:solidFill>
+                      <a:prstDash val="solid"/>
+                      <a:round/>
+                      <a:headEnd type="none" w="med" len="med"/>
+                      <a:tailEnd type="none" w="med" len="med"/>
+                    </a:lnB>
+                    <a:solidFill>
+                      <a:srgbClr val="F5F3EE"/>
+                    </a:solidFill>
+                  </a:tcPr>
+                </a:tc>
+                <a:extLst>
+                  <a:ext uri="{0D108BD9-81ED-4DB2-BD59-A6C34878D82A}">
+                    <a16:rowId xmlns:a16="http://schemas.microsoft.com/office/drawing/2014/main" val="3574280185"/>
+                  </a:ext>
+                </a:extLst>
+              </a:tr>
+              <a:tr h="190066">
+                <a:tc>
+                  <a:txBody>
+                    <a:bodyPr/>
+                    <a:lstStyle/>
+                    <a:p>
+                      <a:r>
+                        <a:rPr lang="en-US" sz="1300">
+                          <a:effectLst/>
+                        </a:rPr>
+                        <a:t>Has a single phase</a:t>
+                      </a:r>
+                    </a:p>
+                  </a:txBody>
+                  <a:tcPr marL="40840" marR="40840" marT="27227" marB="27227" anchor="ctr">
+                    <a:lnL>
+                      <a:noFill/>
+                    </a:lnL>
+                    <a:lnR>
+                      <a:noFill/>
+                    </a:lnR>
+                    <a:lnT w="9525" cap="flat" cmpd="sng" algn="ctr">
+                      <a:solidFill>
+                        <a:srgbClr val="FFFFFF"/>
+                      </a:solidFill>
+                      <a:prstDash val="solid"/>
+                      <a:round/>
+                      <a:headEnd type="none" w="med" len="med"/>
+                      <a:tailEnd type="none" w="med" len="med"/>
+                    </a:lnT>
+                    <a:lnB w="9525" cap="flat" cmpd="sng" algn="ctr">
+                      <a:solidFill>
+                        <a:srgbClr val="FFFFFF"/>
+                      </a:solidFill>
+                      <a:prstDash val="solid"/>
+                      <a:round/>
+                      <a:headEnd type="none" w="med" len="med"/>
+                      <a:tailEnd type="none" w="med" len="med"/>
+                    </a:lnB>
+                    <a:solidFill>
+                      <a:srgbClr val="F5F3EE"/>
+                    </a:solidFill>
+                  </a:tcPr>
+                </a:tc>
+                <a:tc>
+                  <a:txBody>
+                    <a:bodyPr/>
+                    <a:lstStyle/>
+                    <a:p>
+                      <a:r>
+                        <a:rPr lang="en-US" sz="1300">
+                          <a:effectLst/>
+                        </a:rPr>
+                        <a:t>Has two phases</a:t>
+                      </a:r>
+                    </a:p>
+                  </a:txBody>
+                  <a:tcPr marL="40840" marR="40840" marT="27227" marB="27227" anchor="ctr">
+                    <a:lnL>
+                      <a:noFill/>
+                    </a:lnL>
+                    <a:lnR>
+                      <a:noFill/>
+                    </a:lnR>
+                    <a:lnT w="9525" cap="flat" cmpd="sng" algn="ctr">
+                      <a:solidFill>
+                        <a:srgbClr val="FFFFFF"/>
+                      </a:solidFill>
+                      <a:prstDash val="solid"/>
+                      <a:round/>
+                      <a:headEnd type="none" w="med" len="med"/>
+                      <a:tailEnd type="none" w="med" len="med"/>
+                    </a:lnT>
+                    <a:lnB w="9525" cap="flat" cmpd="sng" algn="ctr">
+                      <a:solidFill>
+                        <a:srgbClr val="FFFFFF"/>
+                      </a:solidFill>
+                      <a:prstDash val="solid"/>
+                      <a:round/>
+                      <a:headEnd type="none" w="med" len="med"/>
+                      <a:tailEnd type="none" w="med" len="med"/>
+                    </a:lnB>
+                    <a:solidFill>
+                      <a:srgbClr val="F5F3EE"/>
+                    </a:solidFill>
+                  </a:tcPr>
+                </a:tc>
+                <a:extLst>
+                  <a:ext uri="{0D108BD9-81ED-4DB2-BD59-A6C34878D82A}">
+                    <a16:rowId xmlns:a16="http://schemas.microsoft.com/office/drawing/2014/main" val="3672399702"/>
+                  </a:ext>
+                </a:extLst>
+              </a:tr>
+              <a:tr h="637331">
+                <a:tc>
+                  <a:txBody>
+                    <a:bodyPr/>
+                    <a:lstStyle/>
+                    <a:p>
+                      <a:r>
+                        <a:rPr lang="en-US" sz="1300">
+                          <a:effectLst/>
+                        </a:rPr>
+                        <a:t>Determining boundary conditions is not paramount</a:t>
+                      </a:r>
+                    </a:p>
+                  </a:txBody>
+                  <a:tcPr marL="40840" marR="40840" marT="27227" marB="27227" anchor="ctr">
+                    <a:lnL>
+                      <a:noFill/>
+                    </a:lnL>
+                    <a:lnR>
+                      <a:noFill/>
+                    </a:lnR>
+                    <a:lnT w="9525" cap="flat" cmpd="sng" algn="ctr">
+                      <a:solidFill>
+                        <a:srgbClr val="FFFFFF"/>
+                      </a:solidFill>
+                      <a:prstDash val="solid"/>
+                      <a:round/>
+                      <a:headEnd type="none" w="med" len="med"/>
+                      <a:tailEnd type="none" w="med" len="med"/>
+                    </a:lnT>
+                    <a:lnB w="9525" cap="flat" cmpd="sng" algn="ctr">
+                      <a:solidFill>
+                        <a:srgbClr val="FFFFFF"/>
+                      </a:solidFill>
+                      <a:prstDash val="solid"/>
+                      <a:round/>
+                      <a:headEnd type="none" w="med" len="med"/>
+                      <a:tailEnd type="none" w="med" len="med"/>
+                    </a:lnB>
+                    <a:solidFill>
+                      <a:srgbClr val="F5F3EE"/>
+                    </a:solidFill>
+                  </a:tcPr>
+                </a:tc>
+                <a:tc>
+                  <a:txBody>
+                    <a:bodyPr/>
+                    <a:lstStyle/>
+                    <a:p>
+                      <a:r>
+                        <a:rPr lang="en-US" sz="1300">
+                          <a:effectLst/>
+                        </a:rPr>
+                        <a:t>Identifying the boundary conditions is essential in executing the phases</a:t>
+                      </a:r>
+                    </a:p>
+                  </a:txBody>
+                  <a:tcPr marL="40840" marR="40840" marT="27227" marB="27227" anchor="ctr">
+                    <a:lnL>
+                      <a:noFill/>
+                    </a:lnL>
+                    <a:lnR>
+                      <a:noFill/>
+                    </a:lnR>
+                    <a:lnT w="9525" cap="flat" cmpd="sng" algn="ctr">
+                      <a:solidFill>
+                        <a:srgbClr val="FFFFFF"/>
+                      </a:solidFill>
+                      <a:prstDash val="solid"/>
+                      <a:round/>
+                      <a:headEnd type="none" w="med" len="med"/>
+                      <a:tailEnd type="none" w="med" len="med"/>
+                    </a:lnT>
+                    <a:lnB w="9525" cap="flat" cmpd="sng" algn="ctr">
+                      <a:solidFill>
+                        <a:srgbClr val="FFFFFF"/>
+                      </a:solidFill>
+                      <a:prstDash val="solid"/>
+                      <a:round/>
+                      <a:headEnd type="none" w="med" len="med"/>
+                      <a:tailEnd type="none" w="med" len="med"/>
+                    </a:lnB>
+                    <a:solidFill>
+                      <a:srgbClr val="F5F3EE"/>
+                    </a:solidFill>
+                  </a:tcPr>
+                </a:tc>
+                <a:extLst>
+                  <a:ext uri="{0D108BD9-81ED-4DB2-BD59-A6C34878D82A}">
+                    <a16:rowId xmlns:a16="http://schemas.microsoft.com/office/drawing/2014/main" val="1465108402"/>
+                  </a:ext>
+                </a:extLst>
+              </a:tr>
+              <a:tr h="339154">
+                <a:tc>
+                  <a:txBody>
+                    <a:bodyPr/>
+                    <a:lstStyle/>
+                    <a:p>
+                      <a:r>
+                        <a:rPr lang="en-US" sz="1300">
+                          <a:effectLst/>
+                        </a:rPr>
+                        <a:t>Does not generally deal with prediction</a:t>
+                      </a:r>
+                    </a:p>
+                  </a:txBody>
+                  <a:tcPr marL="40840" marR="40840" marT="27227" marB="27227" anchor="ctr">
+                    <a:lnL>
+                      <a:noFill/>
+                    </a:lnL>
+                    <a:lnR>
+                      <a:noFill/>
+                    </a:lnR>
+                    <a:lnT w="9525" cap="flat" cmpd="sng" algn="ctr">
+                      <a:solidFill>
+                        <a:srgbClr val="FFFFFF"/>
+                      </a:solidFill>
+                      <a:prstDash val="solid"/>
+                      <a:round/>
+                      <a:headEnd type="none" w="med" len="med"/>
+                      <a:tailEnd type="none" w="med" len="med"/>
+                    </a:lnT>
+                    <a:lnB w="9525" cap="flat" cmpd="sng" algn="ctr">
+                      <a:solidFill>
+                        <a:srgbClr val="FFFFFF"/>
+                      </a:solidFill>
+                      <a:prstDash val="solid"/>
+                      <a:round/>
+                      <a:headEnd type="none" w="med" len="med"/>
+                      <a:tailEnd type="none" w="med" len="med"/>
+                    </a:lnB>
+                    <a:solidFill>
+                      <a:srgbClr val="F5F3EE"/>
+                    </a:solidFill>
+                  </a:tcPr>
+                </a:tc>
+                <a:tc>
+                  <a:txBody>
+                    <a:bodyPr/>
+                    <a:lstStyle/>
+                    <a:p>
+                      <a:r>
+                        <a:rPr lang="en-US" sz="1300">
+                          <a:effectLst/>
+                        </a:rPr>
+                        <a:t>Deals with prediction</a:t>
+                      </a:r>
+                    </a:p>
+                  </a:txBody>
+                  <a:tcPr marL="40840" marR="40840" marT="27227" marB="27227" anchor="ctr">
+                    <a:lnL>
+                      <a:noFill/>
+                    </a:lnL>
+                    <a:lnR>
+                      <a:noFill/>
+                    </a:lnR>
+                    <a:lnT w="9525" cap="flat" cmpd="sng" algn="ctr">
+                      <a:solidFill>
+                        <a:srgbClr val="FFFFFF"/>
+                      </a:solidFill>
+                      <a:prstDash val="solid"/>
+                      <a:round/>
+                      <a:headEnd type="none" w="med" len="med"/>
+                      <a:tailEnd type="none" w="med" len="med"/>
+                    </a:lnT>
+                    <a:lnB w="9525" cap="flat" cmpd="sng" algn="ctr">
+                      <a:solidFill>
+                        <a:srgbClr val="FFFFFF"/>
+                      </a:solidFill>
+                      <a:prstDash val="solid"/>
+                      <a:round/>
+                      <a:headEnd type="none" w="med" len="med"/>
+                      <a:tailEnd type="none" w="med" len="med"/>
+                    </a:lnB>
+                    <a:solidFill>
+                      <a:srgbClr val="F5F3EE"/>
+                    </a:solidFill>
+                  </a:tcPr>
+                </a:tc>
+                <a:extLst>
+                  <a:ext uri="{0D108BD9-81ED-4DB2-BD59-A6C34878D82A}">
+                    <a16:rowId xmlns:a16="http://schemas.microsoft.com/office/drawing/2014/main" val="1728908563"/>
+                  </a:ext>
+                </a:extLst>
+              </a:tr>
+              <a:tr h="488243">
+                <a:tc>
+                  <a:txBody>
+                    <a:bodyPr/>
+                    <a:lstStyle/>
+                    <a:p>
+                      <a:r>
+                        <a:rPr lang="en-US" sz="1300">
+                          <a:effectLst/>
+                        </a:rPr>
+                        <a:t>Mainly employs two algorithms</a:t>
+                      </a:r>
+                    </a:p>
+                  </a:txBody>
+                  <a:tcPr marL="40840" marR="40840" marT="27227" marB="27227" anchor="ctr">
+                    <a:lnL>
+                      <a:noFill/>
+                    </a:lnL>
+                    <a:lnR>
+                      <a:noFill/>
+                    </a:lnR>
+                    <a:lnT w="9525" cap="flat" cmpd="sng" algn="ctr">
+                      <a:solidFill>
+                        <a:srgbClr val="FFFFFF"/>
+                      </a:solidFill>
+                      <a:prstDash val="solid"/>
+                      <a:round/>
+                      <a:headEnd type="none" w="med" len="med"/>
+                      <a:tailEnd type="none" w="med" len="med"/>
+                    </a:lnT>
+                    <a:lnB w="9525" cap="flat" cmpd="sng" algn="ctr">
+                      <a:solidFill>
+                        <a:srgbClr val="FFFFFF"/>
+                      </a:solidFill>
+                      <a:prstDash val="solid"/>
+                      <a:round/>
+                      <a:headEnd type="none" w="med" len="med"/>
+                      <a:tailEnd type="none" w="med" len="med"/>
+                    </a:lnB>
+                    <a:solidFill>
+                      <a:srgbClr val="F5F3EE"/>
+                    </a:solidFill>
+                  </a:tcPr>
+                </a:tc>
+                <a:tc>
+                  <a:txBody>
+                    <a:bodyPr/>
+                    <a:lstStyle/>
+                    <a:p>
+                      <a:r>
+                        <a:rPr lang="en-US" sz="1300">
+                          <a:effectLst/>
+                        </a:rPr>
+                        <a:t>Has a number of probable algorithms to use</a:t>
+                      </a:r>
+                    </a:p>
+                  </a:txBody>
+                  <a:tcPr marL="40840" marR="40840" marT="27227" marB="27227" anchor="ctr">
+                    <a:lnL>
+                      <a:noFill/>
+                    </a:lnL>
+                    <a:lnR>
+                      <a:noFill/>
+                    </a:lnR>
+                    <a:lnT w="9525" cap="flat" cmpd="sng" algn="ctr">
+                      <a:solidFill>
+                        <a:srgbClr val="FFFFFF"/>
+                      </a:solidFill>
+                      <a:prstDash val="solid"/>
+                      <a:round/>
+                      <a:headEnd type="none" w="med" len="med"/>
+                      <a:tailEnd type="none" w="med" len="med"/>
+                    </a:lnT>
+                    <a:lnB w="9525" cap="flat" cmpd="sng" algn="ctr">
+                      <a:solidFill>
+                        <a:srgbClr val="FFFFFF"/>
+                      </a:solidFill>
+                      <a:prstDash val="solid"/>
+                      <a:round/>
+                      <a:headEnd type="none" w="med" len="med"/>
+                      <a:tailEnd type="none" w="med" len="med"/>
+                    </a:lnB>
+                    <a:solidFill>
+                      <a:srgbClr val="F5F3EE"/>
+                    </a:solidFill>
+                  </a:tcPr>
+                </a:tc>
+                <a:extLst>
+                  <a:ext uri="{0D108BD9-81ED-4DB2-BD59-A6C34878D82A}">
+                    <a16:rowId xmlns:a16="http://schemas.microsoft.com/office/drawing/2014/main" val="656709747"/>
+                  </a:ext>
+                </a:extLst>
+              </a:tr>
+              <a:tr h="339154">
+                <a:tc>
+                  <a:txBody>
+                    <a:bodyPr/>
+                    <a:lstStyle/>
+                    <a:p>
+                      <a:r>
+                        <a:rPr lang="en-US" sz="1300">
+                          <a:effectLst/>
+                        </a:rPr>
+                        <a:t>Process is less complex</a:t>
+                      </a:r>
+                    </a:p>
+                  </a:txBody>
+                  <a:tcPr marL="40840" marR="40840" marT="27227" marB="27227" anchor="ctr">
+                    <a:lnL>
+                      <a:noFill/>
+                    </a:lnL>
+                    <a:lnR>
+                      <a:noFill/>
+                    </a:lnR>
+                    <a:lnT w="9525" cap="flat" cmpd="sng" algn="ctr">
+                      <a:solidFill>
+                        <a:srgbClr val="FFFFFF"/>
+                      </a:solidFill>
+                      <a:prstDash val="solid"/>
+                      <a:round/>
+                      <a:headEnd type="none" w="med" len="med"/>
+                      <a:tailEnd type="none" w="med" len="med"/>
+                    </a:lnT>
+                    <a:lnB w="9525" cap="flat" cmpd="sng" algn="ctr">
+                      <a:solidFill>
+                        <a:srgbClr val="FFFFFF"/>
+                      </a:solidFill>
+                      <a:prstDash val="solid"/>
+                      <a:round/>
+                      <a:headEnd type="none" w="med" len="med"/>
+                      <a:tailEnd type="none" w="med" len="med"/>
+                    </a:lnB>
+                    <a:solidFill>
+                      <a:srgbClr val="F5F3EE"/>
+                    </a:solidFill>
+                  </a:tcPr>
+                </a:tc>
+                <a:tc>
+                  <a:txBody>
+                    <a:bodyPr/>
+                    <a:lstStyle/>
+                    <a:p>
+                      <a:r>
+                        <a:rPr lang="en-US" sz="1300" dirty="0">
+                          <a:effectLst/>
+                        </a:rPr>
+                        <a:t>Process is more complex</a:t>
+                      </a:r>
+                    </a:p>
+                  </a:txBody>
+                  <a:tcPr marL="40840" marR="40840" marT="27227" marB="27227" anchor="ctr">
+                    <a:lnL>
+                      <a:noFill/>
+                    </a:lnL>
+                    <a:lnR>
+                      <a:noFill/>
+                    </a:lnR>
+                    <a:lnT w="9525" cap="flat" cmpd="sng" algn="ctr">
+                      <a:solidFill>
+                        <a:srgbClr val="FFFFFF"/>
+                      </a:solidFill>
+                      <a:prstDash val="solid"/>
+                      <a:round/>
+                      <a:headEnd type="none" w="med" len="med"/>
+                      <a:tailEnd type="none" w="med" len="med"/>
+                    </a:lnT>
+                    <a:lnB w="9525" cap="flat" cmpd="sng" algn="ctr">
+                      <a:solidFill>
+                        <a:srgbClr val="FFFFFF"/>
+                      </a:solidFill>
+                      <a:prstDash val="solid"/>
+                      <a:round/>
+                      <a:headEnd type="none" w="med" len="med"/>
+                      <a:tailEnd type="none" w="med" len="med"/>
+                    </a:lnB>
+                    <a:solidFill>
+                      <a:srgbClr val="F5F3EE"/>
+                    </a:solidFill>
+                  </a:tcPr>
+                </a:tc>
+                <a:extLst>
+                  <a:ext uri="{0D108BD9-81ED-4DB2-BD59-A6C34878D82A}">
+                    <a16:rowId xmlns:a16="http://schemas.microsoft.com/office/drawing/2014/main" val="1121955073"/>
+                  </a:ext>
+                </a:extLst>
+              </a:tr>
+            </a:tbl>
+          </a:graphicData>
+        </a:graphic>
+      </p:graphicFrame>
+    </p:spTree>
+    <p:extLst>
+      <p:ext uri="{BB962C8B-B14F-4D97-AF65-F5344CB8AC3E}">
+        <p14:creationId xmlns:p14="http://schemas.microsoft.com/office/powerpoint/2010/main" val="3158115889"/>
+      </p:ext>
+    </p:extLst>
+  </p:cSld>
+  <p:clrMapOvr>
+    <a:masterClrMapping/>
+  </p:clrMapOvr>
+  <p:timing>
+    <p:tnLst>
+      <p:par>
+        <p:cTn id="1" dur="indefinite" restart="never" nodeType="tmRoot"/>
+      </p:par>
+    </p:tnLst>
+  </p:timing>
+</p:sld>
+</file>
+
+<file path=ppt/slides/slide23.xml><?xml version="1.0" encoding="utf-8"?>
+<p:sld xmlns:a="http://schemas.openxmlformats.org/drawingml/2006/main" xmlns:r="http://schemas.openxmlformats.org/officeDocument/2006/relationships" xmlns:p="http://schemas.openxmlformats.org/presentationml/2006/main">
+  <p:cSld>
+    <p:spTree>
+      <p:nvGrpSpPr>
+        <p:cNvPr id="1" name=""/>
+        <p:cNvGrpSpPr/>
+        <p:nvPr/>
+      </p:nvGrpSpPr>
+      <p:grpSpPr>
+        <a:xfrm>
+          <a:off x="0" y="0"/>
+          <a:ext cx="0" cy="0"/>
+          <a:chOff x="0" y="0"/>
+          <a:chExt cx="0" cy="0"/>
+        </a:xfrm>
+      </p:grpSpPr>
+      <p:sp>
+        <p:nvSpPr>
+          <p:cNvPr id="2" name="投影片編號版面配置區 1"/>
+          <p:cNvSpPr>
+            <a:spLocks noGrp="1"/>
+          </p:cNvSpPr>
+          <p:nvPr>
+            <p:ph type="sldNum" sz="quarter" idx="11"/>
+          </p:nvPr>
+        </p:nvSpPr>
+        <p:spPr/>
+        <p:txBody>
+          <a:bodyPr/>
+          <a:lstStyle/>
+          <a:p>
+            <a:pPr>
+              <a:defRPr/>
+            </a:pPr>
+            <a:fld id="{C3E24055-C280-453F-98F3-40A960E52EFC}" type="slidenum">
+              <a:rPr lang="en-US" altLang="zh-TW" smtClean="0"/>
+              <a:pPr>
+                <a:defRPr/>
+              </a:pPr>
+              <a:t>23</a:t>
+            </a:fld>
+            <a:endParaRPr lang="en-US" altLang="zh-TW"/>
+          </a:p>
+        </p:txBody>
+      </p:sp>
+      <p:sp>
+        <p:nvSpPr>
+          <p:cNvPr id="3" name="標題 2"/>
+          <p:cNvSpPr>
+            <a:spLocks noGrp="1"/>
+          </p:cNvSpPr>
+          <p:nvPr>
+            <p:ph type="title"/>
+          </p:nvPr>
+        </p:nvSpPr>
+        <p:spPr/>
+        <p:txBody>
+          <a:bodyPr/>
+          <a:lstStyle/>
+          <a:p>
+            <a:r>
+              <a:rPr lang="en-US" altLang="zh-TW" dirty="0" smtClean="0"/>
+              <a:t>Semi-supervised Learning</a:t>
+            </a:r>
+            <a:endParaRPr lang="zh-TW" altLang="en-US" dirty="0"/>
+          </a:p>
+        </p:txBody>
+      </p:sp>
+      <p:sp>
+        <p:nvSpPr>
+          <p:cNvPr id="4" name="內容版面配置區 3"/>
+          <p:cNvSpPr>
+            <a:spLocks noGrp="1"/>
+          </p:cNvSpPr>
+          <p:nvPr>
+            <p:ph sz="quarter" idx="12"/>
+          </p:nvPr>
+        </p:nvSpPr>
+        <p:spPr/>
+        <p:txBody>
+          <a:bodyPr/>
+          <a:lstStyle/>
+          <a:p>
+            <a:r>
+              <a:rPr lang="en-US" altLang="zh-TW" dirty="0" smtClean="0"/>
+              <a:t>Some of data with labels to train others.</a:t>
+            </a:r>
+            <a:endParaRPr lang="zh-TW" altLang="en-US" dirty="0"/>
+          </a:p>
+        </p:txBody>
+      </p:sp>
+      <p:sp>
+        <p:nvSpPr>
+          <p:cNvPr id="6" name="頁尾版面配置區 4"/>
+          <p:cNvSpPr>
+            <a:spLocks noGrp="1"/>
+          </p:cNvSpPr>
+          <p:nvPr>
+            <p:ph type="ftr" sz="quarter" idx="3"/>
+          </p:nvPr>
+        </p:nvSpPr>
+        <p:spPr>
+          <a:xfrm>
+            <a:off x="327112" y="6453188"/>
+            <a:ext cx="7992888" cy="268287"/>
+          </a:xfrm>
+        </p:spPr>
+        <p:txBody>
+          <a:bodyPr/>
+          <a:lstStyle/>
+          <a:p>
+            <a:pPr>
+              <a:defRPr/>
+            </a:pPr>
+            <a:r>
+              <a:rPr lang="en-US" altLang="zh-TW" dirty="0"/>
+              <a:t>Ref</a:t>
+            </a:r>
+            <a:r>
+              <a:rPr lang="en-US" altLang="zh-TW" dirty="0" smtClean="0"/>
+              <a:t>: </a:t>
+            </a:r>
+            <a:r>
+              <a:rPr lang="en-US" altLang="zh-TW" dirty="0">
+                <a:hlinkClick r:id="rId2"/>
+              </a:rPr>
+              <a:t>https://mc.ai/facebook-believes-in-omni-supervised-learning/</a:t>
+            </a:r>
+            <a:endParaRPr lang="en-US" altLang="zh-TW" dirty="0"/>
+          </a:p>
+        </p:txBody>
+      </p:sp>
+      <p:pic>
+        <p:nvPicPr>
+          <p:cNvPr id="3074" name="Picture 2" descr="1*mfKGXLGN0ixTEKk07BquSw.png (736×454)"/>
+          <p:cNvPicPr>
+            <a:picLocks noChangeAspect="1" noChangeArrowheads="1"/>
+          </p:cNvPicPr>
+          <p:nvPr/>
+        </p:nvPicPr>
+        <p:blipFill>
+          <a:blip r:embed="rId3">
+            <a:extLst>
+              <a:ext uri="{28A0092B-C50C-407E-A947-70E740481C1C}">
+                <a14:useLocalDpi xmlns:a14="http://schemas.microsoft.com/office/drawing/2010/main" val="0"/>
+              </a:ext>
+            </a:extLst>
+          </a:blip>
+          <a:srcRect/>
+          <a:stretch>
+            <a:fillRect/>
+          </a:stretch>
+        </p:blipFill>
+        <p:spPr bwMode="auto">
+          <a:xfrm>
+            <a:off x="1096872" y="1948655"/>
+            <a:ext cx="7010400" cy="4324351"/>
+          </a:xfrm>
+          <a:prstGeom prst="rect">
+            <a:avLst/>
+          </a:prstGeom>
+          <a:noFill/>
+          <a:extLst>
+            <a:ext uri="{909E8E84-426E-40DD-AFC4-6F175D3DCCD1}">
+              <a14:hiddenFill xmlns:a14="http://schemas.microsoft.com/office/drawing/2010/main">
+                <a:solidFill>
+                  <a:srgbClr val="FFFFFF"/>
+                </a:solidFill>
+              </a14:hiddenFill>
+            </a:ext>
+          </a:extLst>
+        </p:spPr>
+      </p:pic>
+    </p:spTree>
+    <p:extLst>
+      <p:ext uri="{BB962C8B-B14F-4D97-AF65-F5344CB8AC3E}">
+        <p14:creationId xmlns:p14="http://schemas.microsoft.com/office/powerpoint/2010/main" val="1223034768"/>
+      </p:ext>
+    </p:extLst>
+  </p:cSld>
+  <p:clrMapOvr>
+    <a:masterClrMapping/>
+  </p:clrMapOvr>
+  <p:timing>
+    <p:tnLst>
+      <p:par>
+        <p:cTn id="1" dur="indefinite" restart="never" nodeType="tmRoot"/>
+      </p:par>
+    </p:tnLst>
+  </p:timing>
+</p:sld>
+</file>
+
+<file path=ppt/slides/slide24.xml><?xml version="1.0" encoding="utf-8"?>
+<p:sld xmlns:a="http://schemas.openxmlformats.org/drawingml/2006/main" xmlns:r="http://schemas.openxmlformats.org/officeDocument/2006/relationships" xmlns:p="http://schemas.openxmlformats.org/presentationml/2006/main">
+  <p:cSld>
+    <p:spTree>
+      <p:nvGrpSpPr>
+        <p:cNvPr id="1" name=""/>
+        <p:cNvGrpSpPr/>
+        <p:nvPr/>
+      </p:nvGrpSpPr>
+      <p:grpSpPr>
+        <a:xfrm>
+          <a:off x="0" y="0"/>
+          <a:ext cx="0" cy="0"/>
+          <a:chOff x="0" y="0"/>
+          <a:chExt cx="0" cy="0"/>
+        </a:xfrm>
+      </p:grpSpPr>
+      <p:sp>
+        <p:nvSpPr>
+          <p:cNvPr id="2" name="投影片編號版面配置區 1"/>
+          <p:cNvSpPr>
+            <a:spLocks noGrp="1"/>
+          </p:cNvSpPr>
+          <p:nvPr>
+            <p:ph type="sldNum" sz="quarter" idx="11"/>
+          </p:nvPr>
+        </p:nvSpPr>
+        <p:spPr/>
+        <p:txBody>
+          <a:bodyPr/>
+          <a:lstStyle/>
+          <a:p>
+            <a:pPr>
+              <a:defRPr/>
+            </a:pPr>
+            <a:fld id="{C3E24055-C280-453F-98F3-40A960E52EFC}" type="slidenum">
+              <a:rPr lang="en-US" altLang="zh-TW" smtClean="0"/>
+              <a:pPr>
+                <a:defRPr/>
+              </a:pPr>
+              <a:t>24</a:t>
+            </a:fld>
+            <a:endParaRPr lang="en-US" altLang="zh-TW"/>
+          </a:p>
+        </p:txBody>
+      </p:sp>
+      <p:sp>
+        <p:nvSpPr>
+          <p:cNvPr id="3" name="標題 2"/>
+          <p:cNvSpPr>
+            <a:spLocks noGrp="1"/>
+          </p:cNvSpPr>
+          <p:nvPr>
+            <p:ph type="title"/>
+          </p:nvPr>
+        </p:nvSpPr>
+        <p:spPr/>
+        <p:txBody>
+          <a:bodyPr/>
+          <a:lstStyle/>
+          <a:p>
+            <a:r>
+              <a:rPr lang="en-US" altLang="zh-TW" dirty="0" smtClean="0"/>
+              <a:t>Reinforcement Learning</a:t>
+            </a:r>
+            <a:endParaRPr lang="zh-TW" altLang="en-US" dirty="0"/>
+          </a:p>
+        </p:txBody>
+      </p:sp>
+      <p:sp>
+        <p:nvSpPr>
+          <p:cNvPr id="4" name="內容版面配置區 3"/>
+          <p:cNvSpPr>
+            <a:spLocks noGrp="1"/>
+          </p:cNvSpPr>
+          <p:nvPr>
+            <p:ph sz="quarter" idx="12"/>
+          </p:nvPr>
+        </p:nvSpPr>
+        <p:spPr/>
+        <p:txBody>
+          <a:bodyPr/>
+          <a:lstStyle/>
+          <a:p>
+            <a:r>
+              <a:rPr lang="en-US" altLang="zh-TW" dirty="0"/>
+              <a:t>Behavioristic </a:t>
+            </a:r>
+            <a:r>
+              <a:rPr lang="en-US" altLang="zh-TW" dirty="0" smtClean="0"/>
+              <a:t>Psychology: Pavlov’s Dog.</a:t>
+            </a:r>
+            <a:endParaRPr lang="en-US" altLang="zh-TW" dirty="0"/>
+          </a:p>
+          <a:p>
+            <a:r>
+              <a:rPr lang="en-US" altLang="zh-TW" dirty="0" smtClean="0"/>
+              <a:t>Learning Machine becomes Agents.</a:t>
+            </a:r>
+          </a:p>
+          <a:p>
+            <a:r>
+              <a:rPr lang="en-US" altLang="zh-TW" dirty="0" smtClean="0"/>
+              <a:t>Learning from Environment</a:t>
+            </a:r>
+            <a:endParaRPr lang="zh-TW" altLang="en-US" dirty="0"/>
+          </a:p>
+        </p:txBody>
+      </p:sp>
+      <p:pic>
+        <p:nvPicPr>
+          <p:cNvPr id="6" name="圖片 5"/>
+          <p:cNvPicPr>
+            <a:picLocks noChangeAspect="1"/>
+          </p:cNvPicPr>
+          <p:nvPr/>
+        </p:nvPicPr>
+        <p:blipFill>
+          <a:blip r:embed="rId2"/>
+          <a:stretch>
+            <a:fillRect/>
+          </a:stretch>
+        </p:blipFill>
+        <p:spPr>
+          <a:xfrm>
+            <a:off x="4752694" y="4078991"/>
+            <a:ext cx="3878685" cy="2087761"/>
+          </a:xfrm>
+          <a:prstGeom prst="rect">
+            <a:avLst/>
+          </a:prstGeom>
+        </p:spPr>
+      </p:pic>
+      <p:sp>
+        <p:nvSpPr>
+          <p:cNvPr id="7" name="頁尾版面配置區 4"/>
+          <p:cNvSpPr>
+            <a:spLocks noGrp="1"/>
+          </p:cNvSpPr>
+          <p:nvPr>
+            <p:ph type="ftr" sz="quarter" idx="3"/>
+          </p:nvPr>
+        </p:nvSpPr>
+        <p:spPr>
+          <a:xfrm>
+            <a:off x="327112" y="6453188"/>
+            <a:ext cx="7992888" cy="404812"/>
+          </a:xfrm>
+        </p:spPr>
+        <p:txBody>
+          <a:bodyPr/>
+          <a:lstStyle/>
+          <a:p>
+            <a:pPr>
+              <a:defRPr/>
+            </a:pPr>
+            <a:r>
+              <a:rPr lang="en-US" altLang="zh-TW" sz="900" dirty="0"/>
+              <a:t>Ref: </a:t>
+            </a:r>
+            <a:r>
+              <a:rPr lang="en-US" altLang="zh-TW" sz="900" dirty="0">
+                <a:hlinkClick r:id="rId3"/>
+              </a:rPr>
+              <a:t>https://</a:t>
+            </a:r>
+            <a:r>
+              <a:rPr lang="en-US" altLang="zh-TW" sz="900" dirty="0" smtClean="0">
+                <a:hlinkClick r:id="rId3"/>
+              </a:rPr>
+              <a:t>medium.com/history-of-education-timeline/pavlovs-dogs-and-the-importance-of-environment-in-learning-b1cefd40d527</a:t>
+            </a:r>
+            <a:r>
+              <a:rPr lang="en-US" altLang="zh-TW" sz="900" dirty="0" smtClean="0"/>
+              <a:t> , Xin He, </a:t>
+            </a:r>
+            <a:r>
+              <a:rPr lang="en-US" altLang="zh-TW" sz="900" dirty="0" err="1"/>
+              <a:t>Kaiyong</a:t>
+            </a:r>
+            <a:r>
+              <a:rPr lang="en-US" altLang="zh-TW" sz="900" dirty="0"/>
+              <a:t> </a:t>
+            </a:r>
+            <a:r>
+              <a:rPr lang="en-US" altLang="zh-TW" sz="900" dirty="0" smtClean="0"/>
+              <a:t>Zhao, </a:t>
+            </a:r>
+            <a:r>
+              <a:rPr lang="en-US" altLang="zh-TW" sz="900" dirty="0"/>
+              <a:t>and </a:t>
+            </a:r>
+            <a:r>
+              <a:rPr lang="en-US" altLang="zh-TW" sz="900" dirty="0" err="1"/>
+              <a:t>Xiaowen</a:t>
+            </a:r>
+            <a:r>
+              <a:rPr lang="en-US" altLang="zh-TW" sz="900" dirty="0"/>
+              <a:t> </a:t>
+            </a:r>
+            <a:r>
+              <a:rPr lang="en-US" altLang="zh-TW" sz="900" dirty="0" smtClean="0"/>
+              <a:t>Chu</a:t>
+            </a:r>
+            <a:r>
+              <a:rPr lang="en-US" altLang="zh-TW" sz="900" dirty="0"/>
+              <a:t>. “</a:t>
+            </a:r>
+            <a:r>
+              <a:rPr lang="en-US" altLang="zh-TW" sz="900" dirty="0" err="1"/>
+              <a:t>AutoML</a:t>
+            </a:r>
+            <a:r>
+              <a:rPr lang="en-US" altLang="zh-TW" sz="900" dirty="0"/>
+              <a:t>: A Survey of the </a:t>
+            </a:r>
+            <a:r>
+              <a:rPr lang="en-US" altLang="zh-TW" sz="900" dirty="0" smtClean="0"/>
+              <a:t>State-of-the-Art.” </a:t>
+            </a:r>
+            <a:r>
+              <a:rPr lang="en-US" altLang="zh-TW" sz="900" dirty="0" err="1" smtClean="0"/>
+              <a:t>arXiv</a:t>
+            </a:r>
+            <a:r>
+              <a:rPr lang="en-US" altLang="zh-TW" sz="900" dirty="0"/>
+              <a:t>: </a:t>
+            </a:r>
+            <a:r>
+              <a:rPr lang="en-US" altLang="zh-TW" sz="900" dirty="0" smtClean="0"/>
+              <a:t>1908.00709.</a:t>
+            </a:r>
+            <a:endParaRPr lang="en-US" altLang="zh-TW" sz="900" dirty="0"/>
+          </a:p>
+        </p:txBody>
+      </p:sp>
+      <p:pic>
+        <p:nvPicPr>
+          <p:cNvPr id="8" name="圖片 7"/>
+          <p:cNvPicPr>
+            <a:picLocks noChangeAspect="1"/>
+          </p:cNvPicPr>
+          <p:nvPr/>
+        </p:nvPicPr>
+        <p:blipFill>
+          <a:blip r:embed="rId4">
+            <a:extLst>
+              <a:ext uri="{28A0092B-C50C-407E-A947-70E740481C1C}">
+                <a14:useLocalDpi xmlns:a14="http://schemas.microsoft.com/office/drawing/2010/main" val="0"/>
+              </a:ext>
+            </a:extLst>
+          </a:blip>
+          <a:stretch>
+            <a:fillRect/>
+          </a:stretch>
+        </p:blipFill>
+        <p:spPr>
+          <a:xfrm>
+            <a:off x="454983" y="3763705"/>
+            <a:ext cx="4198772" cy="2476974"/>
+          </a:xfrm>
+          <a:prstGeom prst="rect">
+            <a:avLst/>
+          </a:prstGeom>
+        </p:spPr>
+      </p:pic>
+    </p:spTree>
+    <p:extLst>
+      <p:ext uri="{BB962C8B-B14F-4D97-AF65-F5344CB8AC3E}">
+        <p14:creationId xmlns:p14="http://schemas.microsoft.com/office/powerpoint/2010/main" val="1320477682"/>
+      </p:ext>
+    </p:extLst>
+  </p:cSld>
+  <p:clrMapOvr>
+    <a:masterClrMapping/>
+  </p:clrMapOvr>
+  <p:timing>
+    <p:tnLst>
+      <p:par>
+        <p:cTn id="1" dur="indefinite" restart="never" nodeType="tmRoot">
+          <p:childTnLst>
+            <p:seq concurrent="1" nextAc="seek">
+              <p:cTn id="2" dur="indefinite" nodeType="mainSeq">
+                <p:childTnLst>
+                  <p:par>
+                    <p:cTn id="3" fill="hold">
+                      <p:stCondLst>
+                        <p:cond delay="indefinite"/>
+                      </p:stCondLst>
+                      <p:childTnLst>
+                        <p:par>
+                          <p:cTn id="4" fill="hold">
+                            <p:stCondLst>
+                              <p:cond delay="0"/>
+                            </p:stCondLst>
+                            <p:childTnLst>
+                              <p:par>
+                                <p:cTn id="5" presetID="10" presetClass="entr" presetSubtype="0" fill="hold" nodeType="clickEffect">
+                                  <p:stCondLst>
+                                    <p:cond delay="0"/>
+                                  </p:stCondLst>
+                                  <p:childTnLst>
+                                    <p:set>
+                                      <p:cBhvr>
+                                        <p:cTn id="6" dur="1" fill="hold">
+                                          <p:stCondLst>
+                                            <p:cond delay="0"/>
+                                          </p:stCondLst>
+                                        </p:cTn>
+                                        <p:tgtEl>
+                                          <p:spTgt spid="4">
+                                            <p:txEl>
+                                              <p:pRg st="1" end="1"/>
+                                            </p:txEl>
+                                          </p:spTgt>
+                                        </p:tgtEl>
+                                        <p:attrNameLst>
+                                          <p:attrName>style.visibility</p:attrName>
+                                        </p:attrNameLst>
+                                      </p:cBhvr>
+                                      <p:to>
+                                        <p:strVal val="visible"/>
+                                      </p:to>
+                                    </p:set>
+                                    <p:animEffect transition="in" filter="fade">
+                                      <p:cBhvr>
+                                        <p:cTn id="7" dur="500"/>
+                                        <p:tgtEl>
+                                          <p:spTgt spid="4">
+                                            <p:txEl>
+                                              <p:pRg st="1" end="1"/>
+                                            </p:txEl>
+                                          </p:spTgt>
+                                        </p:tgtEl>
+                                      </p:cBhvr>
+                                    </p:animEffect>
+                                  </p:childTnLst>
+                                </p:cTn>
+                              </p:par>
+                              <p:par>
+                                <p:cTn id="8" presetID="10" presetClass="entr" presetSubtype="0" fill="hold" nodeType="withEffect">
+                                  <p:stCondLst>
+                                    <p:cond delay="0"/>
+                                  </p:stCondLst>
+                                  <p:childTnLst>
+                                    <p:set>
+                                      <p:cBhvr>
+                                        <p:cTn id="9" dur="1" fill="hold">
+                                          <p:stCondLst>
+                                            <p:cond delay="0"/>
+                                          </p:stCondLst>
+                                        </p:cTn>
+                                        <p:tgtEl>
+                                          <p:spTgt spid="6"/>
+                                        </p:tgtEl>
+                                        <p:attrNameLst>
+                                          <p:attrName>style.visibility</p:attrName>
+                                        </p:attrNameLst>
+                                      </p:cBhvr>
+                                      <p:to>
+                                        <p:strVal val="visible"/>
+                                      </p:to>
+                                    </p:set>
+                                    <p:animEffect transition="in" filter="fade">
+                                      <p:cBhvr>
+                                        <p:cTn id="10" dur="500"/>
+                                        <p:tgtEl>
+                                          <p:spTgt spid="6"/>
+                                        </p:tgtEl>
+                                      </p:cBhvr>
+                                    </p:animEffect>
+                                  </p:childTnLst>
+                                </p:cTn>
+                              </p:par>
+                            </p:childTnLst>
+                          </p:cTn>
+                        </p:par>
+                      </p:childTnLst>
+                    </p:cTn>
+                  </p:par>
+                  <p:par>
+                    <p:cTn id="11" fill="hold">
+                      <p:stCondLst>
+                        <p:cond delay="indefinite"/>
+                      </p:stCondLst>
+                      <p:childTnLst>
+                        <p:par>
+                          <p:cTn id="12" fill="hold">
+                            <p:stCondLst>
+                              <p:cond delay="0"/>
+                            </p:stCondLst>
+                            <p:childTnLst>
+                              <p:par>
+                                <p:cTn id="13" presetID="10" presetClass="entr" presetSubtype="0" fill="hold" nodeType="clickEffect">
+                                  <p:stCondLst>
+                                    <p:cond delay="0"/>
+                                  </p:stCondLst>
+                                  <p:childTnLst>
+                                    <p:set>
+                                      <p:cBhvr>
+                                        <p:cTn id="14" dur="1" fill="hold">
+                                          <p:stCondLst>
+                                            <p:cond delay="0"/>
+                                          </p:stCondLst>
+                                        </p:cTn>
+                                        <p:tgtEl>
+                                          <p:spTgt spid="4">
+                                            <p:txEl>
+                                              <p:pRg st="2" end="2"/>
+                                            </p:txEl>
+                                          </p:spTgt>
+                                        </p:tgtEl>
+                                        <p:attrNameLst>
+                                          <p:attrName>style.visibility</p:attrName>
+                                        </p:attrNameLst>
+                                      </p:cBhvr>
+                                      <p:to>
+                                        <p:strVal val="visible"/>
+                                      </p:to>
+                                    </p:set>
+                                    <p:animEffect transition="in" filter="fade">
+                                      <p:cBhvr>
+                                        <p:cTn id="15" dur="500"/>
+                                        <p:tgtEl>
+                                          <p:spTgt spid="4">
+                                            <p:txEl>
+                                              <p:pRg st="2" end="2"/>
+                                            </p:txEl>
+                                          </p:spTgt>
+                                        </p:tgtEl>
+                                      </p:cBhvr>
+                                    </p:animEffect>
+                                  </p:childTnLst>
+                                </p:cTn>
+                              </p:par>
+                            </p:childTnLst>
+                          </p:cTn>
+                        </p:par>
+                      </p:childTnLst>
+                    </p:cTn>
+                  </p:par>
+                </p:childTnLst>
+              </p:cTn>
+              <p:prevCondLst>
+                <p:cond evt="onPrev" delay="0">
+                  <p:tgtEl>
+                    <p:sldTgt/>
+                  </p:tgtEl>
+                </p:cond>
+              </p:prevCondLst>
+              <p:nextCondLst>
+                <p:cond evt="onNext" delay="0">
+                  <p:tgtEl>
+                    <p:sldTgt/>
+                  </p:tgtEl>
+                </p:cond>
+              </p:nextCondLst>
+            </p:seq>
+          </p:childTnLst>
+        </p:cTn>
+      </p:par>
+    </p:tnLst>
+  </p:timing>
+</p:sld>
+</file>
+
+<file path=ppt/slides/slide25.xml><?xml version="1.0" encoding="utf-8"?>
+<p:sld xmlns:a="http://schemas.openxmlformats.org/drawingml/2006/main" xmlns:r="http://schemas.openxmlformats.org/officeDocument/2006/relationships" xmlns:p="http://schemas.openxmlformats.org/presentationml/2006/main">
+  <p:cSld>
+    <p:spTree>
+      <p:nvGrpSpPr>
+        <p:cNvPr id="1" name=""/>
+        <p:cNvGrpSpPr/>
+        <p:nvPr/>
+      </p:nvGrpSpPr>
+      <p:grpSpPr>
+        <a:xfrm>
+          <a:off x="0" y="0"/>
+          <a:ext cx="0" cy="0"/>
+          <a:chOff x="0" y="0"/>
+          <a:chExt cx="0" cy="0"/>
+        </a:xfrm>
+      </p:grpSpPr>
+      <p:sp>
+        <p:nvSpPr>
+          <p:cNvPr id="2" name="投影片編號版面配置區 1"/>
+          <p:cNvSpPr>
+            <a:spLocks noGrp="1"/>
+          </p:cNvSpPr>
+          <p:nvPr>
+            <p:ph type="sldNum" sz="quarter" idx="11"/>
+          </p:nvPr>
+        </p:nvSpPr>
+        <p:spPr/>
+        <p:txBody>
+          <a:bodyPr/>
+          <a:lstStyle/>
+          <a:p>
+            <a:pPr>
+              <a:defRPr/>
+            </a:pPr>
+            <a:fld id="{C3E24055-C280-453F-98F3-40A960E52EFC}" type="slidenum">
+              <a:rPr lang="en-US" altLang="zh-TW" smtClean="0"/>
+              <a:pPr>
+                <a:defRPr/>
+              </a:pPr>
+              <a:t>25</a:t>
+            </a:fld>
+            <a:endParaRPr lang="en-US" altLang="zh-TW"/>
+          </a:p>
+        </p:txBody>
+      </p:sp>
+      <p:sp>
+        <p:nvSpPr>
+          <p:cNvPr id="3" name="標題 2"/>
+          <p:cNvSpPr>
+            <a:spLocks noGrp="1"/>
+          </p:cNvSpPr>
+          <p:nvPr>
+            <p:ph type="title"/>
+          </p:nvPr>
+        </p:nvSpPr>
+        <p:spPr/>
+        <p:txBody>
+          <a:bodyPr/>
+          <a:lstStyle/>
+          <a:p>
+            <a:r>
+              <a:rPr lang="en-US" altLang="zh-TW" dirty="0"/>
+              <a:t>Reinforcement Learning</a:t>
+            </a:r>
+            <a:endParaRPr lang="zh-TW" altLang="en-US" dirty="0"/>
+          </a:p>
+        </p:txBody>
+      </p:sp>
+      <p:sp>
+        <p:nvSpPr>
+          <p:cNvPr id="4" name="內容版面配置區 3"/>
+          <p:cNvSpPr>
+            <a:spLocks noGrp="1"/>
+          </p:cNvSpPr>
+          <p:nvPr>
+            <p:ph sz="quarter" idx="12"/>
+          </p:nvPr>
+        </p:nvSpPr>
+        <p:spPr/>
+        <p:txBody>
+          <a:bodyPr/>
+          <a:lstStyle/>
+          <a:p>
+            <a:r>
+              <a:rPr lang="en-US" altLang="zh-TW" dirty="0" smtClean="0"/>
+              <a:t>Q-learning introduction</a:t>
+            </a:r>
+          </a:p>
+          <a:p>
+            <a:pPr marL="514350" indent="-514350">
+              <a:buFont typeface="+mj-lt"/>
+              <a:buAutoNum type="arabicPeriod"/>
+            </a:pPr>
+            <a:r>
+              <a:rPr lang="en-US" altLang="zh-TW" sz="2000" dirty="0" smtClean="0"/>
+              <a:t>Reward as function of State and Action.</a:t>
+            </a:r>
+          </a:p>
+          <a:p>
+            <a:pPr marL="514350" indent="-514350">
+              <a:buFont typeface="+mj-lt"/>
+              <a:buAutoNum type="arabicPeriod"/>
+            </a:pPr>
+            <a:endParaRPr lang="en-US" altLang="zh-TW" sz="2000" dirty="0"/>
+          </a:p>
+          <a:p>
+            <a:pPr marL="514350" indent="-514350">
+              <a:buFont typeface="+mj-lt"/>
+              <a:buAutoNum type="arabicPeriod"/>
+            </a:pPr>
+            <a:endParaRPr lang="en-US" altLang="zh-TW" sz="2000" dirty="0" smtClean="0"/>
+          </a:p>
+          <a:p>
+            <a:pPr marL="514350" indent="-514350">
+              <a:buFont typeface="+mj-lt"/>
+              <a:buAutoNum type="arabicPeriod"/>
+            </a:pPr>
+            <a:r>
+              <a:rPr lang="en-US" altLang="zh-TW" sz="2000" dirty="0" smtClean="0"/>
+              <a:t>From lookup table to deep networks.</a:t>
+            </a:r>
+            <a:endParaRPr lang="zh-TW" altLang="en-US" sz="2000" dirty="0"/>
+          </a:p>
+        </p:txBody>
+      </p:sp>
+      <p:sp>
+        <p:nvSpPr>
+          <p:cNvPr id="5" name="頁尾版面配置區 4"/>
+          <p:cNvSpPr>
+            <a:spLocks noGrp="1"/>
+          </p:cNvSpPr>
+          <p:nvPr>
+            <p:ph type="ftr" sz="quarter" idx="3"/>
+          </p:nvPr>
+        </p:nvSpPr>
+        <p:spPr>
+          <a:xfrm>
+            <a:off x="571500" y="6429374"/>
+            <a:ext cx="6929438" cy="428625"/>
+          </a:xfrm>
+        </p:spPr>
+        <p:txBody>
+          <a:bodyPr/>
+          <a:lstStyle/>
+          <a:p>
+            <a:pPr>
+              <a:defRPr/>
+            </a:pPr>
+            <a:r>
+              <a:rPr lang="en-US" altLang="zh-TW" dirty="0" smtClean="0"/>
+              <a:t>Ref: </a:t>
+            </a:r>
+            <a:r>
+              <a:rPr lang="en-US" altLang="zh-TW" dirty="0">
+                <a:hlinkClick r:id="rId2"/>
+              </a:rPr>
+              <a:t>https://</a:t>
+            </a:r>
+            <a:r>
+              <a:rPr lang="en-US" altLang="zh-TW" dirty="0" smtClean="0">
+                <a:hlinkClick r:id="rId2"/>
+              </a:rPr>
+              <a:t>medium.com/analytics-vidhya/a-hands-on-introduction-to-deep-q-learning-using-openai-gym-in-python-b15d7d8597d</a:t>
+            </a:r>
+            <a:r>
+              <a:rPr lang="en-US" altLang="zh-TW" dirty="0" smtClean="0"/>
+              <a:t> , </a:t>
+            </a:r>
+            <a:r>
+              <a:rPr lang="en-US" altLang="zh-TW" dirty="0">
+                <a:hlinkClick r:id="rId3"/>
+              </a:rPr>
+              <a:t>https://en.wikipedia.org/wiki/Q-learning</a:t>
+            </a:r>
+            <a:endParaRPr lang="en-US" altLang="zh-TW" dirty="0"/>
+          </a:p>
+        </p:txBody>
+      </p:sp>
+      <p:pic>
+        <p:nvPicPr>
+          <p:cNvPr id="6" name="圖片 5"/>
+          <p:cNvPicPr>
+            <a:picLocks noChangeAspect="1"/>
+          </p:cNvPicPr>
+          <p:nvPr/>
+        </p:nvPicPr>
+        <p:blipFill>
+          <a:blip r:embed="rId4"/>
+          <a:stretch>
+            <a:fillRect/>
+          </a:stretch>
+        </p:blipFill>
+        <p:spPr>
+          <a:xfrm>
+            <a:off x="730967" y="3933056"/>
+            <a:ext cx="3734051" cy="2009910"/>
+          </a:xfrm>
+          <a:prstGeom prst="rect">
+            <a:avLst/>
+          </a:prstGeom>
+        </p:spPr>
+      </p:pic>
+      <p:pic>
+        <p:nvPicPr>
+          <p:cNvPr id="8" name="圖片 7"/>
+          <p:cNvPicPr>
+            <a:picLocks noChangeAspect="1"/>
+          </p:cNvPicPr>
+          <p:nvPr/>
+        </p:nvPicPr>
+        <p:blipFill>
+          <a:blip r:embed="rId5"/>
+          <a:stretch>
+            <a:fillRect/>
+          </a:stretch>
+        </p:blipFill>
+        <p:spPr>
+          <a:xfrm>
+            <a:off x="4656237" y="3555528"/>
+            <a:ext cx="4020220" cy="1286470"/>
+          </a:xfrm>
+          <a:prstGeom prst="rect">
+            <a:avLst/>
+          </a:prstGeom>
+        </p:spPr>
+      </p:pic>
+      <p:pic>
+        <p:nvPicPr>
+          <p:cNvPr id="9" name="圖片 8"/>
+          <p:cNvPicPr>
+            <a:picLocks noChangeAspect="1"/>
+          </p:cNvPicPr>
+          <p:nvPr/>
+        </p:nvPicPr>
+        <p:blipFill>
+          <a:blip r:embed="rId6"/>
+          <a:stretch>
+            <a:fillRect/>
+          </a:stretch>
+        </p:blipFill>
+        <p:spPr>
+          <a:xfrm>
+            <a:off x="4656236" y="4849641"/>
+            <a:ext cx="4020220" cy="1372618"/>
+          </a:xfrm>
+          <a:prstGeom prst="rect">
+            <a:avLst/>
+          </a:prstGeom>
+        </p:spPr>
+      </p:pic>
+      <p:pic>
+        <p:nvPicPr>
+          <p:cNvPr id="11" name="圖片 10"/>
+          <p:cNvPicPr>
+            <a:picLocks noChangeAspect="1"/>
+          </p:cNvPicPr>
+          <p:nvPr/>
+        </p:nvPicPr>
+        <p:blipFill>
+          <a:blip r:embed="rId7"/>
+          <a:stretch>
+            <a:fillRect/>
+          </a:stretch>
+        </p:blipFill>
+        <p:spPr>
+          <a:xfrm>
+            <a:off x="1475657" y="2280184"/>
+            <a:ext cx="5688631" cy="961459"/>
+          </a:xfrm>
+          <a:prstGeom prst="rect">
+            <a:avLst/>
+          </a:prstGeom>
+        </p:spPr>
+      </p:pic>
+    </p:spTree>
+    <p:extLst>
+      <p:ext uri="{BB962C8B-B14F-4D97-AF65-F5344CB8AC3E}">
+        <p14:creationId xmlns:p14="http://schemas.microsoft.com/office/powerpoint/2010/main" val="3715623613"/>
+      </p:ext>
+    </p:extLst>
+  </p:cSld>
+  <p:clrMapOvr>
+    <a:masterClrMapping/>
+  </p:clrMapOvr>
+  <p:timing>
+    <p:tnLst>
+      <p:par>
+        <p:cTn id="1" dur="indefinite" restart="never" nodeType="tmRoot">
+          <p:childTnLst>
+            <p:seq concurrent="1" nextAc="seek">
+              <p:cTn id="2" dur="indefinite" nodeType="mainSeq">
+                <p:childTnLst>
+                  <p:par>
+                    <p:cTn id="3" fill="hold">
+                      <p:stCondLst>
+                        <p:cond delay="indefinite"/>
+                      </p:stCondLst>
+                      <p:childTnLst>
+                        <p:par>
+                          <p:cTn id="4" fill="hold">
+                            <p:stCondLst>
+                              <p:cond delay="0"/>
+                            </p:stCondLst>
+                            <p:childTnLst>
+                              <p:par>
+                                <p:cTn id="5" presetID="10" presetClass="entr" presetSubtype="0" fill="hold" nodeType="clickEffect">
+                                  <p:stCondLst>
+                                    <p:cond delay="0"/>
+                                  </p:stCondLst>
+                                  <p:childTnLst>
+                                    <p:set>
+                                      <p:cBhvr>
+                                        <p:cTn id="6" dur="1" fill="hold">
+                                          <p:stCondLst>
+                                            <p:cond delay="0"/>
+                                          </p:stCondLst>
+                                        </p:cTn>
+                                        <p:tgtEl>
+                                          <p:spTgt spid="4">
+                                            <p:txEl>
+                                              <p:pRg st="1" end="1"/>
+                                            </p:txEl>
+                                          </p:spTgt>
+                                        </p:tgtEl>
+                                        <p:attrNameLst>
+                                          <p:attrName>style.visibility</p:attrName>
+                                        </p:attrNameLst>
+                                      </p:cBhvr>
+                                      <p:to>
+                                        <p:strVal val="visible"/>
+                                      </p:to>
+                                    </p:set>
+                                    <p:animEffect transition="in" filter="fade">
+                                      <p:cBhvr>
+                                        <p:cTn id="7" dur="500"/>
+                                        <p:tgtEl>
+                                          <p:spTgt spid="4">
+                                            <p:txEl>
+                                              <p:pRg st="1" end="1"/>
+                                            </p:txEl>
+                                          </p:spTgt>
+                                        </p:tgtEl>
+                                      </p:cBhvr>
+                                    </p:animEffect>
+                                  </p:childTnLst>
+                                </p:cTn>
+                              </p:par>
+                              <p:par>
+                                <p:cTn id="8" presetID="10" presetClass="entr" presetSubtype="0" fill="hold" nodeType="withEffect">
+                                  <p:stCondLst>
+                                    <p:cond delay="0"/>
+                                  </p:stCondLst>
+                                  <p:childTnLst>
+                                    <p:set>
+                                      <p:cBhvr>
+                                        <p:cTn id="9" dur="1" fill="hold">
+                                          <p:stCondLst>
+                                            <p:cond delay="0"/>
+                                          </p:stCondLst>
+                                        </p:cTn>
+                                        <p:tgtEl>
+                                          <p:spTgt spid="11"/>
+                                        </p:tgtEl>
+                                        <p:attrNameLst>
+                                          <p:attrName>style.visibility</p:attrName>
+                                        </p:attrNameLst>
+                                      </p:cBhvr>
+                                      <p:to>
+                                        <p:strVal val="visible"/>
+                                      </p:to>
+                                    </p:set>
+                                    <p:animEffect transition="in" filter="fade">
+                                      <p:cBhvr>
+                                        <p:cTn id="10" dur="500"/>
+                                        <p:tgtEl>
+                                          <p:spTgt spid="11"/>
+                                        </p:tgtEl>
+                                      </p:cBhvr>
+                                    </p:animEffect>
+                                  </p:childTnLst>
+                                </p:cTn>
+                              </p:par>
+                              <p:par>
+                                <p:cTn id="11" presetID="10" presetClass="entr" presetSubtype="0" fill="hold" nodeType="withEffect">
+                                  <p:stCondLst>
+                                    <p:cond delay="0"/>
+                                  </p:stCondLst>
+                                  <p:childTnLst>
+                                    <p:set>
+                                      <p:cBhvr>
+                                        <p:cTn id="12" dur="1" fill="hold">
+                                          <p:stCondLst>
+                                            <p:cond delay="0"/>
+                                          </p:stCondLst>
+                                        </p:cTn>
+                                        <p:tgtEl>
+                                          <p:spTgt spid="8"/>
+                                        </p:tgtEl>
+                                        <p:attrNameLst>
+                                          <p:attrName>style.visibility</p:attrName>
+                                        </p:attrNameLst>
+                                      </p:cBhvr>
+                                      <p:to>
+                                        <p:strVal val="visible"/>
+                                      </p:to>
+                                    </p:set>
+                                    <p:animEffect transition="in" filter="fade">
+                                      <p:cBhvr>
+                                        <p:cTn id="13" dur="500"/>
+                                        <p:tgtEl>
+                                          <p:spTgt spid="8"/>
+                                        </p:tgtEl>
+                                      </p:cBhvr>
+                                    </p:animEffect>
+                                  </p:childTnLst>
+                                </p:cTn>
+                              </p:par>
+                            </p:childTnLst>
+                          </p:cTn>
+                        </p:par>
+                      </p:childTnLst>
+                    </p:cTn>
+                  </p:par>
+                  <p:par>
+                    <p:cTn id="14" fill="hold">
+                      <p:stCondLst>
+                        <p:cond delay="indefinite"/>
+                      </p:stCondLst>
+                      <p:childTnLst>
+                        <p:par>
+                          <p:cTn id="15" fill="hold">
+                            <p:stCondLst>
+                              <p:cond delay="0"/>
+                            </p:stCondLst>
+                            <p:childTnLst>
+                              <p:par>
+                                <p:cTn id="16" presetID="10" presetClass="entr" presetSubtype="0" fill="hold" nodeType="clickEffect">
+                                  <p:stCondLst>
+                                    <p:cond delay="0"/>
+                                  </p:stCondLst>
+                                  <p:childTnLst>
+                                    <p:set>
+                                      <p:cBhvr>
+                                        <p:cTn id="17" dur="1" fill="hold">
+                                          <p:stCondLst>
+                                            <p:cond delay="0"/>
+                                          </p:stCondLst>
+                                        </p:cTn>
+                                        <p:tgtEl>
+                                          <p:spTgt spid="4">
+                                            <p:txEl>
+                                              <p:pRg st="4" end="4"/>
+                                            </p:txEl>
+                                          </p:spTgt>
+                                        </p:tgtEl>
+                                        <p:attrNameLst>
+                                          <p:attrName>style.visibility</p:attrName>
+                                        </p:attrNameLst>
+                                      </p:cBhvr>
+                                      <p:to>
+                                        <p:strVal val="visible"/>
+                                      </p:to>
+                                    </p:set>
+                                    <p:animEffect transition="in" filter="fade">
+                                      <p:cBhvr>
+                                        <p:cTn id="18" dur="500"/>
+                                        <p:tgtEl>
+                                          <p:spTgt spid="4">
+                                            <p:txEl>
+                                              <p:pRg st="4" end="4"/>
+                                            </p:txEl>
+                                          </p:spTgt>
+                                        </p:tgtEl>
+                                      </p:cBhvr>
+                                    </p:animEffect>
+                                  </p:childTnLst>
+                                </p:cTn>
+                              </p:par>
+                              <p:par>
+                                <p:cTn id="19" presetID="10" presetClass="entr" presetSubtype="0" fill="hold" nodeType="withEffect">
+                                  <p:stCondLst>
+                                    <p:cond delay="0"/>
+                                  </p:stCondLst>
+                                  <p:childTnLst>
+                                    <p:set>
+                                      <p:cBhvr>
+                                        <p:cTn id="20" dur="1" fill="hold">
+                                          <p:stCondLst>
+                                            <p:cond delay="0"/>
+                                          </p:stCondLst>
+                                        </p:cTn>
+                                        <p:tgtEl>
+                                          <p:spTgt spid="9"/>
+                                        </p:tgtEl>
+                                        <p:attrNameLst>
+                                          <p:attrName>style.visibility</p:attrName>
+                                        </p:attrNameLst>
+                                      </p:cBhvr>
+                                      <p:to>
+                                        <p:strVal val="visible"/>
+                                      </p:to>
+                                    </p:set>
+                                    <p:animEffect transition="in" filter="fade">
+                                      <p:cBhvr>
+                                        <p:cTn id="21" dur="500"/>
+                                        <p:tgtEl>
+                                          <p:spTgt spid="9"/>
+                                        </p:tgtEl>
+                                      </p:cBhvr>
+                                    </p:animEffect>
+                                  </p:childTnLst>
+                                </p:cTn>
+                              </p:par>
+                            </p:childTnLst>
+                          </p:cTn>
+                        </p:par>
+                      </p:childTnLst>
+                    </p:cTn>
+                  </p:par>
+                </p:childTnLst>
+              </p:cTn>
+              <p:prevCondLst>
+                <p:cond evt="onPrev" delay="0">
+                  <p:tgtEl>
+                    <p:sldTgt/>
+                  </p:tgtEl>
+                </p:cond>
+              </p:prevCondLst>
+              <p:nextCondLst>
+                <p:cond evt="onNext" delay="0">
+                  <p:tgtEl>
+                    <p:sldTgt/>
+                  </p:tgtEl>
+                </p:cond>
+              </p:nextCondLst>
+            </p:seq>
+          </p:childTnLst>
+        </p:cTn>
+      </p:par>
+    </p:tnLst>
+  </p:timing>
+</p:sld>
+</file>
+
+<file path=ppt/slides/slide26.xml><?xml version="1.0" encoding="utf-8"?>
+<p:sld xmlns:a="http://schemas.openxmlformats.org/drawingml/2006/main" xmlns:r="http://schemas.openxmlformats.org/officeDocument/2006/relationships" xmlns:p="http://schemas.openxmlformats.org/presentationml/2006/main">
+  <p:cSld>
+    <p:spTree>
+      <p:nvGrpSpPr>
+        <p:cNvPr id="1" name=""/>
+        <p:cNvGrpSpPr/>
+        <p:nvPr/>
+      </p:nvGrpSpPr>
+      <p:grpSpPr>
+        <a:xfrm>
+          <a:off x="0" y="0"/>
+          <a:ext cx="0" cy="0"/>
+          <a:chOff x="0" y="0"/>
+          <a:chExt cx="0" cy="0"/>
+        </a:xfrm>
+      </p:grpSpPr>
+      <p:sp>
+        <p:nvSpPr>
+          <p:cNvPr id="2" name="投影片編號版面配置區 1"/>
+          <p:cNvSpPr>
+            <a:spLocks noGrp="1"/>
+          </p:cNvSpPr>
+          <p:nvPr>
+            <p:ph type="sldNum" sz="quarter" idx="11"/>
+          </p:nvPr>
+        </p:nvSpPr>
+        <p:spPr/>
+        <p:txBody>
+          <a:bodyPr/>
+          <a:lstStyle/>
+          <a:p>
+            <a:pPr>
+              <a:defRPr/>
+            </a:pPr>
+            <a:fld id="{C3E24055-C280-453F-98F3-40A960E52EFC}" type="slidenum">
+              <a:rPr lang="en-US" altLang="zh-TW" smtClean="0"/>
+              <a:pPr>
+                <a:defRPr/>
+              </a:pPr>
+              <a:t>26</a:t>
+            </a:fld>
+            <a:endParaRPr lang="en-US" altLang="zh-TW"/>
+          </a:p>
+        </p:txBody>
+      </p:sp>
+      <p:sp>
+        <p:nvSpPr>
+          <p:cNvPr id="3" name="標題 2"/>
+          <p:cNvSpPr>
+            <a:spLocks noGrp="1"/>
+          </p:cNvSpPr>
+          <p:nvPr>
+            <p:ph type="title"/>
+          </p:nvPr>
+        </p:nvSpPr>
+        <p:spPr/>
+        <p:txBody>
+          <a:bodyPr/>
+          <a:lstStyle/>
+          <a:p>
+            <a:r>
+              <a:rPr lang="en-US" altLang="zh-TW" dirty="0"/>
+              <a:t>Reinforcement Learning</a:t>
+            </a:r>
+            <a:endParaRPr lang="zh-TW" altLang="en-US" dirty="0"/>
+          </a:p>
+        </p:txBody>
+      </p:sp>
+      <p:sp>
+        <p:nvSpPr>
+          <p:cNvPr id="4" name="內容版面配置區 3"/>
+          <p:cNvSpPr>
+            <a:spLocks noGrp="1"/>
+          </p:cNvSpPr>
+          <p:nvPr>
+            <p:ph sz="quarter" idx="12"/>
+          </p:nvPr>
+        </p:nvSpPr>
+        <p:spPr/>
+        <p:txBody>
+          <a:bodyPr/>
+          <a:lstStyle/>
+          <a:p>
+            <a:r>
+              <a:rPr lang="en-US" altLang="zh-TW" dirty="0" smtClean="0"/>
+              <a:t>Examples</a:t>
+            </a:r>
+          </a:p>
+          <a:p>
+            <a:pPr marL="514350" indent="-514350">
+              <a:buFont typeface="+mj-lt"/>
+              <a:buAutoNum type="arabicPeriod"/>
+            </a:pPr>
+            <a:r>
+              <a:rPr lang="en-US" altLang="zh-TW" sz="2000" dirty="0" smtClean="0"/>
+              <a:t>Cart poles</a:t>
+            </a:r>
+          </a:p>
+          <a:p>
+            <a:pPr marL="514350" indent="-514350">
+              <a:buFont typeface="+mj-lt"/>
+              <a:buAutoNum type="arabicPeriod"/>
+            </a:pPr>
+            <a:r>
+              <a:rPr lang="en-US" altLang="zh-TW" sz="2000" dirty="0" smtClean="0"/>
+              <a:t>Mountain Car</a:t>
+            </a:r>
+          </a:p>
+          <a:p>
+            <a:pPr marL="514350" indent="-514350">
+              <a:buFont typeface="+mj-lt"/>
+              <a:buAutoNum type="arabicPeriod"/>
+            </a:pPr>
+            <a:r>
+              <a:rPr lang="en-US" altLang="zh-TW" sz="2000" dirty="0" smtClean="0"/>
+              <a:t>Mu-Zero (for games)</a:t>
+            </a:r>
+            <a:endParaRPr lang="zh-TW" altLang="en-US" sz="2000" dirty="0"/>
+          </a:p>
+        </p:txBody>
+      </p:sp>
+      <p:sp>
+        <p:nvSpPr>
+          <p:cNvPr id="5" name="頁尾版面配置區 4"/>
+          <p:cNvSpPr>
+            <a:spLocks noGrp="1"/>
+          </p:cNvSpPr>
+          <p:nvPr>
+            <p:ph type="ftr" sz="quarter" idx="3"/>
+          </p:nvPr>
+        </p:nvSpPr>
+        <p:spPr>
+          <a:xfrm>
+            <a:off x="571500" y="6429374"/>
+            <a:ext cx="7500938" cy="428625"/>
+          </a:xfrm>
+        </p:spPr>
+        <p:txBody>
+          <a:bodyPr/>
+          <a:lstStyle/>
+          <a:p>
+            <a:pPr>
+              <a:defRPr/>
+            </a:pPr>
+            <a:r>
+              <a:rPr lang="en-US" altLang="zh-TW" sz="1000" dirty="0" smtClean="0"/>
+              <a:t>Ref: </a:t>
+            </a:r>
+            <a:r>
+              <a:rPr lang="en-US" altLang="zh-TW" sz="1000" dirty="0">
+                <a:hlinkClick r:id="rId2"/>
+              </a:rPr>
+              <a:t>https://gym.openai.com/envs/CartPole-v1</a:t>
+            </a:r>
+            <a:r>
+              <a:rPr lang="en-US" altLang="zh-TW" sz="1000" dirty="0" smtClean="0">
+                <a:hlinkClick r:id="rId2"/>
+              </a:rPr>
+              <a:t>/</a:t>
+            </a:r>
+            <a:r>
+              <a:rPr lang="en-US" altLang="zh-TW" sz="1000" dirty="0" smtClean="0"/>
+              <a:t> , </a:t>
+            </a:r>
+            <a:r>
+              <a:rPr lang="en-US" altLang="zh-TW" sz="1000" dirty="0">
+                <a:hlinkClick r:id="rId3"/>
+              </a:rPr>
+              <a:t>https://gym.openai.com/envs/MountainCar-v0</a:t>
+            </a:r>
+            <a:r>
+              <a:rPr lang="en-US" altLang="zh-TW" sz="1000" dirty="0" smtClean="0">
+                <a:hlinkClick r:id="rId3"/>
+              </a:rPr>
+              <a:t>/</a:t>
+            </a:r>
+            <a:r>
+              <a:rPr lang="en-US" altLang="zh-TW" sz="1000" dirty="0" smtClean="0"/>
+              <a:t> ,</a:t>
+            </a:r>
+            <a:r>
+              <a:rPr lang="zh-TW" altLang="en-US" sz="1000" dirty="0" smtClean="0"/>
+              <a:t> </a:t>
+            </a:r>
+            <a:r>
+              <a:rPr lang="en-US" altLang="zh-TW" sz="1000" dirty="0"/>
+              <a:t>Julian </a:t>
+            </a:r>
+            <a:r>
+              <a:rPr lang="en-US" altLang="zh-TW" sz="1000" dirty="0" err="1"/>
+              <a:t>Schrittwieser</a:t>
+            </a:r>
+            <a:r>
+              <a:rPr lang="en-US" altLang="zh-TW" sz="1000" dirty="0"/>
+              <a:t> et al. “Mastering Atari, Go, Chess and Shogi by Planning with a Learned Model.” </a:t>
+            </a:r>
+            <a:r>
+              <a:rPr lang="en-US" altLang="zh-TW" sz="1000" dirty="0" err="1"/>
+              <a:t>arXiv</a:t>
+            </a:r>
+            <a:r>
+              <a:rPr lang="en-US" altLang="zh-TW" sz="1000" dirty="0"/>
+              <a:t>: 1911.08265. </a:t>
+            </a:r>
+            <a:endParaRPr lang="en-US" altLang="zh-TW" sz="1000" dirty="0" smtClean="0"/>
+          </a:p>
+          <a:p>
+            <a:pPr>
+              <a:defRPr/>
+            </a:pPr>
+            <a:r>
+              <a:rPr lang="en-US" altLang="zh-TW" sz="900" dirty="0" smtClean="0"/>
+              <a:t> </a:t>
+            </a:r>
+            <a:endParaRPr lang="en-US" altLang="zh-TW" sz="900" dirty="0"/>
+          </a:p>
+        </p:txBody>
+      </p:sp>
+      <p:pic>
+        <p:nvPicPr>
+          <p:cNvPr id="6" name="圖片 5"/>
+          <p:cNvPicPr>
+            <a:picLocks noChangeAspect="1"/>
+          </p:cNvPicPr>
+          <p:nvPr/>
+        </p:nvPicPr>
+        <p:blipFill>
+          <a:blip r:embed="rId4"/>
+          <a:stretch>
+            <a:fillRect/>
+          </a:stretch>
+        </p:blipFill>
+        <p:spPr>
+          <a:xfrm>
+            <a:off x="395535" y="3520827"/>
+            <a:ext cx="5392625" cy="2740274"/>
+          </a:xfrm>
+          <a:prstGeom prst="rect">
+            <a:avLst/>
+          </a:prstGeom>
+        </p:spPr>
+      </p:pic>
+      <p:pic>
+        <p:nvPicPr>
+          <p:cNvPr id="7" name="圖片 6"/>
+          <p:cNvPicPr>
+            <a:picLocks noChangeAspect="1"/>
+          </p:cNvPicPr>
+          <p:nvPr/>
+        </p:nvPicPr>
+        <p:blipFill>
+          <a:blip r:embed="rId5">
+            <a:extLst>
+              <a:ext uri="{28A0092B-C50C-407E-A947-70E740481C1C}">
+                <a14:useLocalDpi xmlns:a14="http://schemas.microsoft.com/office/drawing/2010/main" val="0"/>
+              </a:ext>
+            </a:extLst>
+          </a:blip>
+          <a:stretch>
+            <a:fillRect/>
+          </a:stretch>
+        </p:blipFill>
+        <p:spPr>
+          <a:xfrm>
+            <a:off x="5580112" y="1783505"/>
+            <a:ext cx="2785492" cy="1295254"/>
+          </a:xfrm>
+          <a:prstGeom prst="rect">
+            <a:avLst/>
+          </a:prstGeom>
+        </p:spPr>
+      </p:pic>
+      <p:pic>
+        <p:nvPicPr>
+          <p:cNvPr id="4098" name="Picture 2" descr="0*VsDhkvrcaTOc2bwu.gif (601×403)"/>
+          <p:cNvPicPr>
+            <a:picLocks noChangeAspect="1" noChangeArrowheads="1" noCrop="1"/>
+          </p:cNvPicPr>
+          <p:nvPr/>
+        </p:nvPicPr>
+        <p:blipFill>
+          <a:blip r:embed="rId6">
+            <a:extLst>
+              <a:ext uri="{28A0092B-C50C-407E-A947-70E740481C1C}">
+                <a14:useLocalDpi xmlns:a14="http://schemas.microsoft.com/office/drawing/2010/main" val="0"/>
+              </a:ext>
+            </a:extLst>
+          </a:blip>
+          <a:srcRect/>
+          <a:stretch>
+            <a:fillRect/>
+          </a:stretch>
+        </p:blipFill>
+        <p:spPr bwMode="auto">
+          <a:xfrm>
+            <a:off x="5796136" y="4145693"/>
+            <a:ext cx="3154738" cy="2115407"/>
+          </a:xfrm>
+          <a:prstGeom prst="rect">
+            <a:avLst/>
+          </a:prstGeom>
+          <a:noFill/>
+          <a:extLst>
+            <a:ext uri="{909E8E84-426E-40DD-AFC4-6F175D3DCCD1}">
+              <a14:hiddenFill xmlns:a14="http://schemas.microsoft.com/office/drawing/2010/main">
+                <a:solidFill>
+                  <a:srgbClr val="FFFFFF"/>
+                </a:solidFill>
+              </a14:hiddenFill>
+            </a:ext>
+          </a:extLst>
+        </p:spPr>
+      </p:pic>
+    </p:spTree>
+    <p:extLst>
+      <p:ext uri="{BB962C8B-B14F-4D97-AF65-F5344CB8AC3E}">
+        <p14:creationId xmlns:p14="http://schemas.microsoft.com/office/powerpoint/2010/main" val="1714492370"/>
+      </p:ext>
+    </p:extLst>
+  </p:cSld>
+  <p:clrMapOvr>
+    <a:masterClrMapping/>
+  </p:clrMapOvr>
+  <p:timing>
+    <p:tnLst>
+      <p:par>
+        <p:cTn id="1" dur="indefinite" restart="never" nodeType="tmRoot">
+          <p:childTnLst>
+            <p:seq concurrent="1" nextAc="seek">
+              <p:cTn id="2" dur="indefinite" nodeType="mainSeq">
+                <p:childTnLst>
+                  <p:par>
+                    <p:cTn id="3" fill="hold">
+                      <p:stCondLst>
+                        <p:cond delay="indefinite"/>
+                      </p:stCondLst>
+                      <p:childTnLst>
+                        <p:par>
+                          <p:cTn id="4" fill="hold">
+                            <p:stCondLst>
+                              <p:cond delay="0"/>
+                            </p:stCondLst>
+                            <p:childTnLst>
+                              <p:par>
+                                <p:cTn id="5" presetID="10" presetClass="entr" presetSubtype="0" fill="hold" nodeType="clickEffect">
+                                  <p:stCondLst>
+                                    <p:cond delay="0"/>
+                                  </p:stCondLst>
+                                  <p:childTnLst>
+                                    <p:set>
+                                      <p:cBhvr>
+                                        <p:cTn id="6" dur="1" fill="hold">
+                                          <p:stCondLst>
+                                            <p:cond delay="0"/>
+                                          </p:stCondLst>
+                                        </p:cTn>
+                                        <p:tgtEl>
+                                          <p:spTgt spid="4">
+                                            <p:txEl>
+                                              <p:pRg st="1" end="1"/>
+                                            </p:txEl>
+                                          </p:spTgt>
+                                        </p:tgtEl>
+                                        <p:attrNameLst>
+                                          <p:attrName>style.visibility</p:attrName>
+                                        </p:attrNameLst>
+                                      </p:cBhvr>
+                                      <p:to>
+                                        <p:strVal val="visible"/>
+                                      </p:to>
+                                    </p:set>
+                                    <p:animEffect transition="in" filter="fade">
+                                      <p:cBhvr>
+                                        <p:cTn id="7" dur="500"/>
+                                        <p:tgtEl>
+                                          <p:spTgt spid="4">
+                                            <p:txEl>
+                                              <p:pRg st="1" end="1"/>
+                                            </p:txEl>
+                                          </p:spTgt>
+                                        </p:tgtEl>
+                                      </p:cBhvr>
+                                    </p:animEffect>
+                                  </p:childTnLst>
+                                </p:cTn>
+                              </p:par>
+                              <p:par>
+                                <p:cTn id="8" presetID="10" presetClass="entr" presetSubtype="0" fill="hold" nodeType="withEffect">
+                                  <p:stCondLst>
+                                    <p:cond delay="0"/>
+                                  </p:stCondLst>
+                                  <p:childTnLst>
+                                    <p:set>
+                                      <p:cBhvr>
+                                        <p:cTn id="9" dur="1" fill="hold">
+                                          <p:stCondLst>
+                                            <p:cond delay="0"/>
+                                          </p:stCondLst>
+                                        </p:cTn>
+                                        <p:tgtEl>
+                                          <p:spTgt spid="7"/>
+                                        </p:tgtEl>
+                                        <p:attrNameLst>
+                                          <p:attrName>style.visibility</p:attrName>
+                                        </p:attrNameLst>
+                                      </p:cBhvr>
+                                      <p:to>
+                                        <p:strVal val="visible"/>
+                                      </p:to>
+                                    </p:set>
+                                    <p:animEffect transition="in" filter="fade">
+                                      <p:cBhvr>
+                                        <p:cTn id="10" dur="500"/>
+                                        <p:tgtEl>
+                                          <p:spTgt spid="7"/>
+                                        </p:tgtEl>
+                                      </p:cBhvr>
+                                    </p:animEffect>
+                                  </p:childTnLst>
+                                </p:cTn>
+                              </p:par>
+                            </p:childTnLst>
+                          </p:cTn>
+                        </p:par>
+                      </p:childTnLst>
+                    </p:cTn>
+                  </p:par>
+                  <p:par>
+                    <p:cTn id="11" fill="hold">
+                      <p:stCondLst>
+                        <p:cond delay="indefinite"/>
+                      </p:stCondLst>
+                      <p:childTnLst>
+                        <p:par>
+                          <p:cTn id="12" fill="hold">
+                            <p:stCondLst>
+                              <p:cond delay="0"/>
+                            </p:stCondLst>
+                            <p:childTnLst>
+                              <p:par>
+                                <p:cTn id="13" presetID="10" presetClass="entr" presetSubtype="0" fill="hold" nodeType="clickEffect">
+                                  <p:stCondLst>
+                                    <p:cond delay="0"/>
+                                  </p:stCondLst>
+                                  <p:childTnLst>
+                                    <p:set>
+                                      <p:cBhvr>
+                                        <p:cTn id="14" dur="1" fill="hold">
+                                          <p:stCondLst>
+                                            <p:cond delay="0"/>
+                                          </p:stCondLst>
+                                        </p:cTn>
+                                        <p:tgtEl>
+                                          <p:spTgt spid="4">
+                                            <p:txEl>
+                                              <p:pRg st="2" end="2"/>
+                                            </p:txEl>
+                                          </p:spTgt>
+                                        </p:tgtEl>
+                                        <p:attrNameLst>
+                                          <p:attrName>style.visibility</p:attrName>
+                                        </p:attrNameLst>
+                                      </p:cBhvr>
+                                      <p:to>
+                                        <p:strVal val="visible"/>
+                                      </p:to>
+                                    </p:set>
+                                    <p:animEffect transition="in" filter="fade">
+                                      <p:cBhvr>
+                                        <p:cTn id="15" dur="500"/>
+                                        <p:tgtEl>
+                                          <p:spTgt spid="4">
+                                            <p:txEl>
+                                              <p:pRg st="2" end="2"/>
+                                            </p:txEl>
+                                          </p:spTgt>
+                                        </p:tgtEl>
+                                      </p:cBhvr>
+                                    </p:animEffect>
+                                  </p:childTnLst>
+                                </p:cTn>
+                              </p:par>
+                              <p:par>
+                                <p:cTn id="16" presetID="10" presetClass="entr" presetSubtype="0" fill="hold" nodeType="withEffect">
+                                  <p:stCondLst>
+                                    <p:cond delay="0"/>
+                                  </p:stCondLst>
+                                  <p:childTnLst>
+                                    <p:set>
+                                      <p:cBhvr>
+                                        <p:cTn id="17" dur="1" fill="hold">
+                                          <p:stCondLst>
+                                            <p:cond delay="0"/>
+                                          </p:stCondLst>
+                                        </p:cTn>
+                                        <p:tgtEl>
+                                          <p:spTgt spid="4098"/>
+                                        </p:tgtEl>
+                                        <p:attrNameLst>
+                                          <p:attrName>style.visibility</p:attrName>
+                                        </p:attrNameLst>
+                                      </p:cBhvr>
+                                      <p:to>
+                                        <p:strVal val="visible"/>
+                                      </p:to>
+                                    </p:set>
+                                    <p:animEffect transition="in" filter="fade">
+                                      <p:cBhvr>
+                                        <p:cTn id="18" dur="500"/>
+                                        <p:tgtEl>
+                                          <p:spTgt spid="4098"/>
+                                        </p:tgtEl>
+                                      </p:cBhvr>
+                                    </p:animEffect>
+                                  </p:childTnLst>
+                                </p:cTn>
+                              </p:par>
+                            </p:childTnLst>
+                          </p:cTn>
+                        </p:par>
+                      </p:childTnLst>
+                    </p:cTn>
+                  </p:par>
+                  <p:par>
+                    <p:cTn id="19" fill="hold">
+                      <p:stCondLst>
+                        <p:cond delay="indefinite"/>
+                      </p:stCondLst>
+                      <p:childTnLst>
+                        <p:par>
+                          <p:cTn id="20" fill="hold">
+                            <p:stCondLst>
+                              <p:cond delay="0"/>
+                            </p:stCondLst>
+                            <p:childTnLst>
+                              <p:par>
+                                <p:cTn id="21" presetID="10" presetClass="entr" presetSubtype="0" fill="hold" nodeType="clickEffect">
+                                  <p:stCondLst>
+                                    <p:cond delay="0"/>
+                                  </p:stCondLst>
+                                  <p:childTnLst>
+                                    <p:set>
+                                      <p:cBhvr>
+                                        <p:cTn id="22" dur="1" fill="hold">
+                                          <p:stCondLst>
+                                            <p:cond delay="0"/>
+                                          </p:stCondLst>
+                                        </p:cTn>
+                                        <p:tgtEl>
+                                          <p:spTgt spid="4">
+                                            <p:txEl>
+                                              <p:pRg st="3" end="3"/>
+                                            </p:txEl>
+                                          </p:spTgt>
+                                        </p:tgtEl>
+                                        <p:attrNameLst>
+                                          <p:attrName>style.visibility</p:attrName>
+                                        </p:attrNameLst>
+                                      </p:cBhvr>
+                                      <p:to>
+                                        <p:strVal val="visible"/>
+                                      </p:to>
+                                    </p:set>
+                                    <p:animEffect transition="in" filter="fade">
+                                      <p:cBhvr>
+                                        <p:cTn id="23" dur="500"/>
+                                        <p:tgtEl>
+                                          <p:spTgt spid="4">
+                                            <p:txEl>
+                                              <p:pRg st="3" end="3"/>
+                                            </p:txEl>
+                                          </p:spTgt>
+                                        </p:tgtEl>
+                                      </p:cBhvr>
+                                    </p:animEffect>
+                                  </p:childTnLst>
+                                </p:cTn>
+                              </p:par>
+                              <p:par>
+                                <p:cTn id="24" presetID="10" presetClass="entr" presetSubtype="0" fill="hold" nodeType="withEffect">
+                                  <p:stCondLst>
+                                    <p:cond delay="0"/>
+                                  </p:stCondLst>
+                                  <p:childTnLst>
+                                    <p:set>
+                                      <p:cBhvr>
+                                        <p:cTn id="25" dur="1" fill="hold">
+                                          <p:stCondLst>
+                                            <p:cond delay="0"/>
+                                          </p:stCondLst>
+                                        </p:cTn>
+                                        <p:tgtEl>
+                                          <p:spTgt spid="6"/>
+                                        </p:tgtEl>
+                                        <p:attrNameLst>
+                                          <p:attrName>style.visibility</p:attrName>
+                                        </p:attrNameLst>
+                                      </p:cBhvr>
+                                      <p:to>
+                                        <p:strVal val="visible"/>
+                                      </p:to>
+                                    </p:set>
+                                    <p:animEffect transition="in" filter="fade">
+                                      <p:cBhvr>
+                                        <p:cTn id="26" dur="500"/>
+                                        <p:tgtEl>
+                                          <p:spTgt spid="6"/>
+                                        </p:tgtEl>
+                                      </p:cBhvr>
+                                    </p:animEffect>
+                                  </p:childTnLst>
+                                </p:cTn>
+                              </p:par>
+                            </p:childTnLst>
+                          </p:cTn>
+                        </p:par>
+                      </p:childTnLst>
+                    </p:cTn>
+                  </p:par>
+                </p:childTnLst>
+              </p:cTn>
+              <p:prevCondLst>
+                <p:cond evt="onPrev" delay="0">
+                  <p:tgtEl>
+                    <p:sldTgt/>
+                  </p:tgtEl>
+                </p:cond>
+              </p:prevCondLst>
+              <p:nextCondLst>
+                <p:cond evt="onNext" delay="0">
+                  <p:tgtEl>
+                    <p:sldTgt/>
+                  </p:tgtEl>
+                </p:cond>
+              </p:nextCondLst>
+            </p:seq>
+          </p:childTnLst>
+        </p:cTn>
+      </p:par>
+    </p:tnLst>
+  </p:timing>
+</p:sld>
+</file>
+
 <file path=ppt/slides/slide27.xml><?xml version="1.0" encoding="utf-8"?>
 <p:sld xmlns:a="http://schemas.openxmlformats.org/drawingml/2006/main" xmlns:r="http://schemas.openxmlformats.org/officeDocument/2006/relationships" xmlns:p="http://schemas.openxmlformats.org/presentationml/2006/main">
   <p:cSld>
@@ -21246,7 +22999,15 @@
           <a:p>
             <a:r>
               <a:rPr lang="en-US" altLang="zh-TW" dirty="0" smtClean="0"/>
-              <a:t>For next lecture</a:t>
+              <a:t>Based on Concepts for Next </a:t>
+            </a:r>
+            <a:r>
+              <a:rPr lang="en-US" altLang="zh-TW" dirty="0"/>
+              <a:t>L</a:t>
+            </a:r>
+            <a:r>
+              <a:rPr lang="en-US" altLang="zh-TW" dirty="0" smtClean="0"/>
+              <a:t>ecture</a:t>
             </a:r>
           </a:p>
           <a:p>
@@ -21286,6 +23047,447 @@
     <p:extLst>
       <p:ext uri="{BB962C8B-B14F-4D97-AF65-F5344CB8AC3E}">
         <p14:creationId xmlns:p14="http://schemas.microsoft.com/office/powerpoint/2010/main" val="12932295"/>
+      </p:ext>
+    </p:extLst>
+  </p:cSld>
+  <p:clrMapOvr>
+    <a:masterClrMapping/>
+  </p:clrMapOvr>
+  <p:timing>
+    <p:tnLst>
+      <p:par>
+        <p:cTn id="1" dur="indefinite" restart="never" nodeType="tmRoot"/>
+      </p:par>
+    </p:tnLst>
+  </p:timing>
+</p:sld>
+</file>
+
+<file path=ppt/slides/slide28.xml><?xml version="1.0" encoding="utf-8"?>
+<p:sld xmlns:a="http://schemas.openxmlformats.org/drawingml/2006/main" xmlns:r="http://schemas.openxmlformats.org/officeDocument/2006/relationships" xmlns:p="http://schemas.openxmlformats.org/presentationml/2006/main">
+  <p:cSld>
+    <p:spTree>
+      <p:nvGrpSpPr>
+        <p:cNvPr id="1" name=""/>
+        <p:cNvGrpSpPr/>
+        <p:nvPr/>
+      </p:nvGrpSpPr>
+      <p:grpSpPr>
+        <a:xfrm>
+          <a:off x="0" y="0"/>
+          <a:ext cx="0" cy="0"/>
+          <a:chOff x="0" y="0"/>
+          <a:chExt cx="0" cy="0"/>
+        </a:xfrm>
+      </p:grpSpPr>
+      <p:sp>
+        <p:nvSpPr>
+          <p:cNvPr id="2" name="投影片編號版面配置區 1"/>
+          <p:cNvSpPr>
+            <a:spLocks noGrp="1"/>
+          </p:cNvSpPr>
+          <p:nvPr>
+            <p:ph type="sldNum" sz="quarter" idx="11"/>
+          </p:nvPr>
+        </p:nvSpPr>
+        <p:spPr/>
+        <p:txBody>
+          <a:bodyPr/>
+          <a:lstStyle/>
+          <a:p>
+            <a:pPr>
+              <a:defRPr/>
+            </a:pPr>
+            <a:fld id="{C3E24055-C280-453F-98F3-40A960E52EFC}" type="slidenum">
+              <a:rPr lang="en-US" altLang="zh-TW" smtClean="0"/>
+              <a:pPr>
+                <a:defRPr/>
+              </a:pPr>
+              <a:t>28</a:t>
+            </a:fld>
+            <a:endParaRPr lang="en-US" altLang="zh-TW"/>
+          </a:p>
+        </p:txBody>
+      </p:sp>
+      <p:sp>
+        <p:nvSpPr>
+          <p:cNvPr id="3" name="標題 2"/>
+          <p:cNvSpPr>
+            <a:spLocks noGrp="1"/>
+          </p:cNvSpPr>
+          <p:nvPr>
+            <p:ph type="title"/>
+          </p:nvPr>
+        </p:nvSpPr>
+        <p:spPr/>
+        <p:txBody>
+          <a:bodyPr/>
+          <a:lstStyle/>
+          <a:p>
+            <a:r>
+              <a:rPr lang="en-US" altLang="zh-TW" dirty="0" smtClean="0"/>
+              <a:t>Application of AI</a:t>
+            </a:r>
+            <a:endParaRPr lang="zh-TW" altLang="en-US" dirty="0"/>
+          </a:p>
+        </p:txBody>
+      </p:sp>
+      <p:sp>
+        <p:nvSpPr>
+          <p:cNvPr id="4" name="內容版面配置區 3"/>
+          <p:cNvSpPr>
+            <a:spLocks noGrp="1"/>
+          </p:cNvSpPr>
+          <p:nvPr>
+            <p:ph sz="quarter" idx="12"/>
+          </p:nvPr>
+        </p:nvSpPr>
+        <p:spPr/>
+        <p:txBody>
+          <a:bodyPr/>
+          <a:lstStyle/>
+          <a:p>
+            <a:r>
+              <a:rPr lang="en-US" altLang="zh-TW" dirty="0" smtClean="0"/>
+              <a:t>Image Processing</a:t>
+            </a:r>
+          </a:p>
+          <a:p>
+            <a:r>
+              <a:rPr lang="en-US" altLang="zh-TW" dirty="0" smtClean="0"/>
+              <a:t>Language Processing</a:t>
+            </a:r>
+          </a:p>
+          <a:p>
+            <a:r>
+              <a:rPr lang="en-US" altLang="zh-TW" dirty="0" smtClean="0"/>
+              <a:t>Logistic Reasoning</a:t>
+            </a:r>
+          </a:p>
+          <a:p>
+            <a:r>
+              <a:rPr lang="en-US" altLang="zh-TW" dirty="0" smtClean="0"/>
+              <a:t>Recommendation System</a:t>
+            </a:r>
+          </a:p>
+          <a:p>
+            <a:r>
+              <a:rPr lang="en-US" altLang="zh-TW" dirty="0" smtClean="0"/>
+              <a:t>Medical Application, Disease Detection or Health Care </a:t>
+            </a:r>
+            <a:endParaRPr lang="zh-TW" altLang="en-US" dirty="0"/>
+          </a:p>
+        </p:txBody>
+      </p:sp>
+    </p:spTree>
+    <p:extLst>
+      <p:ext uri="{BB962C8B-B14F-4D97-AF65-F5344CB8AC3E}">
+        <p14:creationId xmlns:p14="http://schemas.microsoft.com/office/powerpoint/2010/main" val="2939940807"/>
+      </p:ext>
+    </p:extLst>
+  </p:cSld>
+  <p:clrMapOvr>
+    <a:masterClrMapping/>
+  </p:clrMapOvr>
+  <p:timing>
+    <p:tnLst>
+      <p:par>
+        <p:cTn id="1" dur="indefinite" restart="never" nodeType="tmRoot"/>
+      </p:par>
+    </p:tnLst>
+  </p:timing>
+</p:sld>
+</file>
+
+<file path=ppt/slides/slide29.xml><?xml version="1.0" encoding="utf-8"?>
+<p:sld xmlns:a="http://schemas.openxmlformats.org/drawingml/2006/main" xmlns:r="http://schemas.openxmlformats.org/officeDocument/2006/relationships" xmlns:p="http://schemas.openxmlformats.org/presentationml/2006/main">
+  <p:cSld>
+    <p:spTree>
+      <p:nvGrpSpPr>
+        <p:cNvPr id="1" name=""/>
+        <p:cNvGrpSpPr/>
+        <p:nvPr/>
+      </p:nvGrpSpPr>
+      <p:grpSpPr>
+        <a:xfrm>
+          <a:off x="0" y="0"/>
+          <a:ext cx="0" cy="0"/>
+          <a:chOff x="0" y="0"/>
+          <a:chExt cx="0" cy="0"/>
+        </a:xfrm>
+      </p:grpSpPr>
+      <p:sp>
+        <p:nvSpPr>
+          <p:cNvPr id="2" name="投影片編號版面配置區 1"/>
+          <p:cNvSpPr>
+            <a:spLocks noGrp="1"/>
+          </p:cNvSpPr>
+          <p:nvPr>
+            <p:ph type="sldNum" sz="quarter" idx="11"/>
+          </p:nvPr>
+        </p:nvSpPr>
+        <p:spPr/>
+        <p:txBody>
+          <a:bodyPr/>
+          <a:lstStyle/>
+          <a:p>
+            <a:pPr>
+              <a:defRPr/>
+            </a:pPr>
+            <a:fld id="{C3E24055-C280-453F-98F3-40A960E52EFC}" type="slidenum">
+              <a:rPr lang="en-US" altLang="zh-TW" smtClean="0"/>
+              <a:pPr>
+                <a:defRPr/>
+              </a:pPr>
+              <a:t>29</a:t>
+            </a:fld>
+            <a:endParaRPr lang="en-US" altLang="zh-TW"/>
+          </a:p>
+        </p:txBody>
+      </p:sp>
+      <p:sp>
+        <p:nvSpPr>
+          <p:cNvPr id="3" name="標題 2"/>
+          <p:cNvSpPr>
+            <a:spLocks noGrp="1"/>
+          </p:cNvSpPr>
+          <p:nvPr>
+            <p:ph type="title"/>
+          </p:nvPr>
+        </p:nvSpPr>
+        <p:spPr/>
+        <p:txBody>
+          <a:bodyPr/>
+          <a:lstStyle/>
+          <a:p>
+            <a:r>
+              <a:rPr lang="en-US" altLang="zh-TW" dirty="0" smtClean="0"/>
+              <a:t>Image Processing</a:t>
+            </a:r>
+            <a:endParaRPr lang="zh-TW" altLang="en-US" dirty="0"/>
+          </a:p>
+        </p:txBody>
+      </p:sp>
+      <p:sp>
+        <p:nvSpPr>
+          <p:cNvPr id="4" name="內容版面配置區 3"/>
+          <p:cNvSpPr>
+            <a:spLocks noGrp="1"/>
+          </p:cNvSpPr>
+          <p:nvPr>
+            <p:ph sz="quarter" idx="12"/>
+          </p:nvPr>
+        </p:nvSpPr>
+        <p:spPr/>
+        <p:txBody>
+          <a:bodyPr/>
+          <a:lstStyle/>
+          <a:p>
+            <a:r>
+              <a:rPr lang="en-US" altLang="zh-TW" dirty="0" smtClean="0"/>
+              <a:t>Application of image processing</a:t>
+            </a:r>
+          </a:p>
+          <a:p>
+            <a:pPr marL="514350" indent="-514350">
+              <a:buFont typeface="+mj-lt"/>
+              <a:buAutoNum type="arabicPeriod"/>
+            </a:pPr>
+            <a:r>
+              <a:rPr lang="en-US" altLang="zh-TW" sz="2000" dirty="0" smtClean="0"/>
+              <a:t>Image classification</a:t>
+            </a:r>
+          </a:p>
+          <a:p>
+            <a:pPr marL="514350" indent="-514350">
+              <a:buFont typeface="+mj-lt"/>
+              <a:buAutoNum type="arabicPeriod"/>
+            </a:pPr>
+            <a:endParaRPr lang="en-US" altLang="zh-TW" sz="2000" dirty="0"/>
+          </a:p>
+          <a:p>
+            <a:pPr marL="514350" indent="-514350">
+              <a:buFont typeface="+mj-lt"/>
+              <a:buAutoNum type="arabicPeriod"/>
+            </a:pPr>
+            <a:r>
+              <a:rPr lang="en-US" altLang="zh-TW" sz="2000" dirty="0" smtClean="0"/>
+              <a:t>Object recognition</a:t>
+            </a:r>
+          </a:p>
+          <a:p>
+            <a:pPr marL="514350" indent="-514350">
+              <a:buFont typeface="+mj-lt"/>
+              <a:buAutoNum type="arabicPeriod"/>
+            </a:pPr>
+            <a:endParaRPr lang="en-US" altLang="zh-TW" sz="2000" dirty="0"/>
+          </a:p>
+          <a:p>
+            <a:pPr marL="514350" indent="-514350">
+              <a:buFont typeface="+mj-lt"/>
+              <a:buAutoNum type="arabicPeriod"/>
+            </a:pPr>
+            <a:r>
+              <a:rPr lang="en-US" altLang="zh-TW" sz="2000" dirty="0" smtClean="0"/>
+              <a:t>Action recognition</a:t>
+            </a:r>
+            <a:endParaRPr lang="zh-TW" altLang="en-US" sz="2000" dirty="0"/>
+          </a:p>
+        </p:txBody>
+      </p:sp>
+      <p:sp>
+        <p:nvSpPr>
+          <p:cNvPr id="5" name="頁尾版面配置區 4"/>
+          <p:cNvSpPr>
+            <a:spLocks noGrp="1"/>
+          </p:cNvSpPr>
+          <p:nvPr>
+            <p:ph type="ftr" sz="quarter" idx="3"/>
+          </p:nvPr>
+        </p:nvSpPr>
+        <p:spPr>
+          <a:xfrm>
+            <a:off x="539750" y="6429374"/>
+            <a:ext cx="7632650" cy="428625"/>
+          </a:xfrm>
+        </p:spPr>
+        <p:txBody>
+          <a:bodyPr/>
+          <a:lstStyle/>
+          <a:p>
+            <a:pPr>
+              <a:defRPr/>
+            </a:pPr>
+            <a:r>
+              <a:rPr lang="en-US" altLang="zh-TW" dirty="0"/>
+              <a:t>Ref: </a:t>
+            </a:r>
+            <a:r>
+              <a:rPr lang="en-US" altLang="zh-TW" dirty="0" err="1"/>
+              <a:t>Yanming</a:t>
+            </a:r>
+            <a:r>
+              <a:rPr lang="en-US" altLang="zh-TW" dirty="0"/>
+              <a:t> </a:t>
+            </a:r>
+            <a:r>
+              <a:rPr lang="en-US" altLang="zh-TW" dirty="0" err="1" smtClean="0"/>
+              <a:t>Guo</a:t>
+            </a:r>
+            <a:r>
+              <a:rPr lang="en-US" altLang="zh-TW" dirty="0" smtClean="0"/>
+              <a:t> et al</a:t>
+            </a:r>
+            <a:r>
+              <a:rPr lang="en-US" altLang="zh-TW" dirty="0"/>
+              <a:t>. “Deep learning for visual understanding: A review.” </a:t>
+            </a:r>
+            <a:r>
+              <a:rPr lang="en-US" altLang="zh-TW" dirty="0" err="1" smtClean="0"/>
+              <a:t>Neurocomputing</a:t>
+            </a:r>
+            <a:r>
+              <a:rPr lang="en-US" altLang="zh-TW" dirty="0" smtClean="0"/>
+              <a:t>, vol.187, pp.27-48, 2016</a:t>
+            </a:r>
+            <a:endParaRPr lang="en-US" altLang="zh-TW" dirty="0"/>
+          </a:p>
+        </p:txBody>
+      </p:sp>
+      <p:pic>
+        <p:nvPicPr>
+          <p:cNvPr id="6" name="圖片 5"/>
+          <p:cNvPicPr>
+            <a:picLocks noChangeAspect="1"/>
+          </p:cNvPicPr>
+          <p:nvPr/>
+        </p:nvPicPr>
+        <p:blipFill>
+          <a:blip r:embed="rId2">
+            <a:extLst>
+              <a:ext uri="{28A0092B-C50C-407E-A947-70E740481C1C}">
+                <a14:useLocalDpi xmlns:a14="http://schemas.microsoft.com/office/drawing/2010/main" val="0"/>
+              </a:ext>
+            </a:extLst>
+          </a:blip>
+          <a:stretch>
+            <a:fillRect/>
+          </a:stretch>
+        </p:blipFill>
+        <p:spPr>
+          <a:xfrm>
+            <a:off x="4932040" y="1888420"/>
+            <a:ext cx="3024336" cy="2459855"/>
+          </a:xfrm>
+          <a:prstGeom prst="rect">
+            <a:avLst/>
+          </a:prstGeom>
+        </p:spPr>
+      </p:pic>
+      <p:pic>
+        <p:nvPicPr>
+          <p:cNvPr id="7" name="圖片 6"/>
+          <p:cNvPicPr>
+            <a:picLocks noChangeAspect="1"/>
+          </p:cNvPicPr>
+          <p:nvPr/>
+        </p:nvPicPr>
+        <p:blipFill>
+          <a:blip r:embed="rId3">
+            <a:extLst>
+              <a:ext uri="{28A0092B-C50C-407E-A947-70E740481C1C}">
+                <a14:useLocalDpi xmlns:a14="http://schemas.microsoft.com/office/drawing/2010/main" val="0"/>
+              </a:ext>
+            </a:extLst>
+          </a:blip>
+          <a:stretch>
+            <a:fillRect/>
+          </a:stretch>
+        </p:blipFill>
+        <p:spPr>
+          <a:xfrm>
+            <a:off x="571500" y="4450553"/>
+            <a:ext cx="4572000" cy="1699327"/>
+          </a:xfrm>
+          <a:prstGeom prst="rect">
+            <a:avLst/>
+          </a:prstGeom>
+        </p:spPr>
+      </p:pic>
+      <p:pic>
+        <p:nvPicPr>
+          <p:cNvPr id="8" name="圖片 7"/>
+          <p:cNvPicPr>
+            <a:picLocks noChangeAspect="1"/>
+          </p:cNvPicPr>
+          <p:nvPr/>
+        </p:nvPicPr>
+        <p:blipFill>
+          <a:blip r:embed="rId4">
+            <a:extLst>
+              <a:ext uri="{28A0092B-C50C-407E-A947-70E740481C1C}">
+                <a14:useLocalDpi xmlns:a14="http://schemas.microsoft.com/office/drawing/2010/main" val="0"/>
+              </a:ext>
+            </a:extLst>
+          </a:blip>
+          <a:stretch>
+            <a:fillRect/>
+          </a:stretch>
+        </p:blipFill>
+        <p:spPr>
+          <a:xfrm>
+            <a:off x="5679553" y="4400079"/>
+            <a:ext cx="2780358" cy="1762352"/>
+          </a:xfrm>
+          <a:prstGeom prst="rect">
+            <a:avLst/>
+          </a:prstGeom>
+        </p:spPr>
+      </p:pic>
+    </p:spTree>
+    <p:extLst>
+      <p:ext uri="{BB962C8B-B14F-4D97-AF65-F5344CB8AC3E}">
+        <p14:creationId xmlns:p14="http://schemas.microsoft.com/office/powerpoint/2010/main" val="3814832922"/>
       </p:ext>
     </p:extLst>
   </p:cSld>
@@ -22148,14 +24350,14 @@
       </p:sp>
       <p:sp>
         <p:nvSpPr>
-          <p:cNvPr id="15" name="圓角矩形 14"/>
+          <p:cNvPr id="16" name="圓角矩形 15"/>
           <p:cNvSpPr/>
           <p:nvPr/>
         </p:nvSpPr>
         <p:spPr bwMode="auto">
           <a:xfrm>
-            <a:off x="6591994" y="3920340"/>
-            <a:ext cx="2276302" cy="510576"/>
+            <a:off x="6598083" y="4016718"/>
+            <a:ext cx="2276302" cy="1291958"/>
           </a:xfrm>
           <a:prstGeom prst="roundRect">
             <a:avLst/>
@@ -22210,87 +24412,7 @@
                 <a:latin typeface="Verdana" pitchFamily="34" charset="0"/>
                 <a:ea typeface="新細明體" charset="-120"/>
               </a:rPr>
-              <a:t>Face Recognition</a:t>
-            </a:r>
-            <a:endParaRPr kumimoji="1" lang="zh-TW" altLang="en-US" sz="1800" b="0" i="0" u="none" strike="noStrike" cap="none" normalizeH="0" baseline="0" dirty="0" smtClean="0">
-              <a:ln>
-                <a:noFill/>
-              </a:ln>
-              <a:solidFill>
-                <a:srgbClr val="F0002E"/>
-              </a:solidFill>
-              <a:effectLst/>
-              <a:latin typeface="Verdana" pitchFamily="34" charset="0"/>
-              <a:ea typeface="新細明體" charset="-120"/>
-            </a:endParaRPr>
-          </a:p>
-        </p:txBody>
-      </p:sp>
-      <p:sp>
-        <p:nvSpPr>
-          <p:cNvPr id="16" name="圓角矩形 15"/>
-          <p:cNvSpPr/>
-          <p:nvPr/>
-        </p:nvSpPr>
-        <p:spPr bwMode="auto">
-          <a:xfrm>
-            <a:off x="6598083" y="4564226"/>
-            <a:ext cx="2276302" cy="744450"/>
-          </a:xfrm>
-          <a:prstGeom prst="roundRect">
-            <a:avLst/>
-          </a:prstGeom>
-          <a:solidFill>
-            <a:schemeClr val="accent1"/>
-          </a:solidFill>
-          <a:ln w="9525" cap="flat" cmpd="sng" algn="ctr">
-            <a:solidFill>
-              <a:schemeClr val="tx1"/>
-            </a:solidFill>
-            <a:prstDash val="solid"/>
-            <a:round/>
-            <a:headEnd type="none" w="med" len="med"/>
-            <a:tailEnd type="none" w="med" len="med"/>
-          </a:ln>
-          <a:effectLst/>
-        </p:spPr>
-        <p:txBody>
-          <a:bodyPr vert="horz" wrap="square" lIns="91440" tIns="45720" rIns="91440" bIns="45720" numCol="1" rtlCol="0" anchor="ctr" anchorCtr="0" compatLnSpc="1">
-            <a:prstTxWarp prst="textNoShape">
-              <a:avLst/>
-            </a:prstTxWarp>
-          </a:bodyPr>
-          <a:lstStyle/>
-          <a:p>
-            <a:pPr marL="0" marR="0" indent="0" algn="ctr" defTabSz="914400" rtl="0" eaLnBrk="1" fontAlgn="base" latinLnBrk="0" hangingPunct="1">
-              <a:lnSpc>
-                <a:spcPct val="100000"/>
-              </a:lnSpc>
-              <a:spcBef>
-                <a:spcPct val="0"/>
-              </a:spcBef>
-              <a:spcAft>
-                <a:spcPct val="0"/>
-              </a:spcAft>
-              <a:buClrTx/>
-              <a:buSzTx/>
-              <a:buFontTx/>
-              <a:buNone/>
-              <a:tabLst/>
-            </a:pPr>
-            <a:r>
-              <a:rPr kumimoji="1" lang="en-US" altLang="zh-TW" sz="1800" b="0" i="0" u="none" strike="noStrike" cap="none" normalizeH="0" baseline="0" dirty="0" smtClean="0">
-                <a:ln>
-                  <a:noFill/>
-                </a:ln>
-                <a:solidFill>
-                  <a:srgbClr val="F0002E"/>
-                </a:solidFill>
-                <a:effectLst/>
-                <a:latin typeface="Verdana" pitchFamily="34" charset="0"/>
-                <a:ea typeface="新細明體" charset="-120"/>
-              </a:rPr>
-              <a:t>Image Recognition</a:t>
+              <a:t>Image and Face Recognition and Application</a:t>
             </a:r>
             <a:endParaRPr kumimoji="1" lang="zh-TW" altLang="en-US" sz="1800" b="0" i="0" u="none" strike="noStrike" cap="none" normalizeH="0" baseline="0" dirty="0" smtClean="0">
               <a:ln>
@@ -22591,37 +24713,6 @@
       </p:cxnSp>
       <p:cxnSp>
         <p:nvCxnSpPr>
-          <p:cNvPr id="38" name="直線單箭頭接點 37"/>
-          <p:cNvCxnSpPr>
-            <a:endCxn id="15" idx="1"/>
-          </p:cNvCxnSpPr>
-          <p:nvPr/>
-        </p:nvCxnSpPr>
-        <p:spPr bwMode="auto">
-          <a:xfrm flipV="1">
-            <a:off x="6223248" y="4175628"/>
-            <a:ext cx="368746" cy="777196"/>
-          </a:xfrm>
-          <a:prstGeom prst="straightConnector1">
-            <a:avLst/>
-          </a:prstGeom>
-          <a:solidFill>
-            <a:schemeClr val="accent1"/>
-          </a:solidFill>
-          <a:ln w="25400" cap="flat" cmpd="sng" algn="ctr">
-            <a:solidFill>
-              <a:schemeClr val="tx1"/>
-            </a:solidFill>
-            <a:prstDash val="solid"/>
-            <a:round/>
-            <a:headEnd type="none" w="med" len="med"/>
-            <a:tailEnd type="triangle"/>
-          </a:ln>
-          <a:effectLst/>
-        </p:spPr>
-      </p:cxnSp>
-      <p:cxnSp>
-        <p:nvCxnSpPr>
           <p:cNvPr id="39" name="直線單箭頭接點 38"/>
           <p:cNvCxnSpPr>
             <a:stCxn id="11" idx="3"/>
@@ -22631,8 +24722,8 @@
         </p:nvCxnSpPr>
         <p:spPr bwMode="auto">
           <a:xfrm flipV="1">
-            <a:off x="6223248" y="4936451"/>
-            <a:ext cx="374835" cy="16371"/>
+            <a:off x="6223248" y="4662697"/>
+            <a:ext cx="374835" cy="290125"/>
           </a:xfrm>
           <a:prstGeom prst="straightConnector1">
             <a:avLst/>
@@ -22656,6 +24747,963 @@
     <p:extLst>
       <p:ext uri="{BB962C8B-B14F-4D97-AF65-F5344CB8AC3E}">
         <p14:creationId xmlns:p14="http://schemas.microsoft.com/office/powerpoint/2010/main" val="1223921572"/>
+      </p:ext>
+    </p:extLst>
+  </p:cSld>
+  <p:clrMapOvr>
+    <a:masterClrMapping/>
+  </p:clrMapOvr>
+  <p:timing>
+    <p:tnLst>
+      <p:par>
+        <p:cTn id="1" dur="indefinite" restart="never" nodeType="tmRoot"/>
+      </p:par>
+    </p:tnLst>
+  </p:timing>
+</p:sld>
+</file>
+
+<file path=ppt/slides/slide30.xml><?xml version="1.0" encoding="utf-8"?>
+<p:sld xmlns:a="http://schemas.openxmlformats.org/drawingml/2006/main" xmlns:r="http://schemas.openxmlformats.org/officeDocument/2006/relationships" xmlns:p="http://schemas.openxmlformats.org/presentationml/2006/main">
+  <p:cSld>
+    <p:spTree>
+      <p:nvGrpSpPr>
+        <p:cNvPr id="1" name=""/>
+        <p:cNvGrpSpPr/>
+        <p:nvPr/>
+      </p:nvGrpSpPr>
+      <p:grpSpPr>
+        <a:xfrm>
+          <a:off x="0" y="0"/>
+          <a:ext cx="0" cy="0"/>
+          <a:chOff x="0" y="0"/>
+          <a:chExt cx="0" cy="0"/>
+        </a:xfrm>
+      </p:grpSpPr>
+      <p:sp>
+        <p:nvSpPr>
+          <p:cNvPr id="2" name="投影片編號版面配置區 1"/>
+          <p:cNvSpPr>
+            <a:spLocks noGrp="1"/>
+          </p:cNvSpPr>
+          <p:nvPr>
+            <p:ph type="sldNum" sz="quarter" idx="11"/>
+          </p:nvPr>
+        </p:nvSpPr>
+        <p:spPr/>
+        <p:txBody>
+          <a:bodyPr/>
+          <a:lstStyle/>
+          <a:p>
+            <a:pPr>
+              <a:defRPr/>
+            </a:pPr>
+            <a:fld id="{C3E24055-C280-453F-98F3-40A960E52EFC}" type="slidenum">
+              <a:rPr lang="en-US" altLang="zh-TW" smtClean="0"/>
+              <a:pPr>
+                <a:defRPr/>
+              </a:pPr>
+              <a:t>30</a:t>
+            </a:fld>
+            <a:endParaRPr lang="en-US" altLang="zh-TW"/>
+          </a:p>
+        </p:txBody>
+      </p:sp>
+      <p:sp>
+        <p:nvSpPr>
+          <p:cNvPr id="3" name="標題 2"/>
+          <p:cNvSpPr>
+            <a:spLocks noGrp="1"/>
+          </p:cNvSpPr>
+          <p:nvPr>
+            <p:ph type="title"/>
+          </p:nvPr>
+        </p:nvSpPr>
+        <p:spPr/>
+        <p:txBody>
+          <a:bodyPr/>
+          <a:lstStyle/>
+          <a:p>
+            <a:r>
+              <a:rPr lang="en-US" altLang="zh-TW" dirty="0" smtClean="0"/>
+              <a:t>Language Processing</a:t>
+            </a:r>
+            <a:endParaRPr lang="zh-TW" altLang="en-US" dirty="0"/>
+          </a:p>
+        </p:txBody>
+      </p:sp>
+      <p:sp>
+        <p:nvSpPr>
+          <p:cNvPr id="5" name="頁尾版面配置區 4"/>
+          <p:cNvSpPr>
+            <a:spLocks noGrp="1"/>
+          </p:cNvSpPr>
+          <p:nvPr>
+            <p:ph type="ftr" sz="quarter" idx="3"/>
+          </p:nvPr>
+        </p:nvSpPr>
+        <p:spPr>
+          <a:xfrm>
+            <a:off x="323528" y="6429375"/>
+            <a:ext cx="7748910" cy="285750"/>
+          </a:xfrm>
+        </p:spPr>
+        <p:txBody>
+          <a:bodyPr/>
+          <a:lstStyle/>
+          <a:p>
+            <a:pPr>
+              <a:defRPr/>
+            </a:pPr>
+            <a:r>
+              <a:rPr lang="en-US" altLang="zh-TW" dirty="0" smtClean="0"/>
+              <a:t>Ref: </a:t>
+            </a:r>
+            <a:r>
+              <a:rPr lang="en-US" altLang="zh-TW" dirty="0">
+                <a:hlinkClick r:id="rId2"/>
+              </a:rPr>
+              <a:t>https://www.microsoft.com/en-us/research/uploads/prod/2019/08/ACL-MingZhou-50min-ming.v9.pdf</a:t>
+            </a:r>
+            <a:endParaRPr lang="en-US" altLang="zh-TW" dirty="0"/>
+          </a:p>
+        </p:txBody>
+      </p:sp>
+      <p:pic>
+        <p:nvPicPr>
+          <p:cNvPr id="7" name="圖片 6"/>
+          <p:cNvPicPr>
+            <a:picLocks noChangeAspect="1"/>
+          </p:cNvPicPr>
+          <p:nvPr/>
+        </p:nvPicPr>
+        <p:blipFill>
+          <a:blip r:embed="rId3"/>
+          <a:stretch>
+            <a:fillRect/>
+          </a:stretch>
+        </p:blipFill>
+        <p:spPr>
+          <a:xfrm>
+            <a:off x="84557" y="1484784"/>
+            <a:ext cx="9028214" cy="4752528"/>
+          </a:xfrm>
+          <a:prstGeom prst="rect">
+            <a:avLst/>
+          </a:prstGeom>
+        </p:spPr>
+      </p:pic>
+    </p:spTree>
+    <p:extLst>
+      <p:ext uri="{BB962C8B-B14F-4D97-AF65-F5344CB8AC3E}">
+        <p14:creationId xmlns:p14="http://schemas.microsoft.com/office/powerpoint/2010/main" val="2868691441"/>
+      </p:ext>
+    </p:extLst>
+  </p:cSld>
+  <p:clrMapOvr>
+    <a:masterClrMapping/>
+  </p:clrMapOvr>
+  <p:timing>
+    <p:tnLst>
+      <p:par>
+        <p:cTn id="1" dur="indefinite" restart="never" nodeType="tmRoot"/>
+      </p:par>
+    </p:tnLst>
+  </p:timing>
+</p:sld>
+</file>
+
+<file path=ppt/slides/slide31.xml><?xml version="1.0" encoding="utf-8"?>
+<p:sld xmlns:a="http://schemas.openxmlformats.org/drawingml/2006/main" xmlns:r="http://schemas.openxmlformats.org/officeDocument/2006/relationships" xmlns:p="http://schemas.openxmlformats.org/presentationml/2006/main">
+  <p:cSld>
+    <p:spTree>
+      <p:nvGrpSpPr>
+        <p:cNvPr id="1" name=""/>
+        <p:cNvGrpSpPr/>
+        <p:nvPr/>
+      </p:nvGrpSpPr>
+      <p:grpSpPr>
+        <a:xfrm>
+          <a:off x="0" y="0"/>
+          <a:ext cx="0" cy="0"/>
+          <a:chOff x="0" y="0"/>
+          <a:chExt cx="0" cy="0"/>
+        </a:xfrm>
+      </p:grpSpPr>
+      <p:sp>
+        <p:nvSpPr>
+          <p:cNvPr id="2" name="投影片編號版面配置區 1"/>
+          <p:cNvSpPr>
+            <a:spLocks noGrp="1"/>
+          </p:cNvSpPr>
+          <p:nvPr>
+            <p:ph type="sldNum" sz="quarter" idx="11"/>
+          </p:nvPr>
+        </p:nvSpPr>
+        <p:spPr/>
+        <p:txBody>
+          <a:bodyPr/>
+          <a:lstStyle/>
+          <a:p>
+            <a:pPr>
+              <a:defRPr/>
+            </a:pPr>
+            <a:fld id="{C3E24055-C280-453F-98F3-40A960E52EFC}" type="slidenum">
+              <a:rPr lang="en-US" altLang="zh-TW" smtClean="0"/>
+              <a:pPr>
+                <a:defRPr/>
+              </a:pPr>
+              <a:t>31</a:t>
+            </a:fld>
+            <a:endParaRPr lang="en-US" altLang="zh-TW"/>
+          </a:p>
+        </p:txBody>
+      </p:sp>
+      <p:sp>
+        <p:nvSpPr>
+          <p:cNvPr id="3" name="標題 2"/>
+          <p:cNvSpPr>
+            <a:spLocks noGrp="1"/>
+          </p:cNvSpPr>
+          <p:nvPr>
+            <p:ph type="title"/>
+          </p:nvPr>
+        </p:nvSpPr>
+        <p:spPr/>
+        <p:txBody>
+          <a:bodyPr/>
+          <a:lstStyle/>
+          <a:p>
+            <a:r>
+              <a:rPr lang="en-US" altLang="zh-TW" dirty="0" smtClean="0"/>
+              <a:t>Logistic Reasoning</a:t>
+            </a:r>
+            <a:endParaRPr lang="zh-TW" altLang="en-US" dirty="0"/>
+          </a:p>
+        </p:txBody>
+      </p:sp>
+      <p:sp>
+        <p:nvSpPr>
+          <p:cNvPr id="4" name="內容版面配置區 3"/>
+          <p:cNvSpPr>
+            <a:spLocks noGrp="1"/>
+          </p:cNvSpPr>
+          <p:nvPr>
+            <p:ph sz="quarter" idx="12"/>
+          </p:nvPr>
+        </p:nvSpPr>
+        <p:spPr>
+          <a:xfrm>
+            <a:off x="539750" y="1341438"/>
+            <a:ext cx="3672210" cy="4751387"/>
+          </a:xfrm>
+        </p:spPr>
+        <p:txBody>
+          <a:bodyPr/>
+          <a:lstStyle/>
+          <a:p>
+            <a:r>
+              <a:rPr lang="en-US" altLang="zh-TW" dirty="0" smtClean="0"/>
+              <a:t>Game playing</a:t>
+            </a:r>
+          </a:p>
+          <a:p>
+            <a:pPr marL="514350" indent="-514350">
+              <a:buFont typeface="+mj-lt"/>
+              <a:buAutoNum type="arabicPeriod"/>
+            </a:pPr>
+            <a:r>
+              <a:rPr lang="en-US" altLang="zh-TW" dirty="0" smtClean="0"/>
+              <a:t>Chess/Shogi/GO</a:t>
+            </a:r>
+          </a:p>
+          <a:p>
+            <a:pPr marL="514350" indent="-514350">
+              <a:buFont typeface="+mj-lt"/>
+              <a:buAutoNum type="arabicPeriod"/>
+            </a:pPr>
+            <a:r>
+              <a:rPr lang="en-US" altLang="zh-TW" dirty="0" smtClean="0"/>
+              <a:t>Multi-agent collaboration</a:t>
+            </a:r>
+            <a:br>
+              <a:rPr lang="en-US" altLang="zh-TW" dirty="0" smtClean="0"/>
+            </a:br>
+            <a:r>
+              <a:rPr lang="en-US" altLang="zh-TW" dirty="0" smtClean="0"/>
+              <a:t>(hide-and-seek)</a:t>
+            </a:r>
+          </a:p>
+        </p:txBody>
+      </p:sp>
+      <p:sp>
+        <p:nvSpPr>
+          <p:cNvPr id="5" name="頁尾版面配置區 4"/>
+          <p:cNvSpPr>
+            <a:spLocks noGrp="1"/>
+          </p:cNvSpPr>
+          <p:nvPr>
+            <p:ph type="ftr" sz="quarter" idx="3"/>
+          </p:nvPr>
+        </p:nvSpPr>
+        <p:spPr>
+          <a:xfrm>
+            <a:off x="323528" y="6392812"/>
+            <a:ext cx="7848872" cy="465187"/>
+          </a:xfrm>
+        </p:spPr>
+        <p:txBody>
+          <a:bodyPr/>
+          <a:lstStyle/>
+          <a:p>
+            <a:pPr>
+              <a:defRPr/>
+            </a:pPr>
+            <a:r>
+              <a:rPr lang="en-US" altLang="zh-TW" sz="900" dirty="0" smtClean="0"/>
+              <a:t>Ref</a:t>
+            </a:r>
+            <a:r>
+              <a:rPr lang="en-US" altLang="zh-TW" sz="900" dirty="0"/>
+              <a:t>: Julian </a:t>
+            </a:r>
+            <a:r>
+              <a:rPr lang="en-US" altLang="zh-TW" sz="900" dirty="0" err="1" smtClean="0"/>
+              <a:t>Schrittwieser</a:t>
+            </a:r>
+            <a:r>
+              <a:rPr lang="en-US" altLang="zh-TW" sz="900" dirty="0" smtClean="0"/>
+              <a:t> et al</a:t>
+            </a:r>
+            <a:r>
+              <a:rPr lang="en-US" altLang="zh-TW" sz="900" dirty="0"/>
+              <a:t>. “Mastering Atari, Go, Chess and Shogi by Planning with a Learned </a:t>
+            </a:r>
+            <a:r>
+              <a:rPr lang="en-US" altLang="zh-TW" sz="900" dirty="0" smtClean="0"/>
+              <a:t>Model.” </a:t>
+            </a:r>
+            <a:r>
+              <a:rPr lang="en-US" altLang="zh-TW" sz="900" dirty="0" err="1" smtClean="0"/>
+              <a:t>arXiv</a:t>
+            </a:r>
+            <a:r>
+              <a:rPr lang="en-US" altLang="zh-TW" sz="900" dirty="0"/>
+              <a:t>: 1911.08265. Joseph </a:t>
+            </a:r>
+            <a:r>
+              <a:rPr lang="en-US" altLang="zh-TW" sz="900" dirty="0" smtClean="0"/>
+              <a:t>Suarez</a:t>
+            </a:r>
+            <a:r>
+              <a:rPr lang="en-US" altLang="zh-TW" sz="900" dirty="0"/>
+              <a:t>, </a:t>
+            </a:r>
+            <a:r>
+              <a:rPr lang="en-US" altLang="zh-TW" sz="900" dirty="0" err="1" smtClean="0"/>
+              <a:t>Yilun</a:t>
+            </a:r>
+            <a:r>
+              <a:rPr lang="en-US" altLang="zh-TW" sz="900" dirty="0" smtClean="0"/>
+              <a:t> Du</a:t>
+            </a:r>
+            <a:r>
+              <a:rPr lang="en-US" altLang="zh-TW" sz="900" dirty="0"/>
+              <a:t>, </a:t>
+            </a:r>
+            <a:r>
+              <a:rPr lang="en-US" altLang="zh-TW" sz="900" dirty="0" smtClean="0"/>
+              <a:t>Igor </a:t>
+            </a:r>
+            <a:r>
+              <a:rPr lang="en-US" altLang="zh-TW" sz="900" dirty="0" err="1" smtClean="0"/>
+              <a:t>Mordach</a:t>
+            </a:r>
+            <a:r>
+              <a:rPr lang="en-US" altLang="zh-TW" sz="900" dirty="0"/>
+              <a:t>, </a:t>
+            </a:r>
+            <a:r>
+              <a:rPr lang="en-US" altLang="zh-TW" sz="900" dirty="0" smtClean="0"/>
+              <a:t>and Phillip Isola</a:t>
+            </a:r>
+            <a:r>
+              <a:rPr lang="en-US" altLang="zh-TW" sz="900" dirty="0"/>
+              <a:t>. “Neural MMO v1.3: A Massively </a:t>
+            </a:r>
+            <a:r>
+              <a:rPr lang="en-US" altLang="zh-TW" sz="900" dirty="0" err="1"/>
+              <a:t>Multiagent</a:t>
+            </a:r>
+            <a:r>
+              <a:rPr lang="en-US" altLang="zh-TW" sz="900" dirty="0"/>
+              <a:t> Game Environment for Training and Evaluating Neural </a:t>
+            </a:r>
+            <a:r>
+              <a:rPr lang="en-US" altLang="zh-TW" sz="900" dirty="0" smtClean="0"/>
+              <a:t>Networks.” </a:t>
+            </a:r>
+            <a:r>
+              <a:rPr lang="en-US" altLang="zh-TW" sz="900" dirty="0" err="1" smtClean="0"/>
+              <a:t>arXiv</a:t>
+            </a:r>
+            <a:r>
+              <a:rPr lang="en-US" altLang="zh-TW" sz="900" dirty="0"/>
+              <a:t>: </a:t>
+            </a:r>
+            <a:r>
+              <a:rPr lang="en-US" altLang="zh-TW" sz="900" dirty="0" smtClean="0"/>
+              <a:t>2001.12004.</a:t>
+            </a:r>
+            <a:endParaRPr lang="en-US" altLang="zh-TW" sz="900" dirty="0"/>
+          </a:p>
+        </p:txBody>
+      </p:sp>
+      <p:pic>
+        <p:nvPicPr>
+          <p:cNvPr id="6" name="圖片 5"/>
+          <p:cNvPicPr>
+            <a:picLocks noChangeAspect="1"/>
+          </p:cNvPicPr>
+          <p:nvPr/>
+        </p:nvPicPr>
+        <p:blipFill>
+          <a:blip r:embed="rId2"/>
+          <a:stretch>
+            <a:fillRect/>
+          </a:stretch>
+        </p:blipFill>
+        <p:spPr>
+          <a:xfrm>
+            <a:off x="4079025" y="1484784"/>
+            <a:ext cx="4959695" cy="2520280"/>
+          </a:xfrm>
+          <a:prstGeom prst="rect">
+            <a:avLst/>
+          </a:prstGeom>
+        </p:spPr>
+      </p:pic>
+      <p:pic>
+        <p:nvPicPr>
+          <p:cNvPr id="7" name="圖片 6"/>
+          <p:cNvPicPr>
+            <a:picLocks noChangeAspect="1"/>
+          </p:cNvPicPr>
+          <p:nvPr/>
+        </p:nvPicPr>
+        <p:blipFill>
+          <a:blip r:embed="rId3"/>
+          <a:stretch>
+            <a:fillRect/>
+          </a:stretch>
+        </p:blipFill>
+        <p:spPr>
+          <a:xfrm>
+            <a:off x="3352295" y="4208338"/>
+            <a:ext cx="5686425" cy="1981200"/>
+          </a:xfrm>
+          <a:prstGeom prst="rect">
+            <a:avLst/>
+          </a:prstGeom>
+        </p:spPr>
+      </p:pic>
+    </p:spTree>
+    <p:extLst>
+      <p:ext uri="{BB962C8B-B14F-4D97-AF65-F5344CB8AC3E}">
+        <p14:creationId xmlns:p14="http://schemas.microsoft.com/office/powerpoint/2010/main" val="764980606"/>
+      </p:ext>
+    </p:extLst>
+  </p:cSld>
+  <p:clrMapOvr>
+    <a:masterClrMapping/>
+  </p:clrMapOvr>
+  <p:timing>
+    <p:tnLst>
+      <p:par>
+        <p:cTn id="1" dur="indefinite" restart="never" nodeType="tmRoot"/>
+      </p:par>
+    </p:tnLst>
+  </p:timing>
+</p:sld>
+</file>
+
+<file path=ppt/slides/slide32.xml><?xml version="1.0" encoding="utf-8"?>
+<p:sld xmlns:a="http://schemas.openxmlformats.org/drawingml/2006/main" xmlns:r="http://schemas.openxmlformats.org/officeDocument/2006/relationships" xmlns:p="http://schemas.openxmlformats.org/presentationml/2006/main">
+  <p:cSld>
+    <p:spTree>
+      <p:nvGrpSpPr>
+        <p:cNvPr id="1" name=""/>
+        <p:cNvGrpSpPr/>
+        <p:nvPr/>
+      </p:nvGrpSpPr>
+      <p:grpSpPr>
+        <a:xfrm>
+          <a:off x="0" y="0"/>
+          <a:ext cx="0" cy="0"/>
+          <a:chOff x="0" y="0"/>
+          <a:chExt cx="0" cy="0"/>
+        </a:xfrm>
+      </p:grpSpPr>
+      <p:sp>
+        <p:nvSpPr>
+          <p:cNvPr id="2" name="投影片編號版面配置區 1"/>
+          <p:cNvSpPr>
+            <a:spLocks noGrp="1"/>
+          </p:cNvSpPr>
+          <p:nvPr>
+            <p:ph type="sldNum" sz="quarter" idx="11"/>
+          </p:nvPr>
+        </p:nvSpPr>
+        <p:spPr/>
+        <p:txBody>
+          <a:bodyPr/>
+          <a:lstStyle/>
+          <a:p>
+            <a:pPr>
+              <a:defRPr/>
+            </a:pPr>
+            <a:fld id="{C3E24055-C280-453F-98F3-40A960E52EFC}" type="slidenum">
+              <a:rPr lang="en-US" altLang="zh-TW" smtClean="0"/>
+              <a:pPr>
+                <a:defRPr/>
+              </a:pPr>
+              <a:t>32</a:t>
+            </a:fld>
+            <a:endParaRPr lang="en-US" altLang="zh-TW"/>
+          </a:p>
+        </p:txBody>
+      </p:sp>
+      <p:sp>
+        <p:nvSpPr>
+          <p:cNvPr id="3" name="標題 2"/>
+          <p:cNvSpPr>
+            <a:spLocks noGrp="1"/>
+          </p:cNvSpPr>
+          <p:nvPr>
+            <p:ph type="title"/>
+          </p:nvPr>
+        </p:nvSpPr>
+        <p:spPr/>
+        <p:txBody>
+          <a:bodyPr/>
+          <a:lstStyle/>
+          <a:p>
+            <a:r>
+              <a:rPr lang="en-US" altLang="zh-TW" dirty="0" smtClean="0"/>
+              <a:t>Recommendation System</a:t>
+            </a:r>
+            <a:endParaRPr lang="zh-TW" altLang="en-US" dirty="0"/>
+          </a:p>
+        </p:txBody>
+      </p:sp>
+      <p:sp>
+        <p:nvSpPr>
+          <p:cNvPr id="4" name="內容版面配置區 3"/>
+          <p:cNvSpPr>
+            <a:spLocks noGrp="1"/>
+          </p:cNvSpPr>
+          <p:nvPr>
+            <p:ph sz="quarter" idx="12"/>
+          </p:nvPr>
+        </p:nvSpPr>
+        <p:spPr/>
+        <p:txBody>
+          <a:bodyPr/>
+          <a:lstStyle/>
+          <a:p>
+            <a:r>
+              <a:rPr lang="en-US" altLang="zh-TW" dirty="0" smtClean="0"/>
+              <a:t>Recommend products to consumers.</a:t>
+            </a:r>
+            <a:endParaRPr lang="zh-TW" altLang="en-US" dirty="0"/>
+          </a:p>
+        </p:txBody>
+      </p:sp>
+      <p:sp>
+        <p:nvSpPr>
+          <p:cNvPr id="5" name="頁尾版面配置區 4"/>
+          <p:cNvSpPr>
+            <a:spLocks noGrp="1"/>
+          </p:cNvSpPr>
+          <p:nvPr>
+            <p:ph type="ftr" sz="quarter" idx="3"/>
+          </p:nvPr>
+        </p:nvSpPr>
+        <p:spPr>
+          <a:xfrm>
+            <a:off x="571500" y="6429375"/>
+            <a:ext cx="6929438" cy="423862"/>
+          </a:xfrm>
+        </p:spPr>
+        <p:txBody>
+          <a:bodyPr/>
+          <a:lstStyle/>
+          <a:p>
+            <a:pPr>
+              <a:defRPr/>
+            </a:pPr>
+            <a:r>
+              <a:rPr lang="en-US" altLang="zh-TW" dirty="0" smtClean="0"/>
+              <a:t>Ref: </a:t>
+            </a:r>
+            <a:r>
+              <a:rPr lang="en-US" altLang="zh-TW" dirty="0">
+                <a:hlinkClick r:id="rId2"/>
+              </a:rPr>
+              <a:t>https://towardsdatascience.com/prototyping-a-recommender-system-step-by-step-part-1-knn-item-based-collaborative-filtering-637969614ea</a:t>
+            </a:r>
+            <a:endParaRPr lang="en-US" altLang="zh-TW" dirty="0"/>
+          </a:p>
+        </p:txBody>
+      </p:sp>
+      <p:pic>
+        <p:nvPicPr>
+          <p:cNvPr id="6" name="圖片 5"/>
+          <p:cNvPicPr>
+            <a:picLocks noChangeAspect="1"/>
+          </p:cNvPicPr>
+          <p:nvPr/>
+        </p:nvPicPr>
+        <p:blipFill>
+          <a:blip r:embed="rId3"/>
+          <a:stretch>
+            <a:fillRect/>
+          </a:stretch>
+        </p:blipFill>
+        <p:spPr>
+          <a:xfrm>
+            <a:off x="251520" y="2168451"/>
+            <a:ext cx="4878327" cy="2736304"/>
+          </a:xfrm>
+          <a:prstGeom prst="rect">
+            <a:avLst/>
+          </a:prstGeom>
+        </p:spPr>
+      </p:pic>
+      <p:pic>
+        <p:nvPicPr>
+          <p:cNvPr id="7" name="圖片 6"/>
+          <p:cNvPicPr>
+            <a:picLocks noChangeAspect="1"/>
+          </p:cNvPicPr>
+          <p:nvPr/>
+        </p:nvPicPr>
+        <p:blipFill>
+          <a:blip r:embed="rId4">
+            <a:extLst>
+              <a:ext uri="{28A0092B-C50C-407E-A947-70E740481C1C}">
+                <a14:useLocalDpi xmlns:a14="http://schemas.microsoft.com/office/drawing/2010/main" val="0"/>
+              </a:ext>
+            </a:extLst>
+          </a:blip>
+          <a:stretch>
+            <a:fillRect/>
+          </a:stretch>
+        </p:blipFill>
+        <p:spPr>
+          <a:xfrm>
+            <a:off x="5292080" y="4028753"/>
+            <a:ext cx="3651035" cy="2232347"/>
+          </a:xfrm>
+          <a:prstGeom prst="rect">
+            <a:avLst/>
+          </a:prstGeom>
+        </p:spPr>
+      </p:pic>
+    </p:spTree>
+    <p:extLst>
+      <p:ext uri="{BB962C8B-B14F-4D97-AF65-F5344CB8AC3E}">
+        <p14:creationId xmlns:p14="http://schemas.microsoft.com/office/powerpoint/2010/main" val="2050895720"/>
+      </p:ext>
+    </p:extLst>
+  </p:cSld>
+  <p:clrMapOvr>
+    <a:masterClrMapping/>
+  </p:clrMapOvr>
+  <p:timing>
+    <p:tnLst>
+      <p:par>
+        <p:cTn id="1" dur="indefinite" restart="never" nodeType="tmRoot"/>
+      </p:par>
+    </p:tnLst>
+  </p:timing>
+</p:sld>
+</file>
+
+<file path=ppt/slides/slide33.xml><?xml version="1.0" encoding="utf-8"?>
+<p:sld xmlns:a="http://schemas.openxmlformats.org/drawingml/2006/main" xmlns:r="http://schemas.openxmlformats.org/officeDocument/2006/relationships" xmlns:p="http://schemas.openxmlformats.org/presentationml/2006/main">
+  <p:cSld>
+    <p:spTree>
+      <p:nvGrpSpPr>
+        <p:cNvPr id="1" name=""/>
+        <p:cNvGrpSpPr/>
+        <p:nvPr/>
+      </p:nvGrpSpPr>
+      <p:grpSpPr>
+        <a:xfrm>
+          <a:off x="0" y="0"/>
+          <a:ext cx="0" cy="0"/>
+          <a:chOff x="0" y="0"/>
+          <a:chExt cx="0" cy="0"/>
+        </a:xfrm>
+      </p:grpSpPr>
+      <p:sp>
+        <p:nvSpPr>
+          <p:cNvPr id="2" name="投影片編號版面配置區 1"/>
+          <p:cNvSpPr>
+            <a:spLocks noGrp="1"/>
+          </p:cNvSpPr>
+          <p:nvPr>
+            <p:ph type="sldNum" sz="quarter" idx="11"/>
+          </p:nvPr>
+        </p:nvSpPr>
+        <p:spPr/>
+        <p:txBody>
+          <a:bodyPr/>
+          <a:lstStyle/>
+          <a:p>
+            <a:pPr>
+              <a:defRPr/>
+            </a:pPr>
+            <a:fld id="{C3E24055-C280-453F-98F3-40A960E52EFC}" type="slidenum">
+              <a:rPr lang="en-US" altLang="zh-TW" smtClean="0"/>
+              <a:pPr>
+                <a:defRPr/>
+              </a:pPr>
+              <a:t>33</a:t>
+            </a:fld>
+            <a:endParaRPr lang="en-US" altLang="zh-TW"/>
+          </a:p>
+        </p:txBody>
+      </p:sp>
+      <p:sp>
+        <p:nvSpPr>
+          <p:cNvPr id="3" name="標題 2"/>
+          <p:cNvSpPr>
+            <a:spLocks noGrp="1"/>
+          </p:cNvSpPr>
+          <p:nvPr>
+            <p:ph type="title"/>
+          </p:nvPr>
+        </p:nvSpPr>
+        <p:spPr/>
+        <p:txBody>
+          <a:bodyPr/>
+          <a:lstStyle/>
+          <a:p>
+            <a:r>
+              <a:rPr lang="en-US" altLang="zh-TW" dirty="0" smtClean="0"/>
+              <a:t>Medical Applications</a:t>
+            </a:r>
+            <a:endParaRPr lang="zh-TW" altLang="en-US" dirty="0"/>
+          </a:p>
+        </p:txBody>
+      </p:sp>
+      <p:sp>
+        <p:nvSpPr>
+          <p:cNvPr id="4" name="內容版面配置區 3"/>
+          <p:cNvSpPr>
+            <a:spLocks noGrp="1"/>
+          </p:cNvSpPr>
+          <p:nvPr>
+            <p:ph sz="quarter" idx="12"/>
+          </p:nvPr>
+        </p:nvSpPr>
+        <p:spPr/>
+        <p:txBody>
+          <a:bodyPr/>
+          <a:lstStyle/>
+          <a:p>
+            <a:r>
+              <a:rPr lang="en-US" altLang="zh-TW" dirty="0" smtClean="0"/>
+              <a:t>Diabetes from Retinal Fundus</a:t>
+            </a:r>
+          </a:p>
+          <a:p>
+            <a:endParaRPr lang="en-US" altLang="zh-TW" dirty="0"/>
+          </a:p>
+          <a:p>
+            <a:endParaRPr lang="en-US" altLang="zh-TW" dirty="0" smtClean="0"/>
+          </a:p>
+          <a:p>
+            <a:endParaRPr lang="en-US" altLang="zh-TW" dirty="0" smtClean="0"/>
+          </a:p>
+          <a:p>
+            <a:r>
+              <a:rPr lang="en-US" altLang="zh-TW" dirty="0" smtClean="0"/>
+              <a:t>Other medical image applications on MRI:</a:t>
+            </a:r>
+            <a:endParaRPr lang="zh-TW" altLang="en-US" dirty="0"/>
+          </a:p>
+        </p:txBody>
+      </p:sp>
+      <p:sp>
+        <p:nvSpPr>
+          <p:cNvPr id="5" name="頁尾版面配置區 4"/>
+          <p:cNvSpPr>
+            <a:spLocks noGrp="1"/>
+          </p:cNvSpPr>
+          <p:nvPr>
+            <p:ph type="ftr" sz="quarter" idx="3"/>
+          </p:nvPr>
+        </p:nvSpPr>
+        <p:spPr>
+          <a:xfrm>
+            <a:off x="411567" y="6381328"/>
+            <a:ext cx="7660871" cy="476671"/>
+          </a:xfrm>
+        </p:spPr>
+        <p:txBody>
+          <a:bodyPr/>
+          <a:lstStyle/>
+          <a:p>
+            <a:pPr>
+              <a:defRPr/>
+            </a:pPr>
+            <a:r>
+              <a:rPr lang="en-US" altLang="zh-TW" sz="800" dirty="0"/>
+              <a:t>Ref: </a:t>
+            </a:r>
+            <a:r>
+              <a:rPr lang="en-US" altLang="zh-TW" sz="800" dirty="0" smtClean="0"/>
+              <a:t>Daniel </a:t>
+            </a:r>
+            <a:r>
+              <a:rPr lang="en-US" altLang="zh-TW" sz="800" dirty="0"/>
+              <a:t>S.W</a:t>
+            </a:r>
+            <a:r>
+              <a:rPr lang="en-US" altLang="zh-TW" sz="800" dirty="0" smtClean="0"/>
+              <a:t>. Ting, et al</a:t>
+            </a:r>
+            <a:r>
+              <a:rPr lang="en-US" altLang="zh-TW" sz="800" dirty="0"/>
+              <a:t>. “Deep learning in ophthalmology: The technical and clinical considerations.” Progress in Retinal and Eye </a:t>
+            </a:r>
+            <a:r>
+              <a:rPr lang="en-US" altLang="zh-TW" sz="800" dirty="0" smtClean="0"/>
+              <a:t>Research, vol.72, April, 100759, 2019. Alexander </a:t>
+            </a:r>
+            <a:r>
+              <a:rPr lang="en-US" altLang="zh-TW" sz="800" dirty="0" err="1"/>
+              <a:t>Selvikvåg</a:t>
+            </a:r>
+            <a:r>
+              <a:rPr lang="en-US" altLang="zh-TW" sz="800" dirty="0"/>
+              <a:t> </a:t>
+            </a:r>
+            <a:r>
+              <a:rPr lang="en-US" altLang="zh-TW" sz="800" dirty="0" err="1"/>
+              <a:t>Lundervold</a:t>
+            </a:r>
+            <a:r>
+              <a:rPr lang="en-US" altLang="zh-TW" sz="800" dirty="0"/>
+              <a:t> and </a:t>
+            </a:r>
+            <a:r>
+              <a:rPr lang="en-US" altLang="zh-TW" sz="800" dirty="0" err="1"/>
+              <a:t>Arvid</a:t>
+            </a:r>
+            <a:r>
+              <a:rPr lang="en-US" altLang="zh-TW" sz="800" dirty="0"/>
+              <a:t> </a:t>
+            </a:r>
+            <a:r>
+              <a:rPr lang="en-US" altLang="zh-TW" sz="800" dirty="0" err="1" smtClean="0"/>
+              <a:t>Lundervold</a:t>
+            </a:r>
+            <a:r>
+              <a:rPr lang="en-US" altLang="zh-TW" sz="800" dirty="0"/>
+              <a:t>. “An overview of deep learning in medical imaging focusing on MRI.” </a:t>
+            </a:r>
+            <a:r>
+              <a:rPr lang="en-US" altLang="zh-TW" sz="800" dirty="0" err="1"/>
+              <a:t>Zeitschrift</a:t>
+            </a:r>
+            <a:r>
+              <a:rPr lang="en-US" altLang="zh-TW" sz="800" dirty="0"/>
+              <a:t> </a:t>
+            </a:r>
+            <a:r>
+              <a:rPr lang="en-US" altLang="zh-TW" sz="800" dirty="0" err="1"/>
+              <a:t>für</a:t>
+            </a:r>
+            <a:r>
+              <a:rPr lang="en-US" altLang="zh-TW" sz="800" dirty="0"/>
+              <a:t> </a:t>
+            </a:r>
+            <a:r>
+              <a:rPr lang="en-US" altLang="zh-TW" sz="800" dirty="0" err="1"/>
+              <a:t>Medizinische</a:t>
+            </a:r>
+            <a:r>
+              <a:rPr lang="en-US" altLang="zh-TW" sz="800" dirty="0"/>
+              <a:t> </a:t>
+            </a:r>
+            <a:r>
+              <a:rPr lang="en-US" altLang="zh-TW" sz="800" dirty="0" err="1" smtClean="0"/>
+              <a:t>Physik</a:t>
+            </a:r>
+            <a:r>
+              <a:rPr lang="en-US" altLang="zh-TW" sz="800" dirty="0" smtClean="0"/>
+              <a:t>, vol.29, no.2, pp. 102-127, 2019</a:t>
+            </a:r>
+            <a:endParaRPr lang="en-US" altLang="zh-TW" sz="800" dirty="0"/>
+          </a:p>
+        </p:txBody>
+      </p:sp>
+      <p:pic>
+        <p:nvPicPr>
+          <p:cNvPr id="6" name="圖片 5"/>
+          <p:cNvPicPr>
+            <a:picLocks noChangeAspect="1"/>
+          </p:cNvPicPr>
+          <p:nvPr/>
+        </p:nvPicPr>
+        <p:blipFill>
+          <a:blip r:embed="rId2"/>
+          <a:stretch>
+            <a:fillRect/>
+          </a:stretch>
+        </p:blipFill>
+        <p:spPr>
+          <a:xfrm>
+            <a:off x="411567" y="4519849"/>
+            <a:ext cx="8249055" cy="1741251"/>
+          </a:xfrm>
+          <a:prstGeom prst="rect">
+            <a:avLst/>
+          </a:prstGeom>
+        </p:spPr>
+      </p:pic>
+      <p:pic>
+        <p:nvPicPr>
+          <p:cNvPr id="7" name="圖片 6"/>
+          <p:cNvPicPr>
+            <a:picLocks noChangeAspect="1"/>
+          </p:cNvPicPr>
+          <p:nvPr/>
+        </p:nvPicPr>
+        <p:blipFill>
+          <a:blip r:embed="rId3"/>
+          <a:stretch>
+            <a:fillRect/>
+          </a:stretch>
+        </p:blipFill>
+        <p:spPr>
+          <a:xfrm>
+            <a:off x="1763687" y="1844824"/>
+            <a:ext cx="5883207" cy="2016224"/>
+          </a:xfrm>
+          <a:prstGeom prst="rect">
+            <a:avLst/>
+          </a:prstGeom>
+        </p:spPr>
+      </p:pic>
+    </p:spTree>
+    <p:extLst>
+      <p:ext uri="{BB962C8B-B14F-4D97-AF65-F5344CB8AC3E}">
+        <p14:creationId xmlns:p14="http://schemas.microsoft.com/office/powerpoint/2010/main" val="1850505863"/>
       </p:ext>
     </p:extLst>
   </p:cSld>
@@ -22758,27 +25806,36 @@
           <a:p>
             <a:r>
               <a:rPr lang="en-US" altLang="zh-TW" dirty="0" smtClean="0"/>
-              <a:t>What is Artificial Intelligence</a:t>
+              <a:t>Artificial Intelligence: Concept</a:t>
             </a:r>
           </a:p>
           <a:p>
             <a:r>
               <a:rPr lang="en-US" altLang="zh-TW" dirty="0" smtClean="0"/>
-              <a:t>History of Artificial Intelligence</a:t>
-            </a:r>
+              <a:t>Artificial Intelligence: History</a:t>
+            </a:r>
+            <a:endParaRPr lang="en-US" altLang="zh-TW" dirty="0"/>
           </a:p>
           <a:p>
             <a:r>
               <a:rPr lang="en-US" altLang="zh-TW" dirty="0" smtClean="0"/>
-              <a:t>Applications for Artificial Intelligence</a:t>
-            </a:r>
+              <a:t>Artificial Intelligence</a:t>
+            </a:r>
+            <a:r>
+              <a:rPr lang="en-US" altLang="zh-TW" dirty="0"/>
+              <a:t>: Categorization</a:t>
+            </a:r>
+            <a:endParaRPr lang="en-US" altLang="zh-TW" dirty="0" smtClean="0"/>
           </a:p>
           <a:p>
             <a:r>
               <a:rPr lang="en-US" altLang="zh-TW" dirty="0" smtClean="0"/>
-              <a:t>Categorization of Artificial Intelligence</a:t>
-            </a:r>
-            <a:endParaRPr lang="zh-TW" altLang="en-US" dirty="0"/>
+              <a:t>Artificial Intelligence: </a:t>
+            </a:r>
+            <a:r>
+              <a:rPr lang="en-US" altLang="zh-TW" dirty="0"/>
+              <a:t>Applications</a:t>
+            </a:r>
           </a:p>
         </p:txBody>
       </p:sp>
